--- a/MP/PPT.pptx
+++ b/MP/PPT.pptx
@@ -14,19 +14,17 @@
     <p:sldId id="271" r:id="rId7"/>
     <p:sldId id="259" r:id="rId8"/>
     <p:sldId id="260" r:id="rId9"/>
-    <p:sldId id="261" r:id="rId10"/>
-    <p:sldId id="262" r:id="rId11"/>
+    <p:sldId id="272" r:id="rId10"/>
+    <p:sldId id="273" r:id="rId11"/>
     <p:sldId id="270" r:id="rId12"/>
-    <p:sldId id="268" r:id="rId13"/>
-    <p:sldId id="272" r:id="rId14"/>
-    <p:sldId id="273" r:id="rId15"/>
-    <p:sldId id="283" r:id="rId16"/>
-    <p:sldId id="286" r:id="rId17"/>
-    <p:sldId id="285" r:id="rId18"/>
-    <p:sldId id="288" r:id="rId19"/>
-    <p:sldId id="289" r:id="rId20"/>
-    <p:sldId id="287" r:id="rId21"/>
-    <p:sldId id="267" r:id="rId22"/>
+    <p:sldId id="283" r:id="rId13"/>
+    <p:sldId id="286" r:id="rId14"/>
+    <p:sldId id="285" r:id="rId15"/>
+    <p:sldId id="288" r:id="rId16"/>
+    <p:sldId id="289" r:id="rId17"/>
+    <p:sldId id="293" r:id="rId18"/>
+    <p:sldId id="294" r:id="rId19"/>
+    <p:sldId id="267" r:id="rId20"/>
   </p:sldIdLst>
   <p:sldSz cx="12192000" cy="6858000"/>
   <p:notesSz cx="6858000" cy="9144000"/>
@@ -262,12 +260,12 @@
   <p:extLst>
     <p:ext uri="{EFAFB233-063F-42B5-8137-9DF3F51BA10A}">
       <p15:sldGuideLst xmlns:p15="http://schemas.microsoft.com/office/powerpoint/2012/main">
-        <p15:guide id="1" orient="horz" pos="2166" userDrawn="1">
+        <p15:guide id="1" orient="horz" pos="2157" userDrawn="1">
           <p15:clr>
             <a:srgbClr val="A4A3A4"/>
           </p15:clr>
         </p15:guide>
-        <p15:guide id="2" pos="3840" userDrawn="1">
+        <p15:guide id="2" pos="3813" userDrawn="1">
           <p15:clr>
             <a:srgbClr val="A4A3A4"/>
           </p15:clr>
@@ -1983,290 +1981,6 @@
       <p:sp>
         <p:nvSpPr>
           <p:cNvPr id="132" name="Google Shape;132;g24c63169c1f_0_10:notes"/>
-          <p:cNvSpPr txBox="1"/>
-          <p:nvPr>
-            <p:ph type="sldNum" idx="12"/>
-          </p:nvPr>
-        </p:nvSpPr>
-        <p:spPr>
-          <a:xfrm>
-            <a:off x="3884613" y="8685213"/>
-            <a:ext cx="2971800" cy="458700"/>
-          </a:xfrm>
-          <a:prstGeom prst="rect">
-            <a:avLst/>
-          </a:prstGeom>
-        </p:spPr>
-        <p:txBody>
-          <a:bodyPr spcFirstLastPara="1" wrap="square" lIns="91425" tIns="45700" rIns="91425" bIns="45700" anchor="b" anchorCtr="0">
-            <a:noAutofit/>
-          </a:bodyPr>
-          <a:lstStyle/>
-          <a:p>
-            <a:pPr marL="0" lvl="0" indent="0" algn="r" rtl="0">
-              <a:spcBef>
-                <a:spcPts val="0"/>
-              </a:spcBef>
-              <a:spcAft>
-                <a:spcPts val="0"/>
-              </a:spcAft>
-              <a:buClr>
-                <a:srgbClr val="000000"/>
-              </a:buClr>
-              <a:buFont typeface="Arial" panose="020B0604020202020204"/>
-              <a:buNone/>
-            </a:pPr>
-            <a:fld id="{00000000-1234-1234-1234-123412341234}" type="slidenum">
-              <a:rPr lang="en-US"/>
-            </a:fld>
-            <a:endParaRPr lang="en-US"/>
-          </a:p>
-        </p:txBody>
-      </p:sp>
-    </p:spTree>
-  </p:cSld>
-  <p:clrMapOvr>
-    <a:masterClrMapping/>
-  </p:clrMapOvr>
-</p:notes>
-</file>
-
-<file path=ppt/notesSlides/notesSlide6.xml><?xml version="1.0" encoding="utf-8"?>
-<p:notes xmlns:a="http://schemas.openxmlformats.org/drawingml/2006/main" xmlns:r="http://schemas.openxmlformats.org/officeDocument/2006/relationships" xmlns:p="http://schemas.openxmlformats.org/presentationml/2006/main" showMasterPhAnim="0" showMasterSp="0">
-  <p:cSld>
-    <p:spTree>
-      <p:nvGrpSpPr>
-        <p:cNvPr id="137" name="Shape 137"/>
-        <p:cNvGrpSpPr/>
-        <p:nvPr/>
-      </p:nvGrpSpPr>
-      <p:grpSpPr>
-        <a:xfrm>
-          <a:off x="0" y="0"/>
-          <a:ext cx="0" cy="0"/>
-          <a:chOff x="0" y="0"/>
-          <a:chExt cx="0" cy="0"/>
-        </a:xfrm>
-      </p:grpSpPr>
-      <p:sp>
-        <p:nvSpPr>
-          <p:cNvPr id="138" name="Google Shape;138;g24c63169c1f_0_21:notes"/>
-          <p:cNvSpPr/>
-          <p:nvPr>
-            <p:ph type="sldImg" idx="2"/>
-          </p:nvPr>
-        </p:nvSpPr>
-        <p:spPr>
-          <a:xfrm>
-            <a:off x="685800" y="1143000"/>
-            <a:ext cx="5486400" cy="3086100"/>
-          </a:xfrm>
-          <a:custGeom>
-            <a:avLst/>
-            <a:gdLst/>
-            <a:ahLst/>
-            <a:cxnLst/>
-            <a:rect l="l" t="t" r="r" b="b"/>
-            <a:pathLst>
-              <a:path w="120000" h="120000" extrusionOk="0">
-                <a:moveTo>
-                  <a:pt x="0" y="0"/>
-                </a:moveTo>
-                <a:lnTo>
-                  <a:pt x="120000" y="0"/>
-                </a:lnTo>
-                <a:lnTo>
-                  <a:pt x="120000" y="120000"/>
-                </a:lnTo>
-                <a:lnTo>
-                  <a:pt x="0" y="120000"/>
-                </a:lnTo>
-                <a:close/>
-              </a:path>
-            </a:pathLst>
-          </a:custGeom>
-        </p:spPr>
-      </p:sp>
-      <p:sp>
-        <p:nvSpPr>
-          <p:cNvPr id="139" name="Google Shape;139;g24c63169c1f_0_21:notes"/>
-          <p:cNvSpPr txBox="1"/>
-          <p:nvPr>
-            <p:ph type="body" idx="1"/>
-          </p:nvPr>
-        </p:nvSpPr>
-        <p:spPr>
-          <a:xfrm>
-            <a:off x="685800" y="4400550"/>
-            <a:ext cx="5486400" cy="3600600"/>
-          </a:xfrm>
-          <a:prstGeom prst="rect">
-            <a:avLst/>
-          </a:prstGeom>
-        </p:spPr>
-        <p:txBody>
-          <a:bodyPr spcFirstLastPara="1" wrap="square" lIns="91425" tIns="45700" rIns="91425" bIns="45700" anchor="t" anchorCtr="0">
-            <a:noAutofit/>
-          </a:bodyPr>
-          <a:lstStyle/>
-          <a:p>
-            <a:pPr marL="0" lvl="0" indent="0" algn="l" rtl="0">
-              <a:spcBef>
-                <a:spcPts val="0"/>
-              </a:spcBef>
-              <a:spcAft>
-                <a:spcPts val="0"/>
-              </a:spcAft>
-              <a:buNone/>
-            </a:pPr>
-          </a:p>
-        </p:txBody>
-      </p:sp>
-      <p:sp>
-        <p:nvSpPr>
-          <p:cNvPr id="140" name="Google Shape;140;g24c63169c1f_0_21:notes"/>
-          <p:cNvSpPr txBox="1"/>
-          <p:nvPr>
-            <p:ph type="sldNum" idx="12"/>
-          </p:nvPr>
-        </p:nvSpPr>
-        <p:spPr>
-          <a:xfrm>
-            <a:off x="3884613" y="8685213"/>
-            <a:ext cx="2971800" cy="458700"/>
-          </a:xfrm>
-          <a:prstGeom prst="rect">
-            <a:avLst/>
-          </a:prstGeom>
-        </p:spPr>
-        <p:txBody>
-          <a:bodyPr spcFirstLastPara="1" wrap="square" lIns="91425" tIns="45700" rIns="91425" bIns="45700" anchor="b" anchorCtr="0">
-            <a:noAutofit/>
-          </a:bodyPr>
-          <a:lstStyle/>
-          <a:p>
-            <a:pPr marL="0" lvl="0" indent="0" algn="r" rtl="0">
-              <a:spcBef>
-                <a:spcPts val="0"/>
-              </a:spcBef>
-              <a:spcAft>
-                <a:spcPts val="0"/>
-              </a:spcAft>
-              <a:buClr>
-                <a:srgbClr val="000000"/>
-              </a:buClr>
-              <a:buFont typeface="Arial" panose="020B0604020202020204"/>
-              <a:buNone/>
-            </a:pPr>
-            <a:fld id="{00000000-1234-1234-1234-123412341234}" type="slidenum">
-              <a:rPr lang="en-US"/>
-            </a:fld>
-            <a:endParaRPr lang="en-US"/>
-          </a:p>
-        </p:txBody>
-      </p:sp>
-    </p:spTree>
-  </p:cSld>
-  <p:clrMapOvr>
-    <a:masterClrMapping/>
-  </p:clrMapOvr>
-</p:notes>
-</file>
-
-<file path=ppt/notesSlides/notesSlide7.xml><?xml version="1.0" encoding="utf-8"?>
-<p:notes xmlns:a="http://schemas.openxmlformats.org/drawingml/2006/main" xmlns:r="http://schemas.openxmlformats.org/officeDocument/2006/relationships" xmlns:p="http://schemas.openxmlformats.org/presentationml/2006/main" showMasterPhAnim="0" showMasterSp="0">
-  <p:cSld>
-    <p:spTree>
-      <p:nvGrpSpPr>
-        <p:cNvPr id="145" name="Shape 145"/>
-        <p:cNvGrpSpPr/>
-        <p:nvPr/>
-      </p:nvGrpSpPr>
-      <p:grpSpPr>
-        <a:xfrm>
-          <a:off x="0" y="0"/>
-          <a:ext cx="0" cy="0"/>
-          <a:chOff x="0" y="0"/>
-          <a:chExt cx="0" cy="0"/>
-        </a:xfrm>
-      </p:grpSpPr>
-      <p:sp>
-        <p:nvSpPr>
-          <p:cNvPr id="146" name="Google Shape;146;g2b654f8bd51_1_14:notes"/>
-          <p:cNvSpPr/>
-          <p:nvPr>
-            <p:ph type="sldImg" idx="2"/>
-          </p:nvPr>
-        </p:nvSpPr>
-        <p:spPr>
-          <a:xfrm>
-            <a:off x="685800" y="1143000"/>
-            <a:ext cx="5486400" cy="3086100"/>
-          </a:xfrm>
-          <a:custGeom>
-            <a:avLst/>
-            <a:gdLst/>
-            <a:ahLst/>
-            <a:cxnLst/>
-            <a:rect l="l" t="t" r="r" b="b"/>
-            <a:pathLst>
-              <a:path w="120000" h="120000" extrusionOk="0">
-                <a:moveTo>
-                  <a:pt x="0" y="0"/>
-                </a:moveTo>
-                <a:lnTo>
-                  <a:pt x="120000" y="0"/>
-                </a:lnTo>
-                <a:lnTo>
-                  <a:pt x="120000" y="120000"/>
-                </a:lnTo>
-                <a:lnTo>
-                  <a:pt x="0" y="120000"/>
-                </a:lnTo>
-                <a:close/>
-              </a:path>
-            </a:pathLst>
-          </a:custGeom>
-        </p:spPr>
-      </p:sp>
-      <p:sp>
-        <p:nvSpPr>
-          <p:cNvPr id="147" name="Google Shape;147;g2b654f8bd51_1_14:notes"/>
-          <p:cNvSpPr txBox="1"/>
-          <p:nvPr>
-            <p:ph type="body" idx="1"/>
-          </p:nvPr>
-        </p:nvSpPr>
-        <p:spPr>
-          <a:xfrm>
-            <a:off x="685800" y="4400550"/>
-            <a:ext cx="5486400" cy="3600600"/>
-          </a:xfrm>
-          <a:prstGeom prst="rect">
-            <a:avLst/>
-          </a:prstGeom>
-        </p:spPr>
-        <p:txBody>
-          <a:bodyPr spcFirstLastPara="1" wrap="square" lIns="91425" tIns="45700" rIns="91425" bIns="45700" anchor="t" anchorCtr="0">
-            <a:noAutofit/>
-          </a:bodyPr>
-          <a:lstStyle/>
-          <a:p>
-            <a:pPr marL="0" lvl="0" indent="0" algn="l" rtl="0">
-              <a:spcBef>
-                <a:spcPts val="0"/>
-              </a:spcBef>
-              <a:spcAft>
-                <a:spcPts val="0"/>
-              </a:spcAft>
-              <a:buNone/>
-            </a:pPr>
-          </a:p>
-        </p:txBody>
-      </p:sp>
-      <p:sp>
-        <p:nvSpPr>
-          <p:cNvPr id="148" name="Google Shape;148;g2b654f8bd51_1_14:notes"/>
           <p:cNvSpPr txBox="1"/>
           <p:nvPr>
             <p:ph type="sldNum" idx="12"/>
@@ -13679,11 +13393,925 @@
           <a:p>
             <a:pPr algn="ctr"/>
             <a:r>
+              <a:rPr lang="en-US">
+                <a:latin typeface="Times New Roman" panose="02020603050405020304" charset="0"/>
+                <a:cs typeface="Times New Roman" panose="02020603050405020304" charset="0"/>
+              </a:rPr>
+              <a:t>Characteristics Identification</a:t>
+            </a:r>
+            <a:endParaRPr lang="en-US">
+              <a:latin typeface="Times New Roman" panose="02020603050405020304" charset="0"/>
+              <a:cs typeface="Times New Roman" panose="02020603050405020304" charset="0"/>
+            </a:endParaRPr>
+          </a:p>
+        </p:txBody>
+      </p:sp>
+      <p:sp>
+        <p:nvSpPr>
+          <p:cNvPr id="7" name="Text Placeholder 6"/>
+          <p:cNvSpPr/>
+          <p:nvPr>
+            <p:ph type="body" idx="1"/>
+          </p:nvPr>
+        </p:nvSpPr>
+        <p:spPr>
+          <a:xfrm>
+            <a:off x="838200" y="1691005"/>
+            <a:ext cx="10515600" cy="4486275"/>
+          </a:xfrm>
+        </p:spPr>
+        <p:txBody>
+          <a:bodyPr/>
+          <a:p>
+            <a:pPr marL="114300" indent="0">
+              <a:buNone/>
+            </a:pPr>
+            <a:r>
               <a:rPr lang="en-US" b="1">
                 <a:latin typeface="Times New Roman" panose="02020603050405020304" charset="0"/>
                 <a:cs typeface="Times New Roman" panose="02020603050405020304" charset="0"/>
               </a:rPr>
-              <a:t>Preliminary Design</a:t>
+              <a:t>Data Attributes</a:t>
+            </a:r>
+            <a:endParaRPr lang="en-US" b="1">
+              <a:latin typeface="Times New Roman" panose="02020603050405020304" charset="0"/>
+              <a:cs typeface="Times New Roman" panose="02020603050405020304" charset="0"/>
+            </a:endParaRPr>
+          </a:p>
+          <a:p>
+            <a:r>
+              <a:rPr lang="en-US" sz="1800">
+                <a:latin typeface="Times New Roman" panose="02020603050405020304" charset="0"/>
+                <a:cs typeface="Times New Roman" panose="02020603050405020304" charset="0"/>
+              </a:rPr>
+              <a:t>We have different types of data attributes collected in multiple scales like PHQ-9, GAD-7 and SAS-SV.</a:t>
+            </a:r>
+            <a:endParaRPr lang="en-US" sz="1800">
+              <a:latin typeface="Times New Roman" panose="02020603050405020304" charset="0"/>
+              <a:cs typeface="Times New Roman" panose="02020603050405020304" charset="0"/>
+            </a:endParaRPr>
+          </a:p>
+          <a:p>
+            <a:r>
+              <a:rPr lang="en-US" sz="1800" b="1">
+                <a:latin typeface="Times New Roman" panose="02020603050405020304" charset="0"/>
+                <a:cs typeface="Times New Roman" panose="02020603050405020304" charset="0"/>
+              </a:rPr>
+              <a:t>For example</a:t>
+            </a:r>
+            <a:r>
+              <a:rPr lang="en-US" sz="1800">
+                <a:latin typeface="Times New Roman" panose="02020603050405020304" charset="0"/>
+                <a:cs typeface="Times New Roman" panose="02020603050405020304" charset="0"/>
+              </a:rPr>
+              <a:t> - Demographic Attributes like name, age, gender, etc. , Different binary attributes related to these questionnaires like in PHQ-9, we have taken 9 different scores one for each question , in GAD-7 we have taken 7 scores 1 for each question.</a:t>
+            </a:r>
+            <a:endParaRPr lang="en-US" sz="1800">
+              <a:latin typeface="Times New Roman" panose="02020603050405020304" charset="0"/>
+              <a:cs typeface="Times New Roman" panose="02020603050405020304" charset="0"/>
+            </a:endParaRPr>
+          </a:p>
+          <a:p>
+            <a:r>
+              <a:rPr lang="en-US" sz="1800">
+                <a:latin typeface="Times New Roman" panose="02020603050405020304" charset="0"/>
+                <a:cs typeface="Times New Roman" panose="02020603050405020304" charset="0"/>
+              </a:rPr>
+              <a:t>If we talk about the SAS-SV we have used different demographic attributes like name, age, gender, and then attributes like Screen Time, Social Engagement,etc.</a:t>
+            </a:r>
+            <a:endParaRPr lang="en-US" sz="1800">
+              <a:latin typeface="Times New Roman" panose="02020603050405020304" charset="0"/>
+              <a:cs typeface="Times New Roman" panose="02020603050405020304" charset="0"/>
+            </a:endParaRPr>
+          </a:p>
+          <a:p>
+            <a:endParaRPr lang="en-US" sz="1800">
+              <a:latin typeface="Times New Roman" panose="02020603050405020304" charset="0"/>
+              <a:cs typeface="Times New Roman" panose="02020603050405020304" charset="0"/>
+            </a:endParaRPr>
+          </a:p>
+          <a:p>
+            <a:pPr marL="114300" indent="0">
+              <a:buNone/>
+            </a:pPr>
+            <a:r>
+              <a:rPr lang="en-US" b="1">
+                <a:latin typeface="Times New Roman" panose="02020603050405020304" charset="0"/>
+                <a:cs typeface="Times New Roman" panose="02020603050405020304" charset="0"/>
+              </a:rPr>
+              <a:t>Machine Learning Algorithms</a:t>
+            </a:r>
+            <a:endParaRPr lang="en-US" b="1">
+              <a:latin typeface="Times New Roman" panose="02020603050405020304" charset="0"/>
+              <a:cs typeface="Times New Roman" panose="02020603050405020304" charset="0"/>
+            </a:endParaRPr>
+          </a:p>
+          <a:p>
+            <a:r>
+              <a:rPr lang="en-US" sz="1800">
+                <a:latin typeface="Times New Roman" panose="02020603050405020304" charset="0"/>
+                <a:cs typeface="Times New Roman" panose="02020603050405020304" charset="0"/>
+              </a:rPr>
+              <a:t>We are using different classification algorithms like random forest classifiers (RFCs) and Support vector machines (SVMs).</a:t>
+            </a:r>
+            <a:endParaRPr lang="en-US" sz="1800">
+              <a:latin typeface="Times New Roman" panose="02020603050405020304" charset="0"/>
+              <a:cs typeface="Times New Roman" panose="02020603050405020304" charset="0"/>
+            </a:endParaRPr>
+          </a:p>
+          <a:p>
+            <a:r>
+              <a:rPr lang="en-US" sz="1800">
+                <a:latin typeface="Times New Roman" panose="02020603050405020304" charset="0"/>
+                <a:cs typeface="Times New Roman" panose="02020603050405020304" charset="0"/>
+              </a:rPr>
+              <a:t>In SVMs we have used different kernels like polynomial, gaussian and linear to find the model with best accuracy and precision.</a:t>
+            </a:r>
+            <a:endParaRPr lang="en-US" sz="1800">
+              <a:latin typeface="Times New Roman" panose="02020603050405020304" charset="0"/>
+              <a:cs typeface="Times New Roman" panose="02020603050405020304" charset="0"/>
+            </a:endParaRPr>
+          </a:p>
+        </p:txBody>
+      </p:sp>
+      <p:sp>
+        <p:nvSpPr>
+          <p:cNvPr id="5" name="Slide Number Placeholder 4"/>
+          <p:cNvSpPr>
+            <a:spLocks noGrp="1"/>
+          </p:cNvSpPr>
+          <p:nvPr>
+            <p:ph type="sldNum" idx="12"/>
+          </p:nvPr>
+        </p:nvSpPr>
+        <p:spPr/>
+        <p:txBody>
+          <a:bodyPr/>
+          <a:p>
+            <a:pPr marL="0" lvl="0" indent="0" algn="r" rtl="0">
+              <a:spcBef>
+                <a:spcPts val="0"/>
+              </a:spcBef>
+              <a:spcAft>
+                <a:spcPts val="0"/>
+              </a:spcAft>
+              <a:buNone/>
+            </a:pPr>
+            <a:fld id="{00000000-1234-1234-1234-123412341234}" type="slidenum">
+              <a:rPr lang="en-US"/>
+            </a:fld>
+            <a:endParaRPr lang="en-US"/>
+          </a:p>
+        </p:txBody>
+      </p:sp>
+    </p:spTree>
+  </p:cSld>
+  <p:clrMapOvr>
+    <a:masterClrMapping/>
+  </p:clrMapOvr>
+</p:sld>
+</file>
+
+<file path=ppt/slides/slide11.xml><?xml version="1.0" encoding="utf-8"?>
+<p:sld xmlns:a="http://schemas.openxmlformats.org/drawingml/2006/main" xmlns:r="http://schemas.openxmlformats.org/officeDocument/2006/relationships" xmlns:p="http://schemas.openxmlformats.org/presentationml/2006/main">
+  <p:cSld>
+    <p:spTree>
+      <p:nvGrpSpPr>
+        <p:cNvPr id="1" name=""/>
+        <p:cNvGrpSpPr/>
+        <p:nvPr/>
+      </p:nvGrpSpPr>
+      <p:grpSpPr/>
+      <p:sp>
+        <p:nvSpPr>
+          <p:cNvPr id="14" name="Title 13"/>
+          <p:cNvSpPr/>
+          <p:nvPr>
+            <p:ph type="title"/>
+          </p:nvPr>
+        </p:nvSpPr>
+        <p:spPr/>
+        <p:txBody>
+          <a:bodyPr/>
+          <a:p>
+            <a:pPr algn="ctr"/>
+            <a:r>
+              <a:rPr lang="en-US">
+                <a:latin typeface="Times New Roman" panose="02020603050405020304" charset="0"/>
+                <a:cs typeface="Times New Roman" panose="02020603050405020304" charset="0"/>
+                <a:sym typeface="+mn-ea"/>
+              </a:rPr>
+              <a:t>Characteristics Identification</a:t>
+            </a:r>
+            <a:endParaRPr lang="en-US"/>
+          </a:p>
+        </p:txBody>
+      </p:sp>
+      <p:sp>
+        <p:nvSpPr>
+          <p:cNvPr id="5" name="Slide Number Placeholder 4"/>
+          <p:cNvSpPr>
+            <a:spLocks noGrp="1"/>
+          </p:cNvSpPr>
+          <p:nvPr>
+            <p:ph type="sldNum" idx="12"/>
+          </p:nvPr>
+        </p:nvSpPr>
+        <p:spPr/>
+        <p:txBody>
+          <a:bodyPr/>
+          <a:p>
+            <a:pPr marL="0" lvl="0" indent="0" algn="r" rtl="0">
+              <a:spcBef>
+                <a:spcPts val="0"/>
+              </a:spcBef>
+              <a:spcAft>
+                <a:spcPts val="0"/>
+              </a:spcAft>
+              <a:buNone/>
+            </a:pPr>
+            <a:fld id="{00000000-1234-1234-1234-123412341234}" type="slidenum">
+              <a:rPr lang="en-US"/>
+            </a:fld>
+            <a:endParaRPr lang="en-US"/>
+          </a:p>
+        </p:txBody>
+      </p:sp>
+      <p:pic>
+        <p:nvPicPr>
+          <p:cNvPr id="11" name="Picture Placeholder 10" descr="Screenshot (95)"/>
+          <p:cNvPicPr>
+            <a:picLocks noChangeAspect="1"/>
+          </p:cNvPicPr>
+          <p:nvPr>
+            <p:ph type="pic" idx="4294967295"/>
+          </p:nvPr>
+        </p:nvPicPr>
+        <p:blipFill>
+          <a:blip r:embed="rId1"/>
+          <a:stretch>
+            <a:fillRect/>
+          </a:stretch>
+        </p:blipFill>
+        <p:spPr>
+          <a:xfrm>
+            <a:off x="1748155" y="1833880"/>
+            <a:ext cx="8695690" cy="4342765"/>
+          </a:xfrm>
+          <a:prstGeom prst="rect">
+            <a:avLst/>
+          </a:prstGeom>
+        </p:spPr>
+      </p:pic>
+    </p:spTree>
+  </p:cSld>
+  <p:clrMapOvr>
+    <a:masterClrMapping/>
+  </p:clrMapOvr>
+</p:sld>
+</file>
+
+<file path=ppt/slides/slide12.xml><?xml version="1.0" encoding="utf-8"?>
+<p:sld xmlns:a="http://schemas.openxmlformats.org/drawingml/2006/main" xmlns:r="http://schemas.openxmlformats.org/officeDocument/2006/relationships" xmlns:p="http://schemas.openxmlformats.org/presentationml/2006/main">
+  <p:cSld>
+    <p:spTree>
+      <p:nvGrpSpPr>
+        <p:cNvPr id="1" name=""/>
+        <p:cNvGrpSpPr/>
+        <p:nvPr/>
+      </p:nvGrpSpPr>
+      <p:grpSpPr/>
+      <p:sp>
+        <p:nvSpPr>
+          <p:cNvPr id="6" name="Title 5"/>
+          <p:cNvSpPr/>
+          <p:nvPr>
+            <p:ph type="title"/>
+          </p:nvPr>
+        </p:nvSpPr>
+        <p:spPr/>
+        <p:txBody>
+          <a:bodyPr/>
+          <a:p>
+            <a:pPr algn="ctr"/>
+            <a:r>
+              <a:rPr lang="en-US">
+                <a:latin typeface="Times New Roman" panose="02020603050405020304" charset="0"/>
+                <a:cs typeface="Times New Roman" panose="02020603050405020304" charset="0"/>
+                <a:sym typeface="+mn-ea"/>
+              </a:rPr>
+              <a:t>Characteristics Identification</a:t>
+            </a:r>
+            <a:endParaRPr lang="en-US"/>
+          </a:p>
+        </p:txBody>
+      </p:sp>
+      <p:sp>
+        <p:nvSpPr>
+          <p:cNvPr id="7" name="Text Placeholder 6"/>
+          <p:cNvSpPr/>
+          <p:nvPr>
+            <p:ph type="body" idx="1"/>
+          </p:nvPr>
+        </p:nvSpPr>
+        <p:spPr>
+          <a:xfrm>
+            <a:off x="838200" y="1691640"/>
+            <a:ext cx="10515600" cy="4485640"/>
+          </a:xfrm>
+        </p:spPr>
+        <p:txBody>
+          <a:bodyPr/>
+          <a:p>
+            <a:pPr marL="114300" indent="0">
+              <a:buNone/>
+            </a:pPr>
+            <a:r>
+              <a:rPr lang="en-US" b="1">
+                <a:latin typeface="Times New Roman" panose="02020603050405020304" charset="0"/>
+                <a:cs typeface="Times New Roman" panose="02020603050405020304" charset="0"/>
+              </a:rPr>
+              <a:t>Evaluation Metrics</a:t>
+            </a:r>
+            <a:endParaRPr lang="en-US" b="1">
+              <a:latin typeface="Times New Roman" panose="02020603050405020304" charset="0"/>
+              <a:cs typeface="Times New Roman" panose="02020603050405020304" charset="0"/>
+            </a:endParaRPr>
+          </a:p>
+          <a:p>
+            <a:r>
+              <a:rPr lang="en-US" sz="1800">
+                <a:latin typeface="Times New Roman" panose="02020603050405020304" charset="0"/>
+                <a:cs typeface="Times New Roman" panose="02020603050405020304" charset="0"/>
+              </a:rPr>
+              <a:t>We have used model classification report for defining the evaluation metrices of each model used.</a:t>
+            </a:r>
+            <a:endParaRPr lang="en-US" sz="1800">
+              <a:latin typeface="Times New Roman" panose="02020603050405020304" charset="0"/>
+              <a:cs typeface="Times New Roman" panose="02020603050405020304" charset="0"/>
+            </a:endParaRPr>
+          </a:p>
+          <a:p>
+            <a:r>
+              <a:rPr lang="en-US" sz="1800">
+                <a:latin typeface="Times New Roman" panose="02020603050405020304" charset="0"/>
+                <a:cs typeface="Times New Roman" panose="02020603050405020304" charset="0"/>
+              </a:rPr>
+              <a:t>Different matrices included in this classification report are accuracy, precision, recall, etc..</a:t>
+            </a:r>
+            <a:endParaRPr lang="en-US" sz="1800">
+              <a:latin typeface="Times New Roman" panose="02020603050405020304" charset="0"/>
+              <a:cs typeface="Times New Roman" panose="02020603050405020304" charset="0"/>
+            </a:endParaRPr>
+          </a:p>
+          <a:p>
+            <a:endParaRPr lang="en-US" sz="1800">
+              <a:latin typeface="Times New Roman" panose="02020603050405020304" charset="0"/>
+              <a:cs typeface="Times New Roman" panose="02020603050405020304" charset="0"/>
+            </a:endParaRPr>
+          </a:p>
+        </p:txBody>
+      </p:sp>
+      <p:sp>
+        <p:nvSpPr>
+          <p:cNvPr id="5" name="Slide Number Placeholder 4"/>
+          <p:cNvSpPr>
+            <a:spLocks noGrp="1"/>
+          </p:cNvSpPr>
+          <p:nvPr>
+            <p:ph type="sldNum" idx="12"/>
+          </p:nvPr>
+        </p:nvSpPr>
+        <p:spPr/>
+        <p:txBody>
+          <a:bodyPr/>
+          <a:p>
+            <a:pPr marL="0" lvl="0" indent="0" algn="r" rtl="0">
+              <a:spcBef>
+                <a:spcPts val="0"/>
+              </a:spcBef>
+              <a:spcAft>
+                <a:spcPts val="0"/>
+              </a:spcAft>
+              <a:buNone/>
+            </a:pPr>
+            <a:fld id="{00000000-1234-1234-1234-123412341234}" type="slidenum">
+              <a:rPr lang="en-US"/>
+            </a:fld>
+            <a:endParaRPr lang="en-US"/>
+          </a:p>
+        </p:txBody>
+      </p:sp>
+      <p:pic>
+        <p:nvPicPr>
+          <p:cNvPr id="8" name="Picture Placeholder 7" descr="Screenshot (94)"/>
+          <p:cNvPicPr>
+            <a:picLocks noChangeAspect="1"/>
+          </p:cNvPicPr>
+          <p:nvPr>
+            <p:ph type="pic" idx="4294967295"/>
+          </p:nvPr>
+        </p:nvPicPr>
+        <p:blipFill>
+          <a:blip r:embed="rId1"/>
+          <a:stretch>
+            <a:fillRect/>
+          </a:stretch>
+        </p:blipFill>
+        <p:spPr>
+          <a:xfrm>
+            <a:off x="1136015" y="3429000"/>
+            <a:ext cx="8385175" cy="2763520"/>
+          </a:xfrm>
+          <a:prstGeom prst="rect">
+            <a:avLst/>
+          </a:prstGeom>
+        </p:spPr>
+      </p:pic>
+    </p:spTree>
+  </p:cSld>
+  <p:clrMapOvr>
+    <a:masterClrMapping/>
+  </p:clrMapOvr>
+</p:sld>
+</file>
+
+<file path=ppt/slides/slide13.xml><?xml version="1.0" encoding="utf-8"?>
+<p:sld xmlns:a="http://schemas.openxmlformats.org/drawingml/2006/main" xmlns:r="http://schemas.openxmlformats.org/officeDocument/2006/relationships" xmlns:p="http://schemas.openxmlformats.org/presentationml/2006/main">
+  <p:cSld>
+    <p:spTree>
+      <p:nvGrpSpPr>
+        <p:cNvPr id="1" name=""/>
+        <p:cNvGrpSpPr/>
+        <p:nvPr/>
+      </p:nvGrpSpPr>
+      <p:grpSpPr/>
+      <p:sp>
+        <p:nvSpPr>
+          <p:cNvPr id="6" name="Title 5"/>
+          <p:cNvSpPr/>
+          <p:nvPr>
+            <p:ph type="title"/>
+          </p:nvPr>
+        </p:nvSpPr>
+        <p:spPr>
+          <a:xfrm>
+            <a:off x="838200" y="365125"/>
+            <a:ext cx="10515600" cy="837565"/>
+          </a:xfrm>
+        </p:spPr>
+        <p:txBody>
+          <a:bodyPr/>
+          <a:p>
+            <a:pPr algn="ctr"/>
+            <a:r>
+              <a:rPr lang="en-US">
+                <a:latin typeface="Times New Roman" panose="02020603050405020304" charset="0"/>
+                <a:cs typeface="Times New Roman" panose="02020603050405020304" charset="0"/>
+              </a:rPr>
+              <a:t>Features Analysis</a:t>
+            </a:r>
+            <a:endParaRPr lang="en-US">
+              <a:latin typeface="Times New Roman" panose="02020603050405020304" charset="0"/>
+              <a:cs typeface="Times New Roman" panose="02020603050405020304" charset="0"/>
+            </a:endParaRPr>
+          </a:p>
+        </p:txBody>
+      </p:sp>
+      <p:sp>
+        <p:nvSpPr>
+          <p:cNvPr id="7" name="Text Placeholder 6"/>
+          <p:cNvSpPr/>
+          <p:nvPr>
+            <p:ph type="body" idx="1"/>
+          </p:nvPr>
+        </p:nvSpPr>
+        <p:spPr>
+          <a:xfrm>
+            <a:off x="838200" y="1358900"/>
+            <a:ext cx="10515600" cy="4818380"/>
+          </a:xfrm>
+        </p:spPr>
+        <p:txBody>
+          <a:bodyPr>
+            <a:normAutofit/>
+          </a:bodyPr>
+          <a:p>
+            <a:pPr marL="114300" indent="0">
+              <a:buNone/>
+            </a:pPr>
+            <a:r>
+              <a:rPr lang="en-US" b="1">
+                <a:latin typeface="Times New Roman" panose="02020603050405020304" charset="0"/>
+                <a:cs typeface="Times New Roman" panose="02020603050405020304" charset="0"/>
+              </a:rPr>
+              <a:t>Phone Usage Metrics</a:t>
+            </a:r>
+            <a:endParaRPr lang="en-US" b="1">
+              <a:latin typeface="Times New Roman" panose="02020603050405020304" charset="0"/>
+              <a:cs typeface="Times New Roman" panose="02020603050405020304" charset="0"/>
+            </a:endParaRPr>
+          </a:p>
+          <a:p>
+            <a:r>
+              <a:rPr lang="en-US" sz="1800" b="1">
+                <a:latin typeface="Times New Roman" panose="02020603050405020304" charset="0"/>
+                <a:cs typeface="Times New Roman" panose="02020603050405020304" charset="0"/>
+              </a:rPr>
+              <a:t>Screen Time:</a:t>
+            </a:r>
+            <a:r>
+              <a:rPr lang="en-US" sz="1800">
+                <a:latin typeface="Times New Roman" panose="02020603050405020304" charset="0"/>
+                <a:cs typeface="Times New Roman" panose="02020603050405020304" charset="0"/>
+              </a:rPr>
+              <a:t> We are analyzing the screen times of users as they tell us about the phone usage habits of a user which are the main focus of our project.</a:t>
+            </a:r>
+            <a:endParaRPr lang="en-US" sz="1800">
+              <a:latin typeface="Times New Roman" panose="02020603050405020304" charset="0"/>
+              <a:cs typeface="Times New Roman" panose="02020603050405020304" charset="0"/>
+            </a:endParaRPr>
+          </a:p>
+          <a:p>
+            <a:r>
+              <a:rPr lang="en-US" sz="1800" b="1">
+                <a:latin typeface="Times New Roman" panose="02020603050405020304" charset="0"/>
+                <a:cs typeface="Times New Roman" panose="02020603050405020304" charset="0"/>
+              </a:rPr>
+              <a:t>App Categories:</a:t>
+            </a:r>
+            <a:r>
+              <a:rPr lang="en-US" sz="1800">
+                <a:latin typeface="Times New Roman" panose="02020603050405020304" charset="0"/>
+                <a:cs typeface="Times New Roman" panose="02020603050405020304" charset="0"/>
+              </a:rPr>
+              <a:t> We will analyze the different categories of apps used by user to indicate the bad usage which can be avoided to improve their mental health. </a:t>
+            </a:r>
+            <a:endParaRPr lang="en-US" sz="1800">
+              <a:latin typeface="Times New Roman" panose="02020603050405020304" charset="0"/>
+              <a:cs typeface="Times New Roman" panose="02020603050405020304" charset="0"/>
+            </a:endParaRPr>
+          </a:p>
+          <a:p>
+            <a:pPr marL="114300" indent="0">
+              <a:buNone/>
+            </a:pPr>
+            <a:endParaRPr lang="en-US" sz="2100">
+              <a:latin typeface="Times New Roman" panose="02020603050405020304" charset="0"/>
+              <a:cs typeface="Times New Roman" panose="02020603050405020304" charset="0"/>
+            </a:endParaRPr>
+          </a:p>
+          <a:p>
+            <a:pPr marL="114300" indent="0">
+              <a:buNone/>
+            </a:pPr>
+            <a:r>
+              <a:rPr lang="en-US" b="1">
+                <a:latin typeface="Times New Roman" panose="02020603050405020304" charset="0"/>
+                <a:cs typeface="Times New Roman" panose="02020603050405020304" charset="0"/>
+              </a:rPr>
+              <a:t>User-Provided Information</a:t>
+            </a:r>
+            <a:endParaRPr lang="en-US" b="1">
+              <a:latin typeface="Times New Roman" panose="02020603050405020304" charset="0"/>
+              <a:cs typeface="Times New Roman" panose="02020603050405020304" charset="0"/>
+            </a:endParaRPr>
+          </a:p>
+          <a:p>
+            <a:r>
+              <a:rPr lang="en-US" sz="1800" b="1">
+                <a:latin typeface="Times New Roman" panose="02020603050405020304" charset="0"/>
+                <a:cs typeface="Times New Roman" panose="02020603050405020304" charset="0"/>
+              </a:rPr>
+              <a:t>Field of Study</a:t>
+            </a:r>
+            <a:r>
+              <a:rPr lang="en-US" sz="1800">
+                <a:latin typeface="Times New Roman" panose="02020603050405020304" charset="0"/>
+                <a:cs typeface="Times New Roman" panose="02020603050405020304" charset="0"/>
+              </a:rPr>
+              <a:t>: Field of study plays a important role as it signifies the amount of usage a user should have like in marketing and computer science the usage is itself going to be high as compared to other fields thus contributing in model building. </a:t>
+            </a:r>
+            <a:endParaRPr lang="en-US" sz="1800">
+              <a:latin typeface="Times New Roman" panose="02020603050405020304" charset="0"/>
+              <a:cs typeface="Times New Roman" panose="02020603050405020304" charset="0"/>
+            </a:endParaRPr>
+          </a:p>
+          <a:p>
+            <a:r>
+              <a:rPr lang="en-US" sz="1800" b="1">
+                <a:latin typeface="Times New Roman" panose="02020603050405020304" charset="0"/>
+                <a:cs typeface="Times New Roman" panose="02020603050405020304" charset="0"/>
+              </a:rPr>
+              <a:t>Sleep Duration:</a:t>
+            </a:r>
+            <a:r>
+              <a:rPr lang="en-US" sz="1800">
+                <a:latin typeface="Times New Roman" panose="02020603050405020304" charset="0"/>
+                <a:cs typeface="Times New Roman" panose="02020603050405020304" charset="0"/>
+              </a:rPr>
+              <a:t> Sleep duration plays a significant role in deciding different effects on mental health of a user. Less sleep duration for continous days can have a bad impact on our mental health increasing stress, anxiety and depression levels. </a:t>
+            </a:r>
+            <a:endParaRPr lang="en-US" sz="1800">
+              <a:latin typeface="Times New Roman" panose="02020603050405020304" charset="0"/>
+              <a:cs typeface="Times New Roman" panose="02020603050405020304" charset="0"/>
+            </a:endParaRPr>
+          </a:p>
+        </p:txBody>
+      </p:sp>
+      <p:sp>
+        <p:nvSpPr>
+          <p:cNvPr id="5" name="Slide Number Placeholder 4"/>
+          <p:cNvSpPr>
+            <a:spLocks noGrp="1"/>
+          </p:cNvSpPr>
+          <p:nvPr>
+            <p:ph type="sldNum" idx="12"/>
+          </p:nvPr>
+        </p:nvSpPr>
+        <p:spPr/>
+        <p:txBody>
+          <a:bodyPr/>
+          <a:p>
+            <a:pPr marL="0" lvl="0" indent="0" algn="r" rtl="0">
+              <a:spcBef>
+                <a:spcPts val="0"/>
+              </a:spcBef>
+              <a:spcAft>
+                <a:spcPts val="0"/>
+              </a:spcAft>
+              <a:buNone/>
+            </a:pPr>
+            <a:fld id="{00000000-1234-1234-1234-123412341234}" type="slidenum">
+              <a:rPr lang="en-US"/>
+            </a:fld>
+            <a:endParaRPr lang="en-US"/>
+          </a:p>
+        </p:txBody>
+      </p:sp>
+    </p:spTree>
+  </p:cSld>
+  <p:clrMapOvr>
+    <a:masterClrMapping/>
+  </p:clrMapOvr>
+</p:sld>
+</file>
+
+<file path=ppt/slides/slide14.xml><?xml version="1.0" encoding="utf-8"?>
+<p:sld xmlns:a="http://schemas.openxmlformats.org/drawingml/2006/main" xmlns:r="http://schemas.openxmlformats.org/officeDocument/2006/relationships" xmlns:p="http://schemas.openxmlformats.org/presentationml/2006/main">
+  <p:cSld>
+    <p:spTree>
+      <p:nvGrpSpPr>
+        <p:cNvPr id="1" name=""/>
+        <p:cNvGrpSpPr/>
+        <p:nvPr/>
+      </p:nvGrpSpPr>
+      <p:grpSpPr/>
+      <p:sp>
+        <p:nvSpPr>
+          <p:cNvPr id="6" name="Title 5"/>
+          <p:cNvSpPr/>
+          <p:nvPr>
+            <p:ph type="title"/>
+          </p:nvPr>
+        </p:nvSpPr>
+        <p:spPr>
+          <a:xfrm>
+            <a:off x="838200" y="365125"/>
+            <a:ext cx="10515600" cy="847725"/>
+          </a:xfrm>
+        </p:spPr>
+        <p:txBody>
+          <a:bodyPr>
+            <a:normAutofit/>
+          </a:bodyPr>
+          <a:p>
+            <a:pPr algn="ctr"/>
+            <a:r>
+              <a:rPr lang="en-US">
+                <a:latin typeface="Times New Roman" panose="02020603050405020304" charset="0"/>
+                <a:cs typeface="Times New Roman" panose="02020603050405020304" charset="0"/>
+                <a:sym typeface="+mn-ea"/>
+              </a:rPr>
+              <a:t>Features Analysis</a:t>
+            </a:r>
+            <a:endParaRPr lang="en-US"/>
+          </a:p>
+        </p:txBody>
+      </p:sp>
+      <p:sp>
+        <p:nvSpPr>
+          <p:cNvPr id="7" name="Text Placeholder 6"/>
+          <p:cNvSpPr/>
+          <p:nvPr>
+            <p:ph type="body" idx="1"/>
+          </p:nvPr>
+        </p:nvSpPr>
+        <p:spPr>
+          <a:xfrm>
+            <a:off x="838200" y="1296035"/>
+            <a:ext cx="10515600" cy="4881245"/>
+          </a:xfrm>
+        </p:spPr>
+        <p:txBody>
+          <a:bodyPr>
+            <a:normAutofit/>
+          </a:bodyPr>
+          <a:p>
+            <a:pPr marL="114300" indent="0">
+              <a:buNone/>
+            </a:pPr>
+            <a:r>
+              <a:rPr lang="en-US" b="1">
+                <a:latin typeface="Times New Roman" panose="02020603050405020304" charset="0"/>
+                <a:cs typeface="Times New Roman" panose="02020603050405020304" charset="0"/>
+              </a:rPr>
+              <a:t>Feature Engineering Insights</a:t>
+            </a:r>
+            <a:endParaRPr lang="en-US" b="1">
+              <a:latin typeface="Times New Roman" panose="02020603050405020304" charset="0"/>
+              <a:cs typeface="Times New Roman" panose="02020603050405020304" charset="0"/>
+            </a:endParaRPr>
+          </a:p>
+          <a:p>
+            <a:r>
+              <a:rPr lang="en-US" sz="1800" b="1">
+                <a:latin typeface="Times New Roman" panose="02020603050405020304" charset="0"/>
+                <a:cs typeface="Times New Roman" panose="02020603050405020304" charset="0"/>
+              </a:rPr>
+              <a:t>Expected Screen Time Usage</a:t>
+            </a:r>
+            <a:r>
+              <a:rPr lang="en-US" sz="1800">
+                <a:latin typeface="Times New Roman" panose="02020603050405020304" charset="0"/>
+                <a:cs typeface="Times New Roman" panose="02020603050405020304" charset="0"/>
+              </a:rPr>
+              <a:t>:  We have calculated a value names expected screen time usage which depends on field of study like for marketing , business and computer science fields the expected screen time is supposed to be high as compared to other fields.</a:t>
+            </a:r>
+            <a:endParaRPr lang="en-US" sz="1800">
+              <a:latin typeface="Times New Roman" panose="02020603050405020304" charset="0"/>
+              <a:cs typeface="Times New Roman" panose="02020603050405020304" charset="0"/>
+            </a:endParaRPr>
+          </a:p>
+          <a:p>
+            <a:r>
+              <a:rPr lang="en-US" sz="1800" b="1">
+                <a:latin typeface="Times New Roman" panose="02020603050405020304" charset="0"/>
+                <a:cs typeface="Times New Roman" panose="02020603050405020304" charset="0"/>
+              </a:rPr>
+              <a:t>Categorized Sleep Duration:</a:t>
+            </a:r>
+            <a:r>
+              <a:rPr lang="en-US" sz="1800">
+                <a:latin typeface="Times New Roman" panose="02020603050405020304" charset="0"/>
+                <a:cs typeface="Times New Roman" panose="02020603050405020304" charset="0"/>
+              </a:rPr>
+              <a:t> We have also categorized the sleep duration in multiple ranges like below 5 hours, 5-9 hours and above 9 hours to make it easy to apply conditional changes.</a:t>
+            </a:r>
+            <a:endParaRPr lang="en-US" sz="1800">
+              <a:latin typeface="Times New Roman" panose="02020603050405020304" charset="0"/>
+              <a:cs typeface="Times New Roman" panose="02020603050405020304" charset="0"/>
+            </a:endParaRPr>
+          </a:p>
+          <a:p>
+            <a:pPr marL="114300" indent="0">
+              <a:buNone/>
+            </a:pPr>
+            <a:endParaRPr lang="en-US" sz="1800">
+              <a:latin typeface="Times New Roman" panose="02020603050405020304" charset="0"/>
+              <a:cs typeface="Times New Roman" panose="02020603050405020304" charset="0"/>
+            </a:endParaRPr>
+          </a:p>
+          <a:p>
+            <a:pPr marL="114300" indent="0">
+              <a:buNone/>
+            </a:pPr>
+            <a:r>
+              <a:rPr lang="en-US" b="1">
+                <a:latin typeface="Times New Roman" panose="02020603050405020304" charset="0"/>
+                <a:cs typeface="Times New Roman" panose="02020603050405020304" charset="0"/>
+              </a:rPr>
+              <a:t>Visualizations &amp; Iterative Analysis</a:t>
+            </a:r>
+            <a:endParaRPr lang="en-US" sz="1800">
+              <a:latin typeface="Times New Roman" panose="02020603050405020304" charset="0"/>
+              <a:cs typeface="Times New Roman" panose="02020603050405020304" charset="0"/>
+            </a:endParaRPr>
+          </a:p>
+          <a:p>
+            <a:r>
+              <a:rPr lang="en-US" sz="1800" b="1">
+                <a:latin typeface="Times New Roman" panose="02020603050405020304" charset="0"/>
+                <a:cs typeface="Times New Roman" panose="02020603050405020304" charset="0"/>
+              </a:rPr>
+              <a:t>Correlation Heatmaps:</a:t>
+            </a:r>
+            <a:r>
+              <a:rPr lang="en-US" sz="1800">
+                <a:latin typeface="Times New Roman" panose="02020603050405020304" charset="0"/>
+                <a:cs typeface="Times New Roman" panose="02020603050405020304" charset="0"/>
+              </a:rPr>
+              <a:t> We will be using different correlation matrices and heatmaps to visualize the different features and how they are connected to each other and when these different features are combined they are more likely to act better when used in a model.</a:t>
+            </a:r>
+            <a:endParaRPr lang="en-US" sz="1800">
+              <a:latin typeface="Times New Roman" panose="02020603050405020304" charset="0"/>
+              <a:cs typeface="Times New Roman" panose="02020603050405020304" charset="0"/>
+            </a:endParaRPr>
+          </a:p>
+          <a:p>
+            <a:r>
+              <a:rPr lang="en-US" sz="1800" b="1">
+                <a:latin typeface="Times New Roman" panose="02020603050405020304" charset="0"/>
+                <a:cs typeface="Times New Roman" panose="02020603050405020304" charset="0"/>
+              </a:rPr>
+              <a:t>Continuous Refinement: </a:t>
+            </a:r>
+            <a:r>
+              <a:rPr lang="en-US" sz="1800">
+                <a:latin typeface="Times New Roman" panose="02020603050405020304" charset="0"/>
+                <a:cs typeface="Times New Roman" panose="02020603050405020304" charset="0"/>
+              </a:rPr>
+              <a:t>At last continous feedbacks from users and iterative analysis of features would make model more and more better in the future and will be applicable in different real time application.</a:t>
+            </a:r>
+            <a:endParaRPr lang="en-US" sz="1800">
+              <a:latin typeface="Times New Roman" panose="02020603050405020304" charset="0"/>
+              <a:cs typeface="Times New Roman" panose="02020603050405020304" charset="0"/>
+            </a:endParaRPr>
+          </a:p>
+        </p:txBody>
+      </p:sp>
+      <p:sp>
+        <p:nvSpPr>
+          <p:cNvPr id="5" name="Slide Number Placeholder 4"/>
+          <p:cNvSpPr>
+            <a:spLocks noGrp="1"/>
+          </p:cNvSpPr>
+          <p:nvPr>
+            <p:ph type="sldNum" idx="12"/>
+          </p:nvPr>
+        </p:nvSpPr>
+        <p:spPr/>
+        <p:txBody>
+          <a:bodyPr/>
+          <a:p>
+            <a:pPr marL="0" lvl="0" indent="0" algn="r" rtl="0">
+              <a:spcBef>
+                <a:spcPts val="0"/>
+              </a:spcBef>
+              <a:spcAft>
+                <a:spcPts val="0"/>
+              </a:spcAft>
+              <a:buNone/>
+            </a:pPr>
+            <a:fld id="{00000000-1234-1234-1234-123412341234}" type="slidenum">
+              <a:rPr lang="en-US"/>
+            </a:fld>
+            <a:endParaRPr lang="en-US"/>
+          </a:p>
+        </p:txBody>
+      </p:sp>
+    </p:spTree>
+  </p:cSld>
+  <p:clrMapOvr>
+    <a:masterClrMapping/>
+  </p:clrMapOvr>
+</p:sld>
+</file>
+
+<file path=ppt/slides/slide15.xml><?xml version="1.0" encoding="utf-8"?>
+<p:sld xmlns:a="http://schemas.openxmlformats.org/drawingml/2006/main" xmlns:r="http://schemas.openxmlformats.org/officeDocument/2006/relationships" xmlns:p="http://schemas.openxmlformats.org/presentationml/2006/main">
+  <p:cSld>
+    <p:spTree>
+      <p:nvGrpSpPr>
+        <p:cNvPr id="1" name=""/>
+        <p:cNvGrpSpPr/>
+        <p:nvPr/>
+      </p:nvGrpSpPr>
+      <p:grpSpPr/>
+      <p:sp>
+        <p:nvSpPr>
+          <p:cNvPr id="6" name="Title 5"/>
+          <p:cNvSpPr/>
+          <p:nvPr>
+            <p:ph type="title"/>
+          </p:nvPr>
+        </p:nvSpPr>
+        <p:spPr>
+          <a:xfrm>
+            <a:off x="838200" y="167640"/>
+            <a:ext cx="10515600" cy="1325563"/>
+          </a:xfrm>
+        </p:spPr>
+        <p:txBody>
+          <a:bodyPr/>
+          <a:p>
+            <a:pPr algn="ctr"/>
+            <a:r>
+              <a:rPr lang="en-US" b="1">
+                <a:latin typeface="Times New Roman" panose="02020603050405020304" charset="0"/>
+                <a:cs typeface="Times New Roman" panose="02020603050405020304" charset="0"/>
+              </a:rPr>
+              <a:t>Results and Outputs</a:t>
             </a:r>
             <a:endParaRPr lang="en-US" b="1">
               <a:latin typeface="Times New Roman" panose="02020603050405020304" charset="0"/>
@@ -13694,7 +14322,1082 @@
       </p:sp>
       <p:sp>
         <p:nvSpPr>
+          <p:cNvPr id="5" name="Slide Number Placeholder 4"/>
+          <p:cNvSpPr>
+            <a:spLocks noGrp="1"/>
+          </p:cNvSpPr>
+          <p:nvPr>
+            <p:ph type="sldNum" idx="12"/>
+          </p:nvPr>
+        </p:nvSpPr>
+        <p:spPr/>
+        <p:txBody>
+          <a:bodyPr/>
+          <a:p>
+            <a:pPr marL="0" lvl="0" indent="0" algn="r" rtl="0">
+              <a:spcBef>
+                <a:spcPts val="0"/>
+              </a:spcBef>
+              <a:spcAft>
+                <a:spcPts val="0"/>
+              </a:spcAft>
+              <a:buNone/>
+            </a:pPr>
+            <a:fld id="{00000000-1234-1234-1234-123412341234}" type="slidenum">
+              <a:rPr lang="en-US"/>
+            </a:fld>
+            <a:endParaRPr lang="en-US"/>
+          </a:p>
+        </p:txBody>
+      </p:sp>
+      <p:pic>
+        <p:nvPicPr>
+          <p:cNvPr id="8" name="Picture Placeholder 7" descr="Screenshot (107)"/>
+          <p:cNvPicPr>
+            <a:picLocks noChangeAspect="1"/>
+          </p:cNvPicPr>
+          <p:nvPr>
+            <p:ph type="pic" idx="4294967295"/>
+          </p:nvPr>
+        </p:nvPicPr>
+        <p:blipFill>
+          <a:blip r:embed="rId1"/>
+          <a:stretch>
+            <a:fillRect/>
+          </a:stretch>
+        </p:blipFill>
+        <p:spPr>
+          <a:xfrm>
+            <a:off x="328295" y="1560195"/>
+            <a:ext cx="5506720" cy="4617085"/>
+          </a:xfrm>
+          <a:prstGeom prst="rect">
+            <a:avLst/>
+          </a:prstGeom>
+        </p:spPr>
+      </p:pic>
+      <p:pic>
+        <p:nvPicPr>
+          <p:cNvPr id="11" name="Picture 10" descr="Screenshot (106)"/>
+          <p:cNvPicPr>
+            <a:picLocks noChangeAspect="1"/>
+          </p:cNvPicPr>
+          <p:nvPr/>
+        </p:nvPicPr>
+        <p:blipFill>
+          <a:blip r:embed="rId2"/>
+          <a:stretch>
+            <a:fillRect/>
+          </a:stretch>
+        </p:blipFill>
+        <p:spPr>
+          <a:xfrm>
+            <a:off x="6573520" y="1560195"/>
+            <a:ext cx="5266690" cy="4627245"/>
+          </a:xfrm>
+          <a:prstGeom prst="rect">
+            <a:avLst/>
+          </a:prstGeom>
+        </p:spPr>
+      </p:pic>
+    </p:spTree>
+  </p:cSld>
+  <p:clrMapOvr>
+    <a:masterClrMapping/>
+  </p:clrMapOvr>
+</p:sld>
+</file>
+
+<file path=ppt/slides/slide16.xml><?xml version="1.0" encoding="utf-8"?>
+<p:sld xmlns:a="http://schemas.openxmlformats.org/drawingml/2006/main" xmlns:r="http://schemas.openxmlformats.org/officeDocument/2006/relationships" xmlns:p="http://schemas.openxmlformats.org/presentationml/2006/main">
+  <p:cSld>
+    <p:spTree>
+      <p:nvGrpSpPr>
+        <p:cNvPr id="1" name=""/>
+        <p:cNvGrpSpPr/>
+        <p:nvPr/>
+      </p:nvGrpSpPr>
+      <p:grpSpPr/>
+      <p:sp>
+        <p:nvSpPr>
+          <p:cNvPr id="2" name="Title 1"/>
+          <p:cNvSpPr/>
+          <p:nvPr>
+            <p:ph type="title"/>
+          </p:nvPr>
+        </p:nvSpPr>
+        <p:spPr/>
+        <p:txBody>
+          <a:bodyPr/>
+          <a:p>
+            <a:endParaRPr lang="en-US"/>
+          </a:p>
+        </p:txBody>
+      </p:sp>
+      <p:sp>
+        <p:nvSpPr>
+          <p:cNvPr id="3" name="Text Placeholder 2"/>
+          <p:cNvSpPr/>
+          <p:nvPr>
+            <p:ph type="body" idx="1"/>
+          </p:nvPr>
+        </p:nvSpPr>
+        <p:spPr/>
+        <p:txBody>
+          <a:bodyPr/>
+          <a:p>
+            <a:endParaRPr lang="en-US"/>
+          </a:p>
+        </p:txBody>
+      </p:sp>
+      <p:sp>
+        <p:nvSpPr>
           <p:cNvPr id="4" name="Text Placeholder 3"/>
+          <p:cNvSpPr/>
+          <p:nvPr>
+            <p:ph type="body" idx="2"/>
+          </p:nvPr>
+        </p:nvSpPr>
+        <p:spPr/>
+        <p:txBody>
+          <a:bodyPr/>
+          <a:p>
+            <a:endParaRPr lang="en-US"/>
+          </a:p>
+        </p:txBody>
+      </p:sp>
+      <p:sp>
+        <p:nvSpPr>
+          <p:cNvPr id="5" name="Slide Number Placeholder 4"/>
+          <p:cNvSpPr>
+            <a:spLocks noGrp="1"/>
+          </p:cNvSpPr>
+          <p:nvPr>
+            <p:ph type="sldNum" idx="12"/>
+          </p:nvPr>
+        </p:nvSpPr>
+        <p:spPr/>
+        <p:txBody>
+          <a:bodyPr/>
+          <a:p>
+            <a:pPr marL="0" lvl="0" indent="0" algn="r" rtl="0">
+              <a:spcBef>
+                <a:spcPts val="0"/>
+              </a:spcBef>
+              <a:spcAft>
+                <a:spcPts val="0"/>
+              </a:spcAft>
+              <a:buNone/>
+            </a:pPr>
+            <a:fld id="{00000000-1234-1234-1234-123412341234}" type="slidenum">
+              <a:rPr lang="en-US"/>
+            </a:fld>
+            <a:endParaRPr lang="en-US"/>
+          </a:p>
+        </p:txBody>
+      </p:sp>
+    </p:spTree>
+  </p:cSld>
+  <p:clrMapOvr>
+    <a:masterClrMapping/>
+  </p:clrMapOvr>
+</p:sld>
+</file>
+
+<file path=ppt/slides/slide17.xml><?xml version="1.0" encoding="utf-8"?>
+<p:sld xmlns:a="http://schemas.openxmlformats.org/drawingml/2006/main" xmlns:r="http://schemas.openxmlformats.org/officeDocument/2006/relationships" xmlns:p="http://schemas.openxmlformats.org/presentationml/2006/main">
+  <p:cSld>
+    <p:spTree>
+      <p:nvGrpSpPr>
+        <p:cNvPr id="1" name=""/>
+        <p:cNvGrpSpPr/>
+        <p:nvPr/>
+      </p:nvGrpSpPr>
+      <p:grpSpPr/>
+      <p:sp>
+        <p:nvSpPr>
+          <p:cNvPr id="7" name="Text Placeholder 6"/>
+          <p:cNvSpPr/>
+          <p:nvPr>
+            <p:ph type="body" idx="1"/>
+          </p:nvPr>
+        </p:nvSpPr>
+        <p:spPr>
+          <a:xfrm>
+            <a:off x="4031615" y="2878455"/>
+            <a:ext cx="4128770" cy="1100455"/>
+          </a:xfrm>
+        </p:spPr>
+        <p:txBody>
+          <a:bodyPr anchor="ctr" anchorCtr="0"/>
+          <a:p>
+            <a:pPr marL="114300" indent="0" algn="ctr" fontAlgn="ctr">
+              <a:lnSpc>
+                <a:spcPct val="100000"/>
+              </a:lnSpc>
+              <a:buNone/>
+            </a:pPr>
+            <a:r>
+              <a:rPr lang="en-US" sz="5000" b="1"/>
+              <a:t>THANK YOU!</a:t>
+            </a:r>
+            <a:endParaRPr lang="en-US" sz="5000" b="1"/>
+          </a:p>
+        </p:txBody>
+      </p:sp>
+      <p:sp>
+        <p:nvSpPr>
+          <p:cNvPr id="5" name="Slide Number Placeholder 4"/>
+          <p:cNvSpPr>
+            <a:spLocks noGrp="1"/>
+          </p:cNvSpPr>
+          <p:nvPr>
+            <p:ph type="sldNum" idx="12"/>
+          </p:nvPr>
+        </p:nvSpPr>
+        <p:spPr/>
+        <p:txBody>
+          <a:bodyPr/>
+          <a:p>
+            <a:pPr marL="0" lvl="0" indent="0" algn="r" rtl="0">
+              <a:spcBef>
+                <a:spcPts val="0"/>
+              </a:spcBef>
+              <a:spcAft>
+                <a:spcPts val="0"/>
+              </a:spcAft>
+              <a:buNone/>
+            </a:pPr>
+            <a:fld id="{00000000-1234-1234-1234-123412341234}" type="slidenum">
+              <a:rPr lang="en-US"/>
+            </a:fld>
+            <a:endParaRPr lang="en-US"/>
+          </a:p>
+        </p:txBody>
+      </p:sp>
+    </p:spTree>
+  </p:cSld>
+  <p:clrMapOvr>
+    <a:masterClrMapping/>
+  </p:clrMapOvr>
+</p:sld>
+</file>
+
+<file path=ppt/slides/slide2.xml><?xml version="1.0" encoding="utf-8"?>
+<p:sld xmlns:a="http://schemas.openxmlformats.org/drawingml/2006/main" xmlns:r="http://schemas.openxmlformats.org/officeDocument/2006/relationships" xmlns:p="http://schemas.openxmlformats.org/presentationml/2006/main">
+  <p:cSld>
+    <p:spTree>
+      <p:nvGrpSpPr>
+        <p:cNvPr id="110" name="Shape 110"/>
+        <p:cNvGrpSpPr/>
+        <p:nvPr/>
+      </p:nvGrpSpPr>
+      <p:grpSpPr>
+        <a:xfrm>
+          <a:off x="0" y="0"/>
+          <a:ext cx="0" cy="0"/>
+          <a:chOff x="0" y="0"/>
+          <a:chExt cx="0" cy="0"/>
+        </a:xfrm>
+      </p:grpSpPr>
+      <p:sp>
+        <p:nvSpPr>
+          <p:cNvPr id="111" name="Google Shape;111;p2"/>
+          <p:cNvSpPr txBox="1"/>
+          <p:nvPr>
+            <p:ph type="title"/>
+          </p:nvPr>
+        </p:nvSpPr>
+        <p:spPr>
+          <a:xfrm>
+            <a:off x="885676" y="365126"/>
+            <a:ext cx="10515600" cy="976206"/>
+          </a:xfrm>
+          <a:prstGeom prst="rect">
+            <a:avLst/>
+          </a:prstGeom>
+          <a:noFill/>
+          <a:ln>
+            <a:noFill/>
+          </a:ln>
+        </p:spPr>
+        <p:txBody>
+          <a:bodyPr spcFirstLastPara="1" wrap="square" lIns="91425" tIns="45700" rIns="91425" bIns="45700" anchor="ctr" anchorCtr="0">
+            <a:normAutofit/>
+          </a:bodyPr>
+          <a:lstStyle/>
+          <a:p>
+            <a:pPr marL="0" lvl="0" indent="0" algn="l" rtl="0">
+              <a:lnSpc>
+                <a:spcPct val="90000"/>
+              </a:lnSpc>
+              <a:spcBef>
+                <a:spcPts val="0"/>
+              </a:spcBef>
+              <a:spcAft>
+                <a:spcPts val="0"/>
+              </a:spcAft>
+              <a:buClr>
+                <a:schemeClr val="dk1"/>
+              </a:buClr>
+              <a:buSzPts val="4400"/>
+              <a:buFont typeface="Times New Roman" panose="02020603050405020304"/>
+              <a:buNone/>
+            </a:pPr>
+            <a:r>
+              <a:rPr lang="en-US" b="1">
+                <a:latin typeface="Times New Roman" panose="02020603050405020304"/>
+                <a:ea typeface="Times New Roman" panose="02020603050405020304"/>
+                <a:cs typeface="Times New Roman" panose="02020603050405020304"/>
+                <a:sym typeface="Times New Roman" panose="02020603050405020304"/>
+              </a:rPr>
+              <a:t>Outline</a:t>
+            </a:r>
+            <a:endParaRPr b="1">
+              <a:latin typeface="Times New Roman" panose="02020603050405020304"/>
+              <a:ea typeface="Times New Roman" panose="02020603050405020304"/>
+              <a:cs typeface="Times New Roman" panose="02020603050405020304"/>
+              <a:sym typeface="Times New Roman" panose="02020603050405020304"/>
+            </a:endParaRPr>
+          </a:p>
+        </p:txBody>
+      </p:sp>
+      <p:sp>
+        <p:nvSpPr>
+          <p:cNvPr id="112" name="Google Shape;112;p2"/>
+          <p:cNvSpPr txBox="1"/>
+          <p:nvPr>
+            <p:ph type="body" idx="1"/>
+          </p:nvPr>
+        </p:nvSpPr>
+        <p:spPr>
+          <a:xfrm>
+            <a:off x="752250" y="1588225"/>
+            <a:ext cx="10601700" cy="4952400"/>
+          </a:xfrm>
+          <a:prstGeom prst="rect">
+            <a:avLst/>
+          </a:prstGeom>
+          <a:noFill/>
+          <a:ln>
+            <a:noFill/>
+          </a:ln>
+        </p:spPr>
+        <p:txBody>
+          <a:bodyPr spcFirstLastPara="1" wrap="square" lIns="91425" tIns="45700" rIns="91425" bIns="45700" anchor="t" anchorCtr="0">
+            <a:noAutofit/>
+          </a:bodyPr>
+          <a:lstStyle/>
+          <a:p>
+            <a:pPr marL="457200" lvl="0" indent="-368300" algn="l" rtl="0">
+              <a:lnSpc>
+                <a:spcPct val="90000"/>
+              </a:lnSpc>
+              <a:spcBef>
+                <a:spcPts val="0"/>
+              </a:spcBef>
+              <a:spcAft>
+                <a:spcPts val="0"/>
+              </a:spcAft>
+              <a:buSzPts val="2200"/>
+              <a:buFont typeface="Times New Roman" panose="02020603050405020304"/>
+              <a:buChar char="•"/>
+            </a:pPr>
+            <a:r>
+              <a:rPr lang="en-US" sz="3200">
+                <a:latin typeface="Times New Roman" panose="02020603050405020304"/>
+                <a:ea typeface="Times New Roman" panose="02020603050405020304"/>
+                <a:cs typeface="Times New Roman" panose="02020603050405020304"/>
+                <a:sym typeface="Times New Roman" panose="02020603050405020304"/>
+              </a:rPr>
+              <a:t>Introduction to Project</a:t>
+            </a:r>
+            <a:endParaRPr lang="en-US" sz="3200">
+              <a:latin typeface="Times New Roman" panose="02020603050405020304"/>
+              <a:ea typeface="Times New Roman" panose="02020603050405020304"/>
+              <a:cs typeface="Times New Roman" panose="02020603050405020304"/>
+              <a:sym typeface="Times New Roman" panose="02020603050405020304"/>
+            </a:endParaRPr>
+          </a:p>
+          <a:p>
+            <a:pPr marL="457200" lvl="0" indent="-368300" algn="l" rtl="0">
+              <a:lnSpc>
+                <a:spcPct val="90000"/>
+              </a:lnSpc>
+              <a:spcBef>
+                <a:spcPts val="0"/>
+              </a:spcBef>
+              <a:spcAft>
+                <a:spcPts val="0"/>
+              </a:spcAft>
+              <a:buSzPts val="2200"/>
+              <a:buFont typeface="Times New Roman" panose="02020603050405020304"/>
+              <a:buChar char="•"/>
+            </a:pPr>
+            <a:r>
+              <a:rPr lang="en-US" sz="3200">
+                <a:latin typeface="Times New Roman" panose="02020603050405020304"/>
+                <a:ea typeface="Times New Roman" panose="02020603050405020304"/>
+                <a:cs typeface="Times New Roman" panose="02020603050405020304"/>
+                <a:sym typeface="Times New Roman" panose="02020603050405020304"/>
+              </a:rPr>
+              <a:t>Project Scope &amp; Objectives</a:t>
+            </a:r>
+            <a:endParaRPr sz="3200">
+              <a:latin typeface="Times New Roman" panose="02020603050405020304"/>
+              <a:ea typeface="Times New Roman" panose="02020603050405020304"/>
+              <a:cs typeface="Times New Roman" panose="02020603050405020304"/>
+              <a:sym typeface="Times New Roman" panose="02020603050405020304"/>
+            </a:endParaRPr>
+          </a:p>
+          <a:p>
+            <a:pPr marL="457200" lvl="0" indent="-368300" algn="l" rtl="0">
+              <a:lnSpc>
+                <a:spcPct val="90000"/>
+              </a:lnSpc>
+              <a:spcBef>
+                <a:spcPts val="0"/>
+              </a:spcBef>
+              <a:spcAft>
+                <a:spcPts val="0"/>
+              </a:spcAft>
+              <a:buSzPts val="2200"/>
+              <a:buFont typeface="Times New Roman" panose="02020603050405020304"/>
+              <a:buChar char="•"/>
+            </a:pPr>
+            <a:r>
+              <a:rPr lang="en-US" sz="3200">
+                <a:latin typeface="Times New Roman" panose="02020603050405020304"/>
+                <a:ea typeface="Times New Roman" panose="02020603050405020304"/>
+                <a:cs typeface="Times New Roman" panose="02020603050405020304"/>
+                <a:sym typeface="Times New Roman" panose="02020603050405020304"/>
+              </a:rPr>
+              <a:t>Project Implementation Plan</a:t>
+            </a:r>
+            <a:endParaRPr lang="en-US" sz="3200">
+              <a:latin typeface="Times New Roman" panose="02020603050405020304"/>
+              <a:ea typeface="Times New Roman" panose="02020603050405020304"/>
+              <a:cs typeface="Times New Roman" panose="02020603050405020304"/>
+              <a:sym typeface="Times New Roman" panose="02020603050405020304"/>
+            </a:endParaRPr>
+          </a:p>
+          <a:p>
+            <a:pPr marL="457200" lvl="0" indent="-368300" algn="l" rtl="0">
+              <a:lnSpc>
+                <a:spcPct val="90000"/>
+              </a:lnSpc>
+              <a:spcBef>
+                <a:spcPts val="0"/>
+              </a:spcBef>
+              <a:spcAft>
+                <a:spcPts val="0"/>
+              </a:spcAft>
+              <a:buSzPts val="2200"/>
+              <a:buFont typeface="Times New Roman" panose="02020603050405020304"/>
+              <a:buChar char="•"/>
+            </a:pPr>
+            <a:r>
+              <a:rPr lang="en-US" sz="3200">
+                <a:latin typeface="Times New Roman" panose="02020603050405020304"/>
+                <a:ea typeface="Times New Roman" panose="02020603050405020304"/>
+                <a:cs typeface="Times New Roman" panose="02020603050405020304"/>
+                <a:sym typeface="Times New Roman" panose="02020603050405020304"/>
+              </a:rPr>
+              <a:t>Preliminary Design of Project</a:t>
+            </a:r>
+            <a:endParaRPr lang="en-US" sz="3200">
+              <a:latin typeface="Times New Roman" panose="02020603050405020304"/>
+              <a:ea typeface="Times New Roman" panose="02020603050405020304"/>
+              <a:cs typeface="Times New Roman" panose="02020603050405020304"/>
+              <a:sym typeface="Times New Roman" panose="02020603050405020304"/>
+            </a:endParaRPr>
+          </a:p>
+          <a:p>
+            <a:pPr marL="457200" lvl="0" indent="-368300" algn="l" rtl="0">
+              <a:lnSpc>
+                <a:spcPct val="90000"/>
+              </a:lnSpc>
+              <a:spcBef>
+                <a:spcPts val="0"/>
+              </a:spcBef>
+              <a:spcAft>
+                <a:spcPts val="0"/>
+              </a:spcAft>
+              <a:buSzPts val="2200"/>
+              <a:buFont typeface="Times New Roman" panose="02020603050405020304"/>
+              <a:buChar char="•"/>
+            </a:pPr>
+            <a:r>
+              <a:rPr lang="en-US" sz="3200">
+                <a:latin typeface="Times New Roman" panose="02020603050405020304"/>
+                <a:ea typeface="Times New Roman" panose="02020603050405020304"/>
+                <a:cs typeface="Times New Roman" panose="02020603050405020304"/>
+                <a:sym typeface="Times New Roman" panose="02020603050405020304"/>
+              </a:rPr>
+              <a:t>Methodology used</a:t>
+            </a:r>
+            <a:endParaRPr lang="en-US" sz="3200">
+              <a:latin typeface="Times New Roman" panose="02020603050405020304"/>
+              <a:ea typeface="Times New Roman" panose="02020603050405020304"/>
+              <a:cs typeface="Times New Roman" panose="02020603050405020304"/>
+              <a:sym typeface="Times New Roman" panose="02020603050405020304"/>
+            </a:endParaRPr>
+          </a:p>
+          <a:p>
+            <a:pPr marL="457200" lvl="0" indent="-368300" algn="l" rtl="0">
+              <a:lnSpc>
+                <a:spcPct val="90000"/>
+              </a:lnSpc>
+              <a:spcBef>
+                <a:spcPts val="0"/>
+              </a:spcBef>
+              <a:spcAft>
+                <a:spcPts val="0"/>
+              </a:spcAft>
+              <a:buSzPts val="2200"/>
+              <a:buFont typeface="Times New Roman" panose="02020603050405020304"/>
+              <a:buChar char="•"/>
+            </a:pPr>
+            <a:r>
+              <a:rPr lang="en-US" sz="3200">
+                <a:latin typeface="Times New Roman" panose="02020603050405020304"/>
+                <a:ea typeface="Times New Roman" panose="02020603050405020304"/>
+                <a:cs typeface="Times New Roman" panose="02020603050405020304"/>
+                <a:sym typeface="Times New Roman" panose="02020603050405020304"/>
+              </a:rPr>
+              <a:t>Characteristics Identification</a:t>
+            </a:r>
+            <a:endParaRPr lang="en-US" sz="3200">
+              <a:latin typeface="Times New Roman" panose="02020603050405020304"/>
+              <a:ea typeface="Times New Roman" panose="02020603050405020304"/>
+              <a:cs typeface="Times New Roman" panose="02020603050405020304"/>
+              <a:sym typeface="Times New Roman" panose="02020603050405020304"/>
+            </a:endParaRPr>
+          </a:p>
+          <a:p>
+            <a:pPr marL="457200" lvl="0" indent="-368300" algn="l" rtl="0">
+              <a:lnSpc>
+                <a:spcPct val="90000"/>
+              </a:lnSpc>
+              <a:spcBef>
+                <a:spcPts val="0"/>
+              </a:spcBef>
+              <a:spcAft>
+                <a:spcPts val="0"/>
+              </a:spcAft>
+              <a:buSzPts val="2200"/>
+              <a:buFont typeface="Times New Roman" panose="02020603050405020304"/>
+              <a:buChar char="•"/>
+            </a:pPr>
+            <a:r>
+              <a:rPr lang="en-US" sz="3200">
+                <a:latin typeface="Times New Roman" panose="02020603050405020304"/>
+                <a:ea typeface="Times New Roman" panose="02020603050405020304"/>
+                <a:cs typeface="Times New Roman" panose="02020603050405020304"/>
+                <a:sym typeface="Times New Roman" panose="02020603050405020304"/>
+              </a:rPr>
+              <a:t>Features Analysis of Project</a:t>
+            </a:r>
+            <a:endParaRPr sz="3200">
+              <a:latin typeface="Times New Roman" panose="02020603050405020304"/>
+              <a:ea typeface="Times New Roman" panose="02020603050405020304"/>
+              <a:cs typeface="Times New Roman" panose="02020603050405020304"/>
+              <a:sym typeface="Times New Roman" panose="02020603050405020304"/>
+            </a:endParaRPr>
+          </a:p>
+          <a:p>
+            <a:pPr marL="228600" lvl="0" indent="-50800" algn="l" rtl="0">
+              <a:lnSpc>
+                <a:spcPct val="90000"/>
+              </a:lnSpc>
+              <a:spcBef>
+                <a:spcPts val="1000"/>
+              </a:spcBef>
+              <a:spcAft>
+                <a:spcPts val="0"/>
+              </a:spcAft>
+              <a:buClr>
+                <a:schemeClr val="dk1"/>
+              </a:buClr>
+              <a:buSzPts val="2800"/>
+              <a:buNone/>
+            </a:pPr>
+          </a:p>
+          <a:p>
+            <a:pPr marL="228600" lvl="0" indent="-50800" algn="l" rtl="0">
+              <a:lnSpc>
+                <a:spcPct val="90000"/>
+              </a:lnSpc>
+              <a:spcBef>
+                <a:spcPts val="1000"/>
+              </a:spcBef>
+              <a:spcAft>
+                <a:spcPts val="0"/>
+              </a:spcAft>
+              <a:buClr>
+                <a:schemeClr val="dk1"/>
+              </a:buClr>
+              <a:buSzPts val="2800"/>
+              <a:buNone/>
+            </a:pPr>
+          </a:p>
+        </p:txBody>
+      </p:sp>
+      <p:sp>
+        <p:nvSpPr>
+          <p:cNvPr id="113" name="Google Shape;113;p2"/>
+          <p:cNvSpPr txBox="1"/>
+          <p:nvPr>
+            <p:ph type="sldNum" idx="12"/>
+          </p:nvPr>
+        </p:nvSpPr>
+        <p:spPr>
+          <a:xfrm>
+            <a:off x="8610600" y="6356350"/>
+            <a:ext cx="2743200" cy="365125"/>
+          </a:xfrm>
+          <a:prstGeom prst="rect">
+            <a:avLst/>
+          </a:prstGeom>
+          <a:noFill/>
+          <a:ln>
+            <a:noFill/>
+          </a:ln>
+        </p:spPr>
+        <p:txBody>
+          <a:bodyPr spcFirstLastPara="1" wrap="square" lIns="91425" tIns="45700" rIns="91425" bIns="45700" anchor="ctr" anchorCtr="0">
+            <a:noAutofit/>
+          </a:bodyPr>
+          <a:lstStyle/>
+          <a:p>
+            <a:pPr marL="0" lvl="0" indent="0" algn="r" rtl="0">
+              <a:spcBef>
+                <a:spcPts val="0"/>
+              </a:spcBef>
+              <a:spcAft>
+                <a:spcPts val="0"/>
+              </a:spcAft>
+              <a:buNone/>
+            </a:pPr>
+            <a:fld id="{00000000-1234-1234-1234-123412341234}" type="slidenum">
+              <a:rPr lang="en-US"/>
+            </a:fld>
+            <a:endParaRPr lang="en-US"/>
+          </a:p>
+        </p:txBody>
+      </p:sp>
+    </p:spTree>
+  </p:cSld>
+  <p:clrMapOvr>
+    <a:masterClrMapping/>
+  </p:clrMapOvr>
+</p:sld>
+</file>
+
+<file path=ppt/slides/slide3.xml><?xml version="1.0" encoding="utf-8"?>
+<p:sld xmlns:a="http://schemas.openxmlformats.org/drawingml/2006/main" xmlns:r="http://schemas.openxmlformats.org/officeDocument/2006/relationships" xmlns:p="http://schemas.openxmlformats.org/presentationml/2006/main">
+  <p:cSld>
+    <p:spTree>
+      <p:nvGrpSpPr>
+        <p:cNvPr id="117" name="Shape 117"/>
+        <p:cNvGrpSpPr/>
+        <p:nvPr/>
+      </p:nvGrpSpPr>
+      <p:grpSpPr>
+        <a:xfrm>
+          <a:off x="0" y="0"/>
+          <a:ext cx="0" cy="0"/>
+          <a:chOff x="0" y="0"/>
+          <a:chExt cx="0" cy="0"/>
+        </a:xfrm>
+      </p:grpSpPr>
+      <p:sp>
+        <p:nvSpPr>
+          <p:cNvPr id="118" name="Google Shape;118;p3"/>
+          <p:cNvSpPr txBox="1"/>
+          <p:nvPr>
+            <p:ph type="title"/>
+          </p:nvPr>
+        </p:nvSpPr>
+        <p:spPr>
+          <a:xfrm>
+            <a:off x="838200" y="269240"/>
+            <a:ext cx="10515600" cy="916940"/>
+          </a:xfrm>
+          <a:prstGeom prst="rect">
+            <a:avLst/>
+          </a:prstGeom>
+          <a:noFill/>
+          <a:ln>
+            <a:noFill/>
+          </a:ln>
+        </p:spPr>
+        <p:txBody>
+          <a:bodyPr spcFirstLastPara="1" wrap="square" lIns="91425" tIns="45700" rIns="91425" bIns="45700" anchor="ctr" anchorCtr="0">
+            <a:normAutofit/>
+          </a:bodyPr>
+          <a:lstStyle/>
+          <a:p>
+            <a:pPr marL="0" lvl="0" indent="0" algn="ctr" rtl="0">
+              <a:lnSpc>
+                <a:spcPct val="90000"/>
+              </a:lnSpc>
+              <a:spcBef>
+                <a:spcPts val="0"/>
+              </a:spcBef>
+              <a:spcAft>
+                <a:spcPts val="0"/>
+              </a:spcAft>
+              <a:buClr>
+                <a:schemeClr val="dk1"/>
+              </a:buClr>
+              <a:buSzPts val="4400"/>
+              <a:buFont typeface="Times New Roman" panose="02020603050405020304"/>
+              <a:buNone/>
+            </a:pPr>
+            <a:r>
+              <a:rPr lang="en-US" b="1">
+                <a:latin typeface="Times New Roman" panose="02020603050405020304"/>
+                <a:ea typeface="Times New Roman" panose="02020603050405020304"/>
+                <a:cs typeface="Times New Roman" panose="02020603050405020304"/>
+                <a:sym typeface="Times New Roman" panose="02020603050405020304"/>
+              </a:rPr>
+              <a:t>Introduction to Project</a:t>
+            </a:r>
+            <a:endParaRPr b="1">
+              <a:latin typeface="Times New Roman" panose="02020603050405020304"/>
+              <a:ea typeface="Times New Roman" panose="02020603050405020304"/>
+              <a:cs typeface="Times New Roman" panose="02020603050405020304"/>
+              <a:sym typeface="Times New Roman" panose="02020603050405020304"/>
+            </a:endParaRPr>
+          </a:p>
+        </p:txBody>
+      </p:sp>
+      <p:sp>
+        <p:nvSpPr>
+          <p:cNvPr id="119" name="Google Shape;119;p3"/>
+          <p:cNvSpPr txBox="1"/>
+          <p:nvPr>
+            <p:ph type="body" idx="1"/>
+          </p:nvPr>
+        </p:nvSpPr>
+        <p:spPr>
+          <a:xfrm>
+            <a:off x="838200" y="1322070"/>
+            <a:ext cx="10515600" cy="5262245"/>
+          </a:xfrm>
+          <a:prstGeom prst="rect">
+            <a:avLst/>
+          </a:prstGeom>
+          <a:noFill/>
+          <a:ln>
+            <a:noFill/>
+          </a:ln>
+        </p:spPr>
+        <p:txBody>
+          <a:bodyPr spcFirstLastPara="1" wrap="square" lIns="91425" tIns="45700" rIns="91425" bIns="45700" anchor="t" anchorCtr="0">
+            <a:noAutofit/>
+          </a:bodyPr>
+          <a:lstStyle/>
+          <a:p>
+            <a:pPr marL="0" lvl="0" indent="0" algn="just" rtl="0">
+              <a:lnSpc>
+                <a:spcPct val="115000"/>
+              </a:lnSpc>
+              <a:spcBef>
+                <a:spcPts val="1200"/>
+              </a:spcBef>
+              <a:spcAft>
+                <a:spcPts val="0"/>
+              </a:spcAft>
+              <a:buClr>
+                <a:schemeClr val="dk1"/>
+              </a:buClr>
+              <a:buSzPts val="1100"/>
+              <a:buFont typeface="Arial" panose="020B0604020202020204"/>
+              <a:buNone/>
+            </a:pPr>
+            <a:r>
+              <a:rPr lang="en-US" sz="2400">
+                <a:solidFill>
+                  <a:schemeClr val="tx1"/>
+                </a:solidFill>
+                <a:uFillTx/>
+                <a:latin typeface="Times New Roman" panose="02020603050405020304" charset="0"/>
+                <a:ea typeface="Times New Roman" panose="02020603050405020304"/>
+                <a:cs typeface="Times New Roman" panose="02020603050405020304"/>
+                <a:sym typeface="Times New Roman" panose="02020603050405020304"/>
+              </a:rPr>
+              <a:t>This project endeavors to build a</a:t>
+            </a:r>
+            <a:r>
+              <a:rPr lang="en-US" sz="2400" b="1">
+                <a:solidFill>
+                  <a:schemeClr val="tx1"/>
+                </a:solidFill>
+                <a:uFillTx/>
+                <a:latin typeface="Times New Roman" panose="02020603050405020304" charset="0"/>
+                <a:ea typeface="Times New Roman" panose="02020603050405020304"/>
+                <a:cs typeface="Times New Roman" panose="02020603050405020304"/>
+                <a:sym typeface="Times New Roman" panose="02020603050405020304"/>
+              </a:rPr>
+              <a:t> </a:t>
+            </a:r>
+            <a:r>
+              <a:rPr lang="en-US" sz="2400">
+                <a:solidFill>
+                  <a:schemeClr val="tx1"/>
+                </a:solidFill>
+                <a:uFillTx/>
+                <a:latin typeface="Times New Roman" panose="02020603050405020304" charset="0"/>
+                <a:ea typeface="Times New Roman" panose="02020603050405020304"/>
+                <a:cs typeface="Times New Roman" panose="02020603050405020304"/>
+                <a:sym typeface="Times New Roman" panose="02020603050405020304"/>
+              </a:rPr>
+              <a:t>predictive model for </a:t>
+            </a:r>
+            <a:r>
+              <a:rPr lang="en-US" sz="2400" b="1">
+                <a:solidFill>
+                  <a:schemeClr val="tx1"/>
+                </a:solidFill>
+                <a:uFillTx/>
+                <a:latin typeface="Times New Roman" panose="02020603050405020304" charset="0"/>
+                <a:ea typeface="Times New Roman" panose="02020603050405020304"/>
+                <a:cs typeface="Times New Roman" panose="02020603050405020304"/>
+                <a:sym typeface="Times New Roman" panose="02020603050405020304"/>
+              </a:rPr>
+              <a:t>mental health estimation based on phone usage</a:t>
+            </a:r>
+            <a:r>
+              <a:rPr lang="en-US" sz="2400">
+                <a:solidFill>
+                  <a:schemeClr val="tx1"/>
+                </a:solidFill>
+                <a:uFillTx/>
+                <a:latin typeface="Times New Roman" panose="02020603050405020304" charset="0"/>
+                <a:ea typeface="Times New Roman" panose="02020603050405020304"/>
+                <a:cs typeface="Times New Roman" panose="02020603050405020304"/>
+                <a:sym typeface="Times New Roman" panose="02020603050405020304"/>
+              </a:rPr>
+              <a:t> by analyzing diverse lifestyle factors, particularly stress levels. The dataset includes information from participants, considering age, gender, and occupation (Student, Corporate, Others), among other factors. Employing different </a:t>
+            </a:r>
+            <a:r>
+              <a:rPr lang="en-US" sz="2400" b="1">
+                <a:solidFill>
+                  <a:schemeClr val="tx1"/>
+                </a:solidFill>
+                <a:uFillTx/>
+                <a:latin typeface="Times New Roman" panose="02020603050405020304" charset="0"/>
+                <a:ea typeface="Times New Roman" panose="02020603050405020304"/>
+                <a:cs typeface="Times New Roman" panose="02020603050405020304"/>
+                <a:sym typeface="Times New Roman" panose="02020603050405020304"/>
+              </a:rPr>
+              <a:t>machine learning models</a:t>
+            </a:r>
+            <a:r>
+              <a:rPr lang="en-US" sz="2400">
+                <a:solidFill>
+                  <a:schemeClr val="tx1"/>
+                </a:solidFill>
+                <a:uFillTx/>
+                <a:latin typeface="Times New Roman" panose="02020603050405020304" charset="0"/>
+                <a:ea typeface="Times New Roman" panose="02020603050405020304"/>
+                <a:cs typeface="Times New Roman" panose="02020603050405020304"/>
+                <a:sym typeface="Times New Roman" panose="02020603050405020304"/>
+              </a:rPr>
+              <a:t>, the project aims to correlate these inputs with self-reported stress scale responses and physiological indicators. </a:t>
+            </a:r>
+            <a:endParaRPr lang="en-US" sz="2400">
+              <a:solidFill>
+                <a:schemeClr val="tx1"/>
+              </a:solidFill>
+              <a:uFillTx/>
+              <a:latin typeface="Times New Roman" panose="02020603050405020304" charset="0"/>
+              <a:ea typeface="Times New Roman" panose="02020603050405020304"/>
+              <a:cs typeface="Times New Roman" panose="02020603050405020304"/>
+              <a:sym typeface="Times New Roman" panose="02020603050405020304"/>
+            </a:endParaRPr>
+          </a:p>
+          <a:p>
+            <a:pPr marL="0" lvl="0" indent="0" algn="just" rtl="0">
+              <a:lnSpc>
+                <a:spcPct val="115000"/>
+              </a:lnSpc>
+              <a:spcBef>
+                <a:spcPts val="1200"/>
+              </a:spcBef>
+              <a:spcAft>
+                <a:spcPts val="0"/>
+              </a:spcAft>
+              <a:buClr>
+                <a:schemeClr val="dk1"/>
+              </a:buClr>
+              <a:buSzPts val="1100"/>
+              <a:buFont typeface="Arial" panose="020B0604020202020204"/>
+              <a:buNone/>
+            </a:pPr>
+            <a:r>
+              <a:rPr lang="en-US" sz="2400">
+                <a:solidFill>
+                  <a:schemeClr val="tx1"/>
+                </a:solidFill>
+                <a:uFillTx/>
+                <a:latin typeface="Times New Roman" panose="02020603050405020304" charset="0"/>
+                <a:ea typeface="Times New Roman" panose="02020603050405020304"/>
+                <a:cs typeface="Times New Roman" panose="02020603050405020304"/>
+                <a:sym typeface="Times New Roman" panose="02020603050405020304"/>
+              </a:rPr>
+              <a:t>Focused on </a:t>
+            </a:r>
+            <a:r>
+              <a:rPr lang="en-US" sz="2400" b="1">
+                <a:solidFill>
+                  <a:schemeClr val="tx1"/>
+                </a:solidFill>
+                <a:uFillTx/>
+                <a:latin typeface="Times New Roman" panose="02020603050405020304" charset="0"/>
+                <a:ea typeface="Times New Roman" panose="02020603050405020304"/>
+                <a:cs typeface="Times New Roman" panose="02020603050405020304"/>
+                <a:sym typeface="Times New Roman" panose="02020603050405020304"/>
+              </a:rPr>
+              <a:t>stress prediction</a:t>
+            </a:r>
+            <a:r>
+              <a:rPr lang="en-US" sz="2400">
+                <a:solidFill>
+                  <a:schemeClr val="tx1"/>
+                </a:solidFill>
+                <a:uFillTx/>
+                <a:latin typeface="Times New Roman" panose="02020603050405020304" charset="0"/>
+                <a:ea typeface="Times New Roman" panose="02020603050405020304"/>
+                <a:cs typeface="Times New Roman" panose="02020603050405020304"/>
+                <a:sym typeface="Times New Roman" panose="02020603050405020304"/>
+              </a:rPr>
+              <a:t> as a proxy for mental well-being, the project emphasizes ethical considerations, ensuring participant privacy. Real-world applications span personalized interventions in counseling, corporate wellness programs, and targeted healthcare strategies, addressing the critical intersection of mental health awareness and technology's role in stress comprehension.</a:t>
+            </a:r>
+            <a:endParaRPr lang="en-US" sz="2400">
+              <a:solidFill>
+                <a:schemeClr val="tx1"/>
+              </a:solidFill>
+              <a:uFillTx/>
+              <a:latin typeface="Times New Roman" panose="02020603050405020304" charset="0"/>
+              <a:ea typeface="Times New Roman" panose="02020603050405020304"/>
+              <a:cs typeface="Times New Roman" panose="02020603050405020304"/>
+              <a:sym typeface="Times New Roman" panose="02020603050405020304"/>
+            </a:endParaRPr>
+          </a:p>
+        </p:txBody>
+      </p:sp>
+      <p:sp>
+        <p:nvSpPr>
+          <p:cNvPr id="120" name="Google Shape;120;p3"/>
+          <p:cNvSpPr txBox="1"/>
+          <p:nvPr>
+            <p:ph type="sldNum" idx="12"/>
+          </p:nvPr>
+        </p:nvSpPr>
+        <p:spPr>
+          <a:xfrm>
+            <a:off x="8610600" y="6356350"/>
+            <a:ext cx="2743200" cy="365125"/>
+          </a:xfrm>
+          <a:prstGeom prst="rect">
+            <a:avLst/>
+          </a:prstGeom>
+          <a:noFill/>
+          <a:ln>
+            <a:noFill/>
+          </a:ln>
+        </p:spPr>
+        <p:txBody>
+          <a:bodyPr spcFirstLastPara="1" wrap="square" lIns="91425" tIns="45700" rIns="91425" bIns="45700" anchor="ctr" anchorCtr="0">
+            <a:noAutofit/>
+          </a:bodyPr>
+          <a:lstStyle/>
+          <a:p>
+            <a:pPr marL="0" lvl="0" indent="0" algn="r" rtl="0">
+              <a:spcBef>
+                <a:spcPts val="0"/>
+              </a:spcBef>
+              <a:spcAft>
+                <a:spcPts val="0"/>
+              </a:spcAft>
+              <a:buNone/>
+            </a:pPr>
+            <a:fld id="{00000000-1234-1234-1234-123412341234}" type="slidenum">
+              <a:rPr lang="en-US"/>
+            </a:fld>
+            <a:endParaRPr lang="en-US"/>
+          </a:p>
+        </p:txBody>
+      </p:sp>
+    </p:spTree>
+  </p:cSld>
+  <p:clrMapOvr>
+    <a:masterClrMapping/>
+  </p:clrMapOvr>
+</p:sld>
+</file>
+
+<file path=ppt/slides/slide4.xml><?xml version="1.0" encoding="utf-8"?>
+<p:sld xmlns:a="http://schemas.openxmlformats.org/drawingml/2006/main" xmlns:r="http://schemas.openxmlformats.org/officeDocument/2006/relationships" xmlns:p="http://schemas.openxmlformats.org/presentationml/2006/main">
+  <p:cSld>
+    <p:spTree>
+      <p:nvGrpSpPr>
+        <p:cNvPr id="1" name=""/>
+        <p:cNvGrpSpPr/>
+        <p:nvPr/>
+      </p:nvGrpSpPr>
+      <p:grpSpPr/>
+      <p:sp>
+        <p:nvSpPr>
+          <p:cNvPr id="18" name="Title 17"/>
+          <p:cNvSpPr/>
+          <p:nvPr>
+            <p:ph type="title"/>
+          </p:nvPr>
+        </p:nvSpPr>
+        <p:spPr>
+          <a:xfrm>
+            <a:off x="706120" y="2678430"/>
+            <a:ext cx="3950335" cy="1561465"/>
+          </a:xfrm>
+        </p:spPr>
+        <p:txBody>
+          <a:bodyPr/>
+          <a:p>
+            <a:pPr algn="ctr"/>
+            <a:r>
+              <a:rPr lang="en-US" sz="4400">
+                <a:latin typeface="Times New Roman" panose="02020603050405020304" charset="0"/>
+                <a:cs typeface="Times New Roman" panose="02020603050405020304" charset="0"/>
+              </a:rPr>
+              <a:t>Project </a:t>
+            </a:r>
+            <a:br>
+              <a:rPr lang="en-US" sz="4400">
+                <a:latin typeface="Times New Roman" panose="02020603050405020304" charset="0"/>
+                <a:cs typeface="Times New Roman" panose="02020603050405020304" charset="0"/>
+              </a:rPr>
+            </a:br>
+            <a:r>
+              <a:rPr lang="en-US" sz="4400">
+                <a:latin typeface="Times New Roman" panose="02020603050405020304" charset="0"/>
+                <a:cs typeface="Times New Roman" panose="02020603050405020304" charset="0"/>
+              </a:rPr>
+              <a:t>Timelines </a:t>
+            </a:r>
+            <a:endParaRPr lang="en-US" sz="4400">
+              <a:latin typeface="Times New Roman" panose="02020603050405020304" charset="0"/>
+              <a:cs typeface="Times New Roman" panose="02020603050405020304" charset="0"/>
+            </a:endParaRPr>
+          </a:p>
+        </p:txBody>
+      </p:sp>
+      <p:sp>
+        <p:nvSpPr>
+          <p:cNvPr id="19" name="Text Placeholder 18"/>
           <p:cNvSpPr/>
           <p:nvPr>
             <p:ph type="body" idx="1"/>
@@ -13740,7 +15443,7 @@
       </p:sp>
       <p:pic>
         <p:nvPicPr>
-          <p:cNvPr id="2" name="Picture Placeholder 1" descr="Screenshot (83)"/>
+          <p:cNvPr id="11" name="Picture Placeholder 10" descr="Screenshot (82)"/>
           <p:cNvPicPr>
             <a:picLocks noChangeAspect="1"/>
           </p:cNvPicPr>
@@ -13756,56 +15459,8 @@
         </p:blipFill>
         <p:spPr>
           <a:xfrm>
-            <a:off x="3486150" y="4554220"/>
-            <a:ext cx="5220335" cy="1637030"/>
-          </a:xfrm>
-          <a:prstGeom prst="rect">
-            <a:avLst/>
-          </a:prstGeom>
-        </p:spPr>
-      </p:pic>
-      <p:pic>
-        <p:nvPicPr>
-          <p:cNvPr id="8" name="Picture 7" descr="Screenshot (84)"/>
-          <p:cNvPicPr>
-            <a:picLocks noChangeAspect="1"/>
-          </p:cNvPicPr>
-          <p:nvPr/>
-        </p:nvPicPr>
-        <p:blipFill>
-          <a:blip r:embed="rId2"/>
-          <a:stretch>
-            <a:fillRect/>
-          </a:stretch>
-        </p:blipFill>
-        <p:spPr>
-          <a:xfrm>
-            <a:off x="838200" y="1825625"/>
-            <a:ext cx="5917565" cy="2713990"/>
-          </a:xfrm>
-          <a:prstGeom prst="rect">
-            <a:avLst/>
-          </a:prstGeom>
-        </p:spPr>
-      </p:pic>
-      <p:pic>
-        <p:nvPicPr>
-          <p:cNvPr id="9" name="Picture 8" descr="Screenshot (85)"/>
-          <p:cNvPicPr>
-            <a:picLocks noChangeAspect="1"/>
-          </p:cNvPicPr>
-          <p:nvPr/>
-        </p:nvPicPr>
-        <p:blipFill>
-          <a:blip r:embed="rId3"/>
-          <a:stretch>
-            <a:fillRect/>
-          </a:stretch>
-        </p:blipFill>
-        <p:spPr>
-          <a:xfrm>
-            <a:off x="6755765" y="1892300"/>
-            <a:ext cx="4598670" cy="2661920"/>
+            <a:off x="4656455" y="267335"/>
+            <a:ext cx="6967855" cy="6383655"/>
           </a:xfrm>
           <a:prstGeom prst="rect">
             <a:avLst/>
@@ -13820,7 +15475,703 @@
 </p:sld>
 </file>
 
-<file path=ppt/slides/slide11.xml><?xml version="1.0" encoding="utf-8"?>
+<file path=ppt/slides/slide5.xml><?xml version="1.0" encoding="utf-8"?>
+<p:sld xmlns:a="http://schemas.openxmlformats.org/drawingml/2006/main" xmlns:r="http://schemas.openxmlformats.org/officeDocument/2006/relationships" xmlns:p="http://schemas.openxmlformats.org/presentationml/2006/main">
+  <p:cSld>
+    <p:spTree>
+      <p:nvGrpSpPr>
+        <p:cNvPr id="125" name="Shape 125"/>
+        <p:cNvGrpSpPr/>
+        <p:nvPr/>
+      </p:nvGrpSpPr>
+      <p:grpSpPr>
+        <a:xfrm>
+          <a:off x="0" y="0"/>
+          <a:ext cx="0" cy="0"/>
+          <a:chOff x="0" y="0"/>
+          <a:chExt cx="0" cy="0"/>
+        </a:xfrm>
+      </p:grpSpPr>
+      <p:sp>
+        <p:nvSpPr>
+          <p:cNvPr id="126" name="Google Shape;126;g24c63169c1f_0_0"/>
+          <p:cNvSpPr txBox="1"/>
+          <p:nvPr>
+            <p:ph type="title"/>
+          </p:nvPr>
+        </p:nvSpPr>
+        <p:spPr>
+          <a:xfrm>
+            <a:off x="838200" y="207010"/>
+            <a:ext cx="10515600" cy="938530"/>
+          </a:xfrm>
+          <a:prstGeom prst="rect">
+            <a:avLst/>
+          </a:prstGeom>
+        </p:spPr>
+        <p:txBody>
+          <a:bodyPr spcFirstLastPara="1" wrap="square" lIns="91425" tIns="45700" rIns="91425" bIns="45700" anchor="ctr" anchorCtr="0">
+            <a:noAutofit/>
+          </a:bodyPr>
+          <a:lstStyle/>
+          <a:p>
+            <a:pPr marL="0" lvl="0" indent="0" algn="ctr" rtl="0">
+              <a:lnSpc>
+                <a:spcPct val="105000"/>
+              </a:lnSpc>
+              <a:spcBef>
+                <a:spcPts val="2400"/>
+              </a:spcBef>
+              <a:spcAft>
+                <a:spcPts val="600"/>
+              </a:spcAft>
+              <a:buNone/>
+            </a:pPr>
+            <a:r>
+              <a:rPr lang="en-US" b="1">
+                <a:latin typeface="Times New Roman" panose="02020603050405020304"/>
+                <a:ea typeface="Times New Roman" panose="02020603050405020304"/>
+                <a:cs typeface="Times New Roman" panose="02020603050405020304"/>
+                <a:sym typeface="Times New Roman" panose="02020603050405020304"/>
+              </a:rPr>
+              <a:t>Project Scope &amp; Objectives</a:t>
+            </a:r>
+            <a:endParaRPr lang="en-US" b="1">
+              <a:latin typeface="Times New Roman" panose="02020603050405020304"/>
+              <a:ea typeface="Times New Roman" panose="02020603050405020304"/>
+              <a:cs typeface="Times New Roman" panose="02020603050405020304"/>
+              <a:sym typeface="Times New Roman" panose="02020603050405020304"/>
+            </a:endParaRPr>
+          </a:p>
+        </p:txBody>
+      </p:sp>
+      <p:sp>
+        <p:nvSpPr>
+          <p:cNvPr id="127" name="Google Shape;127;g24c63169c1f_0_0"/>
+          <p:cNvSpPr txBox="1"/>
+          <p:nvPr>
+            <p:ph type="body" idx="1"/>
+          </p:nvPr>
+        </p:nvSpPr>
+        <p:spPr>
+          <a:xfrm>
+            <a:off x="838200" y="1332230"/>
+            <a:ext cx="10515600" cy="5248910"/>
+          </a:xfrm>
+          <a:prstGeom prst="rect">
+            <a:avLst/>
+          </a:prstGeom>
+        </p:spPr>
+        <p:txBody>
+          <a:bodyPr spcFirstLastPara="1" wrap="square" lIns="91425" tIns="45700" rIns="91425" bIns="45700" anchor="t" anchorCtr="0">
+            <a:noAutofit/>
+          </a:bodyPr>
+          <a:lstStyle/>
+          <a:p>
+            <a:pPr marL="0" lvl="0" indent="0" algn="just" rtl="0">
+              <a:lnSpc>
+                <a:spcPct val="105000"/>
+              </a:lnSpc>
+              <a:spcBef>
+                <a:spcPts val="1200"/>
+              </a:spcBef>
+              <a:spcAft>
+                <a:spcPts val="0"/>
+              </a:spcAft>
+              <a:buClr>
+                <a:schemeClr val="dk1"/>
+              </a:buClr>
+              <a:buSzPts val="605"/>
+              <a:buFont typeface="Arial" panose="020B0604020202020204"/>
+              <a:buNone/>
+            </a:pPr>
+            <a:r>
+              <a:rPr lang="en-US" sz="2400" b="1">
+                <a:latin typeface="Times New Roman" panose="02020603050405020304"/>
+                <a:ea typeface="Times New Roman" panose="02020603050405020304"/>
+                <a:cs typeface="Times New Roman" panose="02020603050405020304"/>
+                <a:sym typeface="Times New Roman" panose="02020603050405020304"/>
+              </a:rPr>
+              <a:t>Comprehensive Data Collection</a:t>
+            </a:r>
+            <a:endParaRPr lang="en-US" sz="2400" b="1">
+              <a:latin typeface="Times New Roman" panose="02020603050405020304"/>
+              <a:ea typeface="Times New Roman" panose="02020603050405020304"/>
+              <a:cs typeface="Times New Roman" panose="02020603050405020304"/>
+              <a:sym typeface="Times New Roman" panose="02020603050405020304"/>
+            </a:endParaRPr>
+          </a:p>
+          <a:p>
+            <a:pPr marL="0" lvl="0" indent="0" algn="just" rtl="0">
+              <a:lnSpc>
+                <a:spcPct val="105000"/>
+              </a:lnSpc>
+              <a:spcBef>
+                <a:spcPts val="1200"/>
+              </a:spcBef>
+              <a:spcAft>
+                <a:spcPts val="0"/>
+              </a:spcAft>
+              <a:buClr>
+                <a:schemeClr val="dk1"/>
+              </a:buClr>
+              <a:buSzPts val="605"/>
+              <a:buFont typeface="Arial" panose="020B0604020202020204"/>
+              <a:buNone/>
+            </a:pPr>
+            <a:r>
+              <a:rPr lang="en-US" sz="2000">
+                <a:latin typeface="Times New Roman" panose="02020603050405020304"/>
+                <a:ea typeface="Times New Roman" panose="02020603050405020304"/>
+                <a:cs typeface="Times New Roman" panose="02020603050405020304"/>
+                <a:sym typeface="Times New Roman" panose="02020603050405020304"/>
+              </a:rPr>
+              <a:t>By gathering diverse data from different datasets available and survey from participants, including age, gender, occupation, sleep patterns, physical activity, and dietary habits, the project will encompass a wide range of lifestyle factors to ensure a comprehensive dataset for mental health analysis.</a:t>
+            </a:r>
+            <a:endParaRPr lang="en-US" sz="2000">
+              <a:latin typeface="Times New Roman" panose="02020603050405020304"/>
+              <a:ea typeface="Times New Roman" panose="02020603050405020304"/>
+              <a:cs typeface="Times New Roman" panose="02020603050405020304"/>
+              <a:sym typeface="Times New Roman" panose="02020603050405020304"/>
+            </a:endParaRPr>
+          </a:p>
+          <a:p>
+            <a:pPr marL="0" lvl="0" indent="0" algn="just" rtl="0">
+              <a:lnSpc>
+                <a:spcPct val="105000"/>
+              </a:lnSpc>
+              <a:spcBef>
+                <a:spcPts val="1200"/>
+              </a:spcBef>
+              <a:spcAft>
+                <a:spcPts val="0"/>
+              </a:spcAft>
+              <a:buClr>
+                <a:schemeClr val="dk1"/>
+              </a:buClr>
+              <a:buSzPts val="605"/>
+              <a:buFont typeface="Arial" panose="020B0604020202020204"/>
+              <a:buNone/>
+            </a:pPr>
+            <a:r>
+              <a:rPr lang="en-US" sz="2400" b="1">
+                <a:latin typeface="Times New Roman" panose="02020603050405020304"/>
+                <a:ea typeface="Times New Roman" panose="02020603050405020304"/>
+                <a:cs typeface="Times New Roman" panose="02020603050405020304"/>
+                <a:sym typeface="Times New Roman" panose="02020603050405020304"/>
+              </a:rPr>
+              <a:t>Development of Predictive Model</a:t>
+            </a:r>
+            <a:endParaRPr lang="en-US" sz="2400" b="1">
+              <a:latin typeface="Times New Roman" panose="02020603050405020304"/>
+              <a:ea typeface="Times New Roman" panose="02020603050405020304"/>
+              <a:cs typeface="Times New Roman" panose="02020603050405020304"/>
+              <a:sym typeface="Times New Roman" panose="02020603050405020304"/>
+            </a:endParaRPr>
+          </a:p>
+          <a:p>
+            <a:pPr marL="0" lvl="0" indent="0" algn="just" rtl="0">
+              <a:lnSpc>
+                <a:spcPct val="105000"/>
+              </a:lnSpc>
+              <a:spcBef>
+                <a:spcPts val="1200"/>
+              </a:spcBef>
+              <a:spcAft>
+                <a:spcPts val="0"/>
+              </a:spcAft>
+              <a:buClr>
+                <a:schemeClr val="dk1"/>
+              </a:buClr>
+              <a:buSzPts val="605"/>
+              <a:buFont typeface="Arial" panose="020B0604020202020204"/>
+              <a:buNone/>
+            </a:pPr>
+            <a:r>
+              <a:rPr lang="en-US" sz="2000">
+                <a:latin typeface="Times New Roman" panose="02020603050405020304"/>
+                <a:ea typeface="Times New Roman" panose="02020603050405020304"/>
+                <a:cs typeface="Times New Roman" panose="02020603050405020304"/>
+                <a:sym typeface="Times New Roman" panose="02020603050405020304"/>
+              </a:rPr>
+              <a:t>Build a machine learning </a:t>
+            </a:r>
+            <a:r>
+              <a:rPr lang="en-US" sz="2000" b="1">
+                <a:latin typeface="Times New Roman" panose="02020603050405020304"/>
+                <a:ea typeface="Times New Roman" panose="02020603050405020304"/>
+                <a:cs typeface="Times New Roman" panose="02020603050405020304"/>
+                <a:sym typeface="Times New Roman" panose="02020603050405020304"/>
+              </a:rPr>
+              <a:t>classification model</a:t>
+            </a:r>
+            <a:r>
+              <a:rPr lang="en-US" sz="2000">
+                <a:latin typeface="Times New Roman" panose="02020603050405020304"/>
+                <a:ea typeface="Times New Roman" panose="02020603050405020304"/>
+                <a:cs typeface="Times New Roman" panose="02020603050405020304"/>
+                <a:sym typeface="Times New Roman" panose="02020603050405020304"/>
+              </a:rPr>
+              <a:t> to predict individuals' mental health based on sas-sv scale and utilize advanced algorithms to establish correlations between lifestyle factors, stress responses, and physiological indicators.</a:t>
+            </a:r>
+            <a:endParaRPr lang="en-US" sz="2000">
+              <a:latin typeface="Times New Roman" panose="02020603050405020304"/>
+              <a:ea typeface="Times New Roman" panose="02020603050405020304"/>
+              <a:cs typeface="Times New Roman" panose="02020603050405020304"/>
+              <a:sym typeface="Times New Roman" panose="02020603050405020304"/>
+            </a:endParaRPr>
+          </a:p>
+          <a:p>
+            <a:pPr marL="0" lvl="0" indent="0" algn="just" rtl="0">
+              <a:lnSpc>
+                <a:spcPct val="105000"/>
+              </a:lnSpc>
+              <a:spcBef>
+                <a:spcPts val="1200"/>
+              </a:spcBef>
+              <a:spcAft>
+                <a:spcPts val="0"/>
+              </a:spcAft>
+              <a:buClr>
+                <a:schemeClr val="dk1"/>
+              </a:buClr>
+              <a:buSzPts val="605"/>
+              <a:buFont typeface="Arial" panose="020B0604020202020204"/>
+              <a:buNone/>
+            </a:pPr>
+            <a:r>
+              <a:rPr sz="2400" b="1">
+                <a:latin typeface="Times New Roman" panose="02020603050405020304"/>
+                <a:ea typeface="Times New Roman" panose="02020603050405020304"/>
+                <a:cs typeface="Times New Roman" panose="02020603050405020304"/>
+                <a:sym typeface="Times New Roman" panose="02020603050405020304"/>
+              </a:rPr>
+              <a:t>Ethical Data Handling</a:t>
+            </a:r>
+            <a:endParaRPr sz="2400" b="1">
+              <a:latin typeface="Times New Roman" panose="02020603050405020304"/>
+              <a:ea typeface="Times New Roman" panose="02020603050405020304"/>
+              <a:cs typeface="Times New Roman" panose="02020603050405020304"/>
+              <a:sym typeface="Times New Roman" panose="02020603050405020304"/>
+            </a:endParaRPr>
+          </a:p>
+          <a:p>
+            <a:pPr marL="0" lvl="0" indent="0" algn="just" rtl="0">
+              <a:lnSpc>
+                <a:spcPct val="105000"/>
+              </a:lnSpc>
+              <a:spcBef>
+                <a:spcPts val="1200"/>
+              </a:spcBef>
+              <a:spcAft>
+                <a:spcPts val="0"/>
+              </a:spcAft>
+              <a:buClr>
+                <a:schemeClr val="dk1"/>
+              </a:buClr>
+              <a:buSzPts val="605"/>
+              <a:buFont typeface="Arial" panose="020B0604020202020204"/>
+              <a:buNone/>
+            </a:pPr>
+            <a:r>
+              <a:rPr sz="2000">
+                <a:latin typeface="Times New Roman" panose="02020603050405020304"/>
+                <a:ea typeface="Times New Roman" panose="02020603050405020304"/>
+                <a:cs typeface="Times New Roman" panose="02020603050405020304"/>
+                <a:sym typeface="Times New Roman" panose="02020603050405020304"/>
+              </a:rPr>
+              <a:t>Prioritize ethical considerations, ensuring participant privacy and responsible data handling</a:t>
+            </a:r>
+            <a:r>
+              <a:rPr lang="en-US" sz="2000">
+                <a:latin typeface="Times New Roman" panose="02020603050405020304"/>
+                <a:ea typeface="Times New Roman" panose="02020603050405020304"/>
+                <a:cs typeface="Times New Roman" panose="02020603050405020304"/>
+                <a:sym typeface="Times New Roman" panose="02020603050405020304"/>
+              </a:rPr>
+              <a:t> and i</a:t>
+            </a:r>
+            <a:r>
+              <a:rPr sz="2000">
+                <a:latin typeface="Times New Roman" panose="02020603050405020304"/>
+                <a:ea typeface="Times New Roman" panose="02020603050405020304"/>
+                <a:cs typeface="Times New Roman" panose="02020603050405020304"/>
+                <a:sym typeface="Times New Roman" panose="02020603050405020304"/>
+              </a:rPr>
+              <a:t>mplement stringent data protection measures to safeguard sensitive information and comply with ethical guidelines.</a:t>
+            </a:r>
+            <a:endParaRPr sz="2000">
+              <a:latin typeface="Times New Roman" panose="02020603050405020304"/>
+              <a:ea typeface="Times New Roman" panose="02020603050405020304"/>
+              <a:cs typeface="Times New Roman" panose="02020603050405020304"/>
+              <a:sym typeface="Times New Roman" panose="02020603050405020304"/>
+            </a:endParaRPr>
+          </a:p>
+        </p:txBody>
+      </p:sp>
+      <p:sp>
+        <p:nvSpPr>
+          <p:cNvPr id="128" name="Google Shape;128;g24c63169c1f_0_0"/>
+          <p:cNvSpPr txBox="1"/>
+          <p:nvPr>
+            <p:ph type="sldNum" idx="12"/>
+          </p:nvPr>
+        </p:nvSpPr>
+        <p:spPr>
+          <a:xfrm>
+            <a:off x="8610600" y="6356350"/>
+            <a:ext cx="2743200" cy="365100"/>
+          </a:xfrm>
+          <a:prstGeom prst="rect">
+            <a:avLst/>
+          </a:prstGeom>
+        </p:spPr>
+        <p:txBody>
+          <a:bodyPr spcFirstLastPara="1" wrap="square" lIns="91425" tIns="45700" rIns="91425" bIns="45700" anchor="ctr" anchorCtr="0">
+            <a:noAutofit/>
+          </a:bodyPr>
+          <a:lstStyle/>
+          <a:p>
+            <a:pPr marL="0" lvl="0" indent="0" algn="r" rtl="0">
+              <a:spcBef>
+                <a:spcPts val="0"/>
+              </a:spcBef>
+              <a:spcAft>
+                <a:spcPts val="0"/>
+              </a:spcAft>
+              <a:buClr>
+                <a:srgbClr val="000000"/>
+              </a:buClr>
+              <a:buFont typeface="Arial" panose="020B0604020202020204"/>
+              <a:buNone/>
+            </a:pPr>
+            <a:fld id="{00000000-1234-1234-1234-123412341234}" type="slidenum">
+              <a:rPr lang="en-US"/>
+            </a:fld>
+            <a:endParaRPr lang="en-US"/>
+          </a:p>
+        </p:txBody>
+      </p:sp>
+    </p:spTree>
+  </p:cSld>
+  <p:clrMapOvr>
+    <a:masterClrMapping/>
+  </p:clrMapOvr>
+</p:sld>
+</file>
+
+<file path=ppt/slides/slide6.xml><?xml version="1.0" encoding="utf-8"?>
+<p:sld xmlns:a="http://schemas.openxmlformats.org/drawingml/2006/main" xmlns:r="http://schemas.openxmlformats.org/officeDocument/2006/relationships" xmlns:p="http://schemas.openxmlformats.org/presentationml/2006/main">
+  <p:cSld>
+    <p:spTree>
+      <p:nvGrpSpPr>
+        <p:cNvPr id="133" name="Shape 133"/>
+        <p:cNvGrpSpPr/>
+        <p:nvPr/>
+      </p:nvGrpSpPr>
+      <p:grpSpPr>
+        <a:xfrm>
+          <a:off x="0" y="0"/>
+          <a:ext cx="0" cy="0"/>
+          <a:chOff x="0" y="0"/>
+          <a:chExt cx="0" cy="0"/>
+        </a:xfrm>
+      </p:grpSpPr>
+      <p:sp>
+        <p:nvSpPr>
+          <p:cNvPr id="134" name="Google Shape;134;g24c63169c1f_0_10"/>
+          <p:cNvSpPr txBox="1"/>
+          <p:nvPr>
+            <p:ph type="title"/>
+          </p:nvPr>
+        </p:nvSpPr>
+        <p:spPr>
+          <a:xfrm>
+            <a:off x="838200" y="211455"/>
+            <a:ext cx="10515600" cy="976630"/>
+          </a:xfrm>
+          <a:prstGeom prst="rect">
+            <a:avLst/>
+          </a:prstGeom>
+        </p:spPr>
+        <p:txBody>
+          <a:bodyPr spcFirstLastPara="1" wrap="square" lIns="91425" tIns="45700" rIns="91425" bIns="45700" anchor="ctr" anchorCtr="0">
+            <a:normAutofit/>
+          </a:bodyPr>
+          <a:lstStyle/>
+          <a:p>
+            <a:pPr marL="0" lvl="0" indent="0" algn="ctr" rtl="0">
+              <a:lnSpc>
+                <a:spcPct val="105000"/>
+              </a:lnSpc>
+              <a:spcBef>
+                <a:spcPts val="2400"/>
+              </a:spcBef>
+              <a:spcAft>
+                <a:spcPts val="600"/>
+              </a:spcAft>
+              <a:buClr>
+                <a:schemeClr val="dk1"/>
+              </a:buClr>
+              <a:buSzPts val="1100"/>
+              <a:buFont typeface="Arial" panose="020B0604020202020204"/>
+              <a:buNone/>
+            </a:pPr>
+            <a:r>
+              <a:rPr lang="en-US" b="1">
+                <a:latin typeface="Times New Roman" panose="02020603050405020304"/>
+                <a:ea typeface="Times New Roman" panose="02020603050405020304"/>
+                <a:cs typeface="Times New Roman" panose="02020603050405020304"/>
+                <a:sym typeface="Times New Roman" panose="02020603050405020304"/>
+              </a:rPr>
+              <a:t>Project Scope &amp; Objectives</a:t>
+            </a:r>
+            <a:endParaRPr b="1">
+              <a:latin typeface="Times New Roman" panose="02020603050405020304"/>
+              <a:ea typeface="Times New Roman" panose="02020603050405020304"/>
+              <a:cs typeface="Times New Roman" panose="02020603050405020304"/>
+              <a:sym typeface="Times New Roman" panose="02020603050405020304"/>
+            </a:endParaRPr>
+          </a:p>
+        </p:txBody>
+      </p:sp>
+      <p:sp>
+        <p:nvSpPr>
+          <p:cNvPr id="135" name="Google Shape;135;g24c63169c1f_0_10"/>
+          <p:cNvSpPr txBox="1"/>
+          <p:nvPr>
+            <p:ph type="body" idx="1"/>
+          </p:nvPr>
+        </p:nvSpPr>
+        <p:spPr>
+          <a:xfrm>
+            <a:off x="838200" y="1576705"/>
+            <a:ext cx="11003280" cy="4841240"/>
+          </a:xfrm>
+          <a:prstGeom prst="rect">
+            <a:avLst/>
+          </a:prstGeom>
+        </p:spPr>
+        <p:txBody>
+          <a:bodyPr spcFirstLastPara="1" wrap="square" lIns="91425" tIns="45700" rIns="91425" bIns="45700" anchor="t" anchorCtr="0">
+            <a:normAutofit fontScale="25000"/>
+          </a:bodyPr>
+          <a:lstStyle/>
+          <a:p>
+            <a:pPr marL="0" lvl="0" indent="0" algn="l" rtl="0">
+              <a:lnSpc>
+                <a:spcPct val="105000"/>
+              </a:lnSpc>
+              <a:spcBef>
+                <a:spcPts val="1200"/>
+              </a:spcBef>
+              <a:spcAft>
+                <a:spcPts val="0"/>
+              </a:spcAft>
+              <a:buClr>
+                <a:schemeClr val="dk1"/>
+              </a:buClr>
+              <a:buSzPts val="560"/>
+              <a:buFont typeface="Arial" panose="020B0604020202020204"/>
+              <a:buNone/>
+            </a:pPr>
+            <a:r>
+              <a:rPr lang="en-US" sz="9600" b="1">
+                <a:latin typeface="Times New Roman" panose="02020603050405020304"/>
+                <a:ea typeface="Times New Roman" panose="02020603050405020304"/>
+                <a:cs typeface="Times New Roman" panose="02020603050405020304"/>
+                <a:sym typeface="Times New Roman" panose="02020603050405020304"/>
+              </a:rPr>
+              <a:t>Real-world Applications in Mental Health</a:t>
+            </a:r>
+            <a:endParaRPr lang="en-US" sz="9600" b="1">
+              <a:latin typeface="Times New Roman" panose="02020603050405020304"/>
+              <a:ea typeface="Times New Roman" panose="02020603050405020304"/>
+              <a:cs typeface="Times New Roman" panose="02020603050405020304"/>
+              <a:sym typeface="Times New Roman" panose="02020603050405020304"/>
+            </a:endParaRPr>
+          </a:p>
+          <a:p>
+            <a:pPr marL="0" lvl="0" indent="0" algn="l" rtl="0">
+              <a:lnSpc>
+                <a:spcPct val="105000"/>
+              </a:lnSpc>
+              <a:spcBef>
+                <a:spcPts val="1200"/>
+              </a:spcBef>
+              <a:spcAft>
+                <a:spcPts val="0"/>
+              </a:spcAft>
+              <a:buClr>
+                <a:schemeClr val="dk1"/>
+              </a:buClr>
+              <a:buSzPts val="560"/>
+              <a:buFont typeface="Arial" panose="020B0604020202020204"/>
+              <a:buNone/>
+            </a:pPr>
+            <a:r>
+              <a:rPr lang="en-US" sz="8000">
+                <a:latin typeface="Times New Roman" panose="02020603050405020304"/>
+                <a:ea typeface="Times New Roman" panose="02020603050405020304"/>
+                <a:cs typeface="Times New Roman" panose="02020603050405020304"/>
+                <a:sym typeface="Times New Roman" panose="02020603050405020304"/>
+              </a:rPr>
+              <a:t>Provide practical applications for mental health support in counseling, psychology, and medical science. The project's outcomes will extend to personalized interventions, wellness programs, and healthcare strategies, addressing the real-world implications of mental well-being.</a:t>
+            </a:r>
+            <a:endParaRPr lang="en-US" sz="8000">
+              <a:latin typeface="Times New Roman" panose="02020603050405020304"/>
+              <a:ea typeface="Times New Roman" panose="02020603050405020304"/>
+              <a:cs typeface="Times New Roman" panose="02020603050405020304"/>
+              <a:sym typeface="Times New Roman" panose="02020603050405020304"/>
+            </a:endParaRPr>
+          </a:p>
+          <a:p>
+            <a:pPr marL="0" lvl="0" indent="0" algn="l" rtl="0">
+              <a:lnSpc>
+                <a:spcPct val="105000"/>
+              </a:lnSpc>
+              <a:spcBef>
+                <a:spcPts val="1200"/>
+              </a:spcBef>
+              <a:spcAft>
+                <a:spcPts val="0"/>
+              </a:spcAft>
+              <a:buClr>
+                <a:schemeClr val="dk1"/>
+              </a:buClr>
+              <a:buSzPts val="560"/>
+              <a:buFont typeface="Arial" panose="020B0604020202020204"/>
+              <a:buNone/>
+            </a:pPr>
+            <a:endParaRPr lang="en-US" sz="8000">
+              <a:latin typeface="Times New Roman" panose="02020603050405020304"/>
+              <a:ea typeface="Times New Roman" panose="02020603050405020304"/>
+              <a:cs typeface="Times New Roman" panose="02020603050405020304"/>
+              <a:sym typeface="Times New Roman" panose="02020603050405020304"/>
+            </a:endParaRPr>
+          </a:p>
+          <a:p>
+            <a:pPr marL="0" lvl="0" indent="0" algn="l" rtl="0">
+              <a:lnSpc>
+                <a:spcPct val="105000"/>
+              </a:lnSpc>
+              <a:spcBef>
+                <a:spcPts val="1200"/>
+              </a:spcBef>
+              <a:spcAft>
+                <a:spcPts val="0"/>
+              </a:spcAft>
+              <a:buClr>
+                <a:schemeClr val="dk1"/>
+              </a:buClr>
+              <a:buSzPts val="560"/>
+              <a:buFont typeface="Arial" panose="020B0604020202020204"/>
+              <a:buNone/>
+            </a:pPr>
+            <a:r>
+              <a:rPr lang="en-US" sz="9600" b="1">
+                <a:latin typeface="Times New Roman" panose="02020603050405020304"/>
+                <a:ea typeface="Times New Roman" panose="02020603050405020304"/>
+                <a:cs typeface="Times New Roman" panose="02020603050405020304"/>
+                <a:sym typeface="Times New Roman" panose="02020603050405020304"/>
+              </a:rPr>
+              <a:t>Intersection of Technology and Mental Health Awareness</a:t>
+            </a:r>
+            <a:endParaRPr lang="en-US" sz="9600" b="1">
+              <a:latin typeface="Times New Roman" panose="02020603050405020304"/>
+              <a:ea typeface="Times New Roman" panose="02020603050405020304"/>
+              <a:cs typeface="Times New Roman" panose="02020603050405020304"/>
+              <a:sym typeface="Times New Roman" panose="02020603050405020304"/>
+            </a:endParaRPr>
+          </a:p>
+          <a:p>
+            <a:pPr marL="0" lvl="0" indent="0" algn="l" rtl="0">
+              <a:lnSpc>
+                <a:spcPct val="105000"/>
+              </a:lnSpc>
+              <a:spcBef>
+                <a:spcPts val="1200"/>
+              </a:spcBef>
+              <a:spcAft>
+                <a:spcPts val="0"/>
+              </a:spcAft>
+              <a:buClr>
+                <a:schemeClr val="dk1"/>
+              </a:buClr>
+              <a:buSzPts val="560"/>
+              <a:buFont typeface="Arial" panose="020B0604020202020204"/>
+              <a:buNone/>
+            </a:pPr>
+            <a:r>
+              <a:rPr lang="en-US" sz="8000">
+                <a:latin typeface="Times New Roman" panose="02020603050405020304"/>
+                <a:ea typeface="Times New Roman" panose="02020603050405020304"/>
+                <a:cs typeface="Times New Roman" panose="02020603050405020304"/>
+                <a:sym typeface="Times New Roman" panose="02020603050405020304"/>
+              </a:rPr>
+              <a:t>Address the evolving role of technology in enhancing mental health awareness. The project acknowledges the critical intersection of technology and mental health, emphasizing the potential for technology to contribute to a deeper understanding of stress factors and mental well-being.</a:t>
+            </a:r>
+            <a:endParaRPr lang="en-US" sz="8000">
+              <a:latin typeface="Times New Roman" panose="02020603050405020304"/>
+              <a:ea typeface="Times New Roman" panose="02020603050405020304"/>
+              <a:cs typeface="Times New Roman" panose="02020603050405020304"/>
+              <a:sym typeface="Times New Roman" panose="02020603050405020304"/>
+            </a:endParaRPr>
+          </a:p>
+        </p:txBody>
+      </p:sp>
+      <p:sp>
+        <p:nvSpPr>
+          <p:cNvPr id="136" name="Google Shape;136;g24c63169c1f_0_10"/>
+          <p:cNvSpPr txBox="1"/>
+          <p:nvPr>
+            <p:ph type="sldNum" idx="12"/>
+          </p:nvPr>
+        </p:nvSpPr>
+        <p:spPr>
+          <a:xfrm>
+            <a:off x="8610600" y="6356350"/>
+            <a:ext cx="2743200" cy="365100"/>
+          </a:xfrm>
+          <a:prstGeom prst="rect">
+            <a:avLst/>
+          </a:prstGeom>
+        </p:spPr>
+        <p:txBody>
+          <a:bodyPr spcFirstLastPara="1" wrap="square" lIns="91425" tIns="45700" rIns="91425" bIns="45700" anchor="ctr" anchorCtr="0">
+            <a:noAutofit/>
+          </a:bodyPr>
+          <a:lstStyle/>
+          <a:p>
+            <a:pPr marL="0" lvl="0" indent="0" algn="r" rtl="0">
+              <a:spcBef>
+                <a:spcPts val="0"/>
+              </a:spcBef>
+              <a:spcAft>
+                <a:spcPts val="0"/>
+              </a:spcAft>
+              <a:buClr>
+                <a:srgbClr val="000000"/>
+              </a:buClr>
+              <a:buFont typeface="Arial" panose="020B0604020202020204"/>
+              <a:buNone/>
+            </a:pPr>
+            <a:fld id="{00000000-1234-1234-1234-123412341234}" type="slidenum">
+              <a:rPr lang="en-US"/>
+            </a:fld>
+            <a:endParaRPr lang="en-US"/>
+          </a:p>
+        </p:txBody>
+      </p:sp>
+    </p:spTree>
+  </p:cSld>
+  <p:clrMapOvr>
+    <a:masterClrMapping/>
+  </p:clrMapOvr>
+</p:sld>
+</file>
+
+<file path=ppt/slides/slide7.xml><?xml version="1.0" encoding="utf-8"?>
 <p:sld xmlns:a="http://schemas.openxmlformats.org/drawingml/2006/main" xmlns:r="http://schemas.openxmlformats.org/officeDocument/2006/relationships" xmlns:p="http://schemas.openxmlformats.org/presentationml/2006/main">
   <p:cSld>
     <p:spTree>
@@ -13849,13 +16200,13 @@
           <a:p>
             <a:pPr algn="ctr"/>
             <a:r>
-              <a:rPr lang="en-US">
+              <a:rPr lang="en-US" b="1">
                 <a:latin typeface="Times New Roman" panose="02020603050405020304" charset="0"/>
                 <a:cs typeface="Times New Roman" panose="02020603050405020304" charset="0"/>
               </a:rPr>
               <a:t>Methodology used</a:t>
             </a:r>
-            <a:endParaRPr lang="en-US">
+            <a:endParaRPr lang="en-US" b="1">
               <a:latin typeface="Times New Roman" panose="02020603050405020304" charset="0"/>
               <a:cs typeface="Times New Roman" panose="02020603050405020304" charset="0"/>
             </a:endParaRPr>
@@ -14162,7 +16513,7 @@
 </p:sld>
 </file>
 
-<file path=ppt/slides/slide12.xml><?xml version="1.0" encoding="utf-8"?>
+<file path=ppt/slides/slide8.xml><?xml version="1.0" encoding="utf-8"?>
 <p:sld xmlns:a="http://schemas.openxmlformats.org/drawingml/2006/main" xmlns:r="http://schemas.openxmlformats.org/officeDocument/2006/relationships" xmlns:p="http://schemas.openxmlformats.org/presentationml/2006/main">
   <p:cSld>
     <p:spTree>
@@ -14193,14 +16544,14 @@
           <a:p>
             <a:pPr algn="ctr"/>
             <a:r>
-              <a:rPr lang="en-US">
+              <a:rPr lang="en-US" b="1">
                 <a:latin typeface="Times New Roman" panose="02020603050405020304" charset="0"/>
                 <a:cs typeface="Times New Roman" panose="02020603050405020304" charset="0"/>
                 <a:sym typeface="+mn-ea"/>
               </a:rPr>
               <a:t>Methodology used</a:t>
             </a:r>
-            <a:endParaRPr lang="en-US"/>
+            <a:endParaRPr lang="en-US" b="1"/>
           </a:p>
         </p:txBody>
       </p:sp>
@@ -14424,3489 +16775,6 @@
 </p:sld>
 </file>
 
-<file path=ppt/slides/slide13.xml><?xml version="1.0" encoding="utf-8"?>
-<p:sld xmlns:a="http://schemas.openxmlformats.org/drawingml/2006/main" xmlns:r="http://schemas.openxmlformats.org/officeDocument/2006/relationships" xmlns:p="http://schemas.openxmlformats.org/presentationml/2006/main">
-  <p:cSld>
-    <p:spTree>
-      <p:nvGrpSpPr>
-        <p:cNvPr id="1" name=""/>
-        <p:cNvGrpSpPr/>
-        <p:nvPr/>
-      </p:nvGrpSpPr>
-      <p:grpSpPr/>
-      <p:sp>
-        <p:nvSpPr>
-          <p:cNvPr id="6" name="Title 5"/>
-          <p:cNvSpPr/>
-          <p:nvPr>
-            <p:ph type="title"/>
-          </p:nvPr>
-        </p:nvSpPr>
-        <p:spPr/>
-        <p:txBody>
-          <a:bodyPr/>
-          <a:p>
-            <a:pPr algn="ctr"/>
-            <a:r>
-              <a:rPr lang="en-US">
-                <a:latin typeface="Times New Roman" panose="02020603050405020304" charset="0"/>
-                <a:cs typeface="Times New Roman" panose="02020603050405020304" charset="0"/>
-              </a:rPr>
-              <a:t>Characteristics Identification</a:t>
-            </a:r>
-            <a:endParaRPr lang="en-US">
-              <a:latin typeface="Times New Roman" panose="02020603050405020304" charset="0"/>
-              <a:cs typeface="Times New Roman" panose="02020603050405020304" charset="0"/>
-            </a:endParaRPr>
-          </a:p>
-        </p:txBody>
-      </p:sp>
-      <p:sp>
-        <p:nvSpPr>
-          <p:cNvPr id="7" name="Text Placeholder 6"/>
-          <p:cNvSpPr/>
-          <p:nvPr>
-            <p:ph type="body" idx="1"/>
-          </p:nvPr>
-        </p:nvSpPr>
-        <p:spPr>
-          <a:xfrm>
-            <a:off x="838200" y="1691005"/>
-            <a:ext cx="10515600" cy="4486275"/>
-          </a:xfrm>
-        </p:spPr>
-        <p:txBody>
-          <a:bodyPr/>
-          <a:p>
-            <a:pPr marL="114300" indent="0">
-              <a:buNone/>
-            </a:pPr>
-            <a:r>
-              <a:rPr lang="en-US" b="1">
-                <a:latin typeface="Times New Roman" panose="02020603050405020304" charset="0"/>
-                <a:cs typeface="Times New Roman" panose="02020603050405020304" charset="0"/>
-              </a:rPr>
-              <a:t>Data Attributes</a:t>
-            </a:r>
-            <a:endParaRPr lang="en-US" b="1">
-              <a:latin typeface="Times New Roman" panose="02020603050405020304" charset="0"/>
-              <a:cs typeface="Times New Roman" panose="02020603050405020304" charset="0"/>
-            </a:endParaRPr>
-          </a:p>
-          <a:p>
-            <a:r>
-              <a:rPr lang="en-US" sz="1800">
-                <a:latin typeface="Times New Roman" panose="02020603050405020304" charset="0"/>
-                <a:cs typeface="Times New Roman" panose="02020603050405020304" charset="0"/>
-              </a:rPr>
-              <a:t>We have different types of data attributes collected in multiple scales like PHQ-9, GAD-7 and SAS-SV.</a:t>
-            </a:r>
-            <a:endParaRPr lang="en-US" sz="1800">
-              <a:latin typeface="Times New Roman" panose="02020603050405020304" charset="0"/>
-              <a:cs typeface="Times New Roman" panose="02020603050405020304" charset="0"/>
-            </a:endParaRPr>
-          </a:p>
-          <a:p>
-            <a:r>
-              <a:rPr lang="en-US" sz="1800" b="1">
-                <a:latin typeface="Times New Roman" panose="02020603050405020304" charset="0"/>
-                <a:cs typeface="Times New Roman" panose="02020603050405020304" charset="0"/>
-              </a:rPr>
-              <a:t>For example</a:t>
-            </a:r>
-            <a:r>
-              <a:rPr lang="en-US" sz="1800">
-                <a:latin typeface="Times New Roman" panose="02020603050405020304" charset="0"/>
-                <a:cs typeface="Times New Roman" panose="02020603050405020304" charset="0"/>
-              </a:rPr>
-              <a:t> - Demographic Attributes like name, age, gender, etc. , Different binary attributes related to these questionnaires like in PHQ-9, we have taken 9 different scores one for each question , in GAD-7 we have taken 7 scores 1 for each question.</a:t>
-            </a:r>
-            <a:endParaRPr lang="en-US" sz="1800">
-              <a:latin typeface="Times New Roman" panose="02020603050405020304" charset="0"/>
-              <a:cs typeface="Times New Roman" panose="02020603050405020304" charset="0"/>
-            </a:endParaRPr>
-          </a:p>
-          <a:p>
-            <a:r>
-              <a:rPr lang="en-US" sz="1800">
-                <a:latin typeface="Times New Roman" panose="02020603050405020304" charset="0"/>
-                <a:cs typeface="Times New Roman" panose="02020603050405020304" charset="0"/>
-              </a:rPr>
-              <a:t>If we talk about the SAS-SV we have used different demographic attributes like name, age, gender, and then attributes like Screen Time, Social Engagement,etc.</a:t>
-            </a:r>
-            <a:endParaRPr lang="en-US" sz="1800">
-              <a:latin typeface="Times New Roman" panose="02020603050405020304" charset="0"/>
-              <a:cs typeface="Times New Roman" panose="02020603050405020304" charset="0"/>
-            </a:endParaRPr>
-          </a:p>
-          <a:p>
-            <a:endParaRPr lang="en-US" sz="1800">
-              <a:latin typeface="Times New Roman" panose="02020603050405020304" charset="0"/>
-              <a:cs typeface="Times New Roman" panose="02020603050405020304" charset="0"/>
-            </a:endParaRPr>
-          </a:p>
-          <a:p>
-            <a:pPr marL="114300" indent="0">
-              <a:buNone/>
-            </a:pPr>
-            <a:r>
-              <a:rPr lang="en-US" b="1">
-                <a:latin typeface="Times New Roman" panose="02020603050405020304" charset="0"/>
-                <a:cs typeface="Times New Roman" panose="02020603050405020304" charset="0"/>
-              </a:rPr>
-              <a:t>Machine Learning Algorithms</a:t>
-            </a:r>
-            <a:endParaRPr lang="en-US" b="1">
-              <a:latin typeface="Times New Roman" panose="02020603050405020304" charset="0"/>
-              <a:cs typeface="Times New Roman" panose="02020603050405020304" charset="0"/>
-            </a:endParaRPr>
-          </a:p>
-          <a:p>
-            <a:r>
-              <a:rPr lang="en-US" sz="1800">
-                <a:latin typeface="Times New Roman" panose="02020603050405020304" charset="0"/>
-                <a:cs typeface="Times New Roman" panose="02020603050405020304" charset="0"/>
-              </a:rPr>
-              <a:t>We are using different classification algorithms like random forest classifiers (RFCs) and Support vector machines (SVMs).</a:t>
-            </a:r>
-            <a:endParaRPr lang="en-US" sz="1800">
-              <a:latin typeface="Times New Roman" panose="02020603050405020304" charset="0"/>
-              <a:cs typeface="Times New Roman" panose="02020603050405020304" charset="0"/>
-            </a:endParaRPr>
-          </a:p>
-          <a:p>
-            <a:r>
-              <a:rPr lang="en-US" sz="1800">
-                <a:latin typeface="Times New Roman" panose="02020603050405020304" charset="0"/>
-                <a:cs typeface="Times New Roman" panose="02020603050405020304" charset="0"/>
-              </a:rPr>
-              <a:t>In SVMs we have used different kernels like polynomial, gaussian and linear to find the model with best accuracy and precision.</a:t>
-            </a:r>
-            <a:endParaRPr lang="en-US" sz="1800">
-              <a:latin typeface="Times New Roman" panose="02020603050405020304" charset="0"/>
-              <a:cs typeface="Times New Roman" panose="02020603050405020304" charset="0"/>
-            </a:endParaRPr>
-          </a:p>
-        </p:txBody>
-      </p:sp>
-      <p:sp>
-        <p:nvSpPr>
-          <p:cNvPr id="5" name="Slide Number Placeholder 4"/>
-          <p:cNvSpPr>
-            <a:spLocks noGrp="1"/>
-          </p:cNvSpPr>
-          <p:nvPr>
-            <p:ph type="sldNum" idx="12"/>
-          </p:nvPr>
-        </p:nvSpPr>
-        <p:spPr/>
-        <p:txBody>
-          <a:bodyPr/>
-          <a:p>
-            <a:pPr marL="0" lvl="0" indent="0" algn="r" rtl="0">
-              <a:spcBef>
-                <a:spcPts val="0"/>
-              </a:spcBef>
-              <a:spcAft>
-                <a:spcPts val="0"/>
-              </a:spcAft>
-              <a:buNone/>
-            </a:pPr>
-            <a:fld id="{00000000-1234-1234-1234-123412341234}" type="slidenum">
-              <a:rPr lang="en-US"/>
-            </a:fld>
-            <a:endParaRPr lang="en-US"/>
-          </a:p>
-        </p:txBody>
-      </p:sp>
-    </p:spTree>
-  </p:cSld>
-  <p:clrMapOvr>
-    <a:masterClrMapping/>
-  </p:clrMapOvr>
-</p:sld>
-</file>
-
-<file path=ppt/slides/slide14.xml><?xml version="1.0" encoding="utf-8"?>
-<p:sld xmlns:a="http://schemas.openxmlformats.org/drawingml/2006/main" xmlns:r="http://schemas.openxmlformats.org/officeDocument/2006/relationships" xmlns:p="http://schemas.openxmlformats.org/presentationml/2006/main">
-  <p:cSld>
-    <p:spTree>
-      <p:nvGrpSpPr>
-        <p:cNvPr id="1" name=""/>
-        <p:cNvGrpSpPr/>
-        <p:nvPr/>
-      </p:nvGrpSpPr>
-      <p:grpSpPr/>
-      <p:sp>
-        <p:nvSpPr>
-          <p:cNvPr id="14" name="Title 13"/>
-          <p:cNvSpPr/>
-          <p:nvPr>
-            <p:ph type="title"/>
-          </p:nvPr>
-        </p:nvSpPr>
-        <p:spPr/>
-        <p:txBody>
-          <a:bodyPr/>
-          <a:p>
-            <a:pPr algn="ctr"/>
-            <a:r>
-              <a:rPr lang="en-US">
-                <a:latin typeface="Times New Roman" panose="02020603050405020304" charset="0"/>
-                <a:cs typeface="Times New Roman" panose="02020603050405020304" charset="0"/>
-                <a:sym typeface="+mn-ea"/>
-              </a:rPr>
-              <a:t>Characteristics Identification</a:t>
-            </a:r>
-            <a:endParaRPr lang="en-US"/>
-          </a:p>
-        </p:txBody>
-      </p:sp>
-      <p:sp>
-        <p:nvSpPr>
-          <p:cNvPr id="5" name="Slide Number Placeholder 4"/>
-          <p:cNvSpPr>
-            <a:spLocks noGrp="1"/>
-          </p:cNvSpPr>
-          <p:nvPr>
-            <p:ph type="sldNum" idx="12"/>
-          </p:nvPr>
-        </p:nvSpPr>
-        <p:spPr/>
-        <p:txBody>
-          <a:bodyPr/>
-          <a:p>
-            <a:pPr marL="0" lvl="0" indent="0" algn="r" rtl="0">
-              <a:spcBef>
-                <a:spcPts val="0"/>
-              </a:spcBef>
-              <a:spcAft>
-                <a:spcPts val="0"/>
-              </a:spcAft>
-              <a:buNone/>
-            </a:pPr>
-            <a:fld id="{00000000-1234-1234-1234-123412341234}" type="slidenum">
-              <a:rPr lang="en-US"/>
-            </a:fld>
-            <a:endParaRPr lang="en-US"/>
-          </a:p>
-        </p:txBody>
-      </p:sp>
-      <p:pic>
-        <p:nvPicPr>
-          <p:cNvPr id="11" name="Picture Placeholder 10" descr="Screenshot (95)"/>
-          <p:cNvPicPr>
-            <a:picLocks noChangeAspect="1"/>
-          </p:cNvPicPr>
-          <p:nvPr>
-            <p:ph type="pic" idx="4294967295"/>
-          </p:nvPr>
-        </p:nvPicPr>
-        <p:blipFill>
-          <a:blip r:embed="rId1"/>
-          <a:stretch>
-            <a:fillRect/>
-          </a:stretch>
-        </p:blipFill>
-        <p:spPr>
-          <a:xfrm>
-            <a:off x="1748155" y="1833880"/>
-            <a:ext cx="8695690" cy="4342765"/>
-          </a:xfrm>
-          <a:prstGeom prst="rect">
-            <a:avLst/>
-          </a:prstGeom>
-        </p:spPr>
-      </p:pic>
-    </p:spTree>
-  </p:cSld>
-  <p:clrMapOvr>
-    <a:masterClrMapping/>
-  </p:clrMapOvr>
-</p:sld>
-</file>
-
-<file path=ppt/slides/slide15.xml><?xml version="1.0" encoding="utf-8"?>
-<p:sld xmlns:a="http://schemas.openxmlformats.org/drawingml/2006/main" xmlns:r="http://schemas.openxmlformats.org/officeDocument/2006/relationships" xmlns:p="http://schemas.openxmlformats.org/presentationml/2006/main">
-  <p:cSld>
-    <p:spTree>
-      <p:nvGrpSpPr>
-        <p:cNvPr id="1" name=""/>
-        <p:cNvGrpSpPr/>
-        <p:nvPr/>
-      </p:nvGrpSpPr>
-      <p:grpSpPr/>
-      <p:sp>
-        <p:nvSpPr>
-          <p:cNvPr id="6" name="Title 5"/>
-          <p:cNvSpPr/>
-          <p:nvPr>
-            <p:ph type="title"/>
-          </p:nvPr>
-        </p:nvSpPr>
-        <p:spPr/>
-        <p:txBody>
-          <a:bodyPr/>
-          <a:p>
-            <a:pPr algn="ctr"/>
-            <a:r>
-              <a:rPr lang="en-US">
-                <a:latin typeface="Times New Roman" panose="02020603050405020304" charset="0"/>
-                <a:cs typeface="Times New Roman" panose="02020603050405020304" charset="0"/>
-                <a:sym typeface="+mn-ea"/>
-              </a:rPr>
-              <a:t>Characteristics Identification</a:t>
-            </a:r>
-            <a:endParaRPr lang="en-US"/>
-          </a:p>
-        </p:txBody>
-      </p:sp>
-      <p:sp>
-        <p:nvSpPr>
-          <p:cNvPr id="7" name="Text Placeholder 6"/>
-          <p:cNvSpPr/>
-          <p:nvPr>
-            <p:ph type="body" idx="1"/>
-          </p:nvPr>
-        </p:nvSpPr>
-        <p:spPr>
-          <a:xfrm>
-            <a:off x="838200" y="1691640"/>
-            <a:ext cx="10515600" cy="4485640"/>
-          </a:xfrm>
-        </p:spPr>
-        <p:txBody>
-          <a:bodyPr/>
-          <a:p>
-            <a:pPr marL="114300" indent="0">
-              <a:buNone/>
-            </a:pPr>
-            <a:r>
-              <a:rPr lang="en-US" b="1">
-                <a:latin typeface="Times New Roman" panose="02020603050405020304" charset="0"/>
-                <a:cs typeface="Times New Roman" panose="02020603050405020304" charset="0"/>
-              </a:rPr>
-              <a:t>Evaluation Metrices</a:t>
-            </a:r>
-            <a:endParaRPr lang="en-US" b="1">
-              <a:latin typeface="Times New Roman" panose="02020603050405020304" charset="0"/>
-              <a:cs typeface="Times New Roman" panose="02020603050405020304" charset="0"/>
-            </a:endParaRPr>
-          </a:p>
-          <a:p>
-            <a:r>
-              <a:rPr lang="en-US" sz="1800">
-                <a:latin typeface="Times New Roman" panose="02020603050405020304" charset="0"/>
-                <a:cs typeface="Times New Roman" panose="02020603050405020304" charset="0"/>
-              </a:rPr>
-              <a:t>We have used model classification report for defining the evaluation metrices of each model used.</a:t>
-            </a:r>
-            <a:endParaRPr lang="en-US" sz="1800">
-              <a:latin typeface="Times New Roman" panose="02020603050405020304" charset="0"/>
-              <a:cs typeface="Times New Roman" panose="02020603050405020304" charset="0"/>
-            </a:endParaRPr>
-          </a:p>
-          <a:p>
-            <a:r>
-              <a:rPr lang="en-US" sz="1800">
-                <a:latin typeface="Times New Roman" panose="02020603050405020304" charset="0"/>
-                <a:cs typeface="Times New Roman" panose="02020603050405020304" charset="0"/>
-              </a:rPr>
-              <a:t>Different matrices included in this classification report are accuracy, precision, recall, etc..</a:t>
-            </a:r>
-            <a:endParaRPr lang="en-US" sz="1800">
-              <a:latin typeface="Times New Roman" panose="02020603050405020304" charset="0"/>
-              <a:cs typeface="Times New Roman" panose="02020603050405020304" charset="0"/>
-            </a:endParaRPr>
-          </a:p>
-          <a:p>
-            <a:endParaRPr lang="en-US" sz="1800">
-              <a:latin typeface="Times New Roman" panose="02020603050405020304" charset="0"/>
-              <a:cs typeface="Times New Roman" panose="02020603050405020304" charset="0"/>
-            </a:endParaRPr>
-          </a:p>
-        </p:txBody>
-      </p:sp>
-      <p:sp>
-        <p:nvSpPr>
-          <p:cNvPr id="5" name="Slide Number Placeholder 4"/>
-          <p:cNvSpPr>
-            <a:spLocks noGrp="1"/>
-          </p:cNvSpPr>
-          <p:nvPr>
-            <p:ph type="sldNum" idx="12"/>
-          </p:nvPr>
-        </p:nvSpPr>
-        <p:spPr/>
-        <p:txBody>
-          <a:bodyPr/>
-          <a:p>
-            <a:pPr marL="0" lvl="0" indent="0" algn="r" rtl="0">
-              <a:spcBef>
-                <a:spcPts val="0"/>
-              </a:spcBef>
-              <a:spcAft>
-                <a:spcPts val="0"/>
-              </a:spcAft>
-              <a:buNone/>
-            </a:pPr>
-            <a:fld id="{00000000-1234-1234-1234-123412341234}" type="slidenum">
-              <a:rPr lang="en-US"/>
-            </a:fld>
-            <a:endParaRPr lang="en-US"/>
-          </a:p>
-        </p:txBody>
-      </p:sp>
-      <p:pic>
-        <p:nvPicPr>
-          <p:cNvPr id="8" name="Picture Placeholder 7" descr="Screenshot (94)"/>
-          <p:cNvPicPr>
-            <a:picLocks noChangeAspect="1"/>
-          </p:cNvPicPr>
-          <p:nvPr>
-            <p:ph type="pic" idx="4294967295"/>
-          </p:nvPr>
-        </p:nvPicPr>
-        <p:blipFill>
-          <a:blip r:embed="rId1"/>
-          <a:stretch>
-            <a:fillRect/>
-          </a:stretch>
-        </p:blipFill>
-        <p:spPr>
-          <a:xfrm>
-            <a:off x="1136015" y="3429000"/>
-            <a:ext cx="8385175" cy="2763520"/>
-          </a:xfrm>
-          <a:prstGeom prst="rect">
-            <a:avLst/>
-          </a:prstGeom>
-        </p:spPr>
-      </p:pic>
-    </p:spTree>
-  </p:cSld>
-  <p:clrMapOvr>
-    <a:masterClrMapping/>
-  </p:clrMapOvr>
-</p:sld>
-</file>
-
-<file path=ppt/slides/slide16.xml><?xml version="1.0" encoding="utf-8"?>
-<p:sld xmlns:a="http://schemas.openxmlformats.org/drawingml/2006/main" xmlns:r="http://schemas.openxmlformats.org/officeDocument/2006/relationships" xmlns:p="http://schemas.openxmlformats.org/presentationml/2006/main">
-  <p:cSld>
-    <p:spTree>
-      <p:nvGrpSpPr>
-        <p:cNvPr id="1" name=""/>
-        <p:cNvGrpSpPr/>
-        <p:nvPr/>
-      </p:nvGrpSpPr>
-      <p:grpSpPr/>
-      <p:sp>
-        <p:nvSpPr>
-          <p:cNvPr id="6" name="Title 5"/>
-          <p:cNvSpPr/>
-          <p:nvPr>
-            <p:ph type="title"/>
-          </p:nvPr>
-        </p:nvSpPr>
-        <p:spPr>
-          <a:xfrm>
-            <a:off x="838200" y="365125"/>
-            <a:ext cx="10515600" cy="837565"/>
-          </a:xfrm>
-        </p:spPr>
-        <p:txBody>
-          <a:bodyPr/>
-          <a:p>
-            <a:pPr algn="ctr"/>
-            <a:r>
-              <a:rPr lang="en-US">
-                <a:latin typeface="Times New Roman" panose="02020603050405020304" charset="0"/>
-                <a:cs typeface="Times New Roman" panose="02020603050405020304" charset="0"/>
-              </a:rPr>
-              <a:t>Features Analysis</a:t>
-            </a:r>
-            <a:endParaRPr lang="en-US">
-              <a:latin typeface="Times New Roman" panose="02020603050405020304" charset="0"/>
-              <a:cs typeface="Times New Roman" panose="02020603050405020304" charset="0"/>
-            </a:endParaRPr>
-          </a:p>
-        </p:txBody>
-      </p:sp>
-      <p:sp>
-        <p:nvSpPr>
-          <p:cNvPr id="7" name="Text Placeholder 6"/>
-          <p:cNvSpPr/>
-          <p:nvPr>
-            <p:ph type="body" idx="1"/>
-          </p:nvPr>
-        </p:nvSpPr>
-        <p:spPr>
-          <a:xfrm>
-            <a:off x="838200" y="1358900"/>
-            <a:ext cx="10515600" cy="4818380"/>
-          </a:xfrm>
-        </p:spPr>
-        <p:txBody>
-          <a:bodyPr>
-            <a:normAutofit/>
-          </a:bodyPr>
-          <a:p>
-            <a:pPr marL="114300" indent="0">
-              <a:buNone/>
-            </a:pPr>
-            <a:r>
-              <a:rPr lang="en-US" b="1">
-                <a:latin typeface="Times New Roman" panose="02020603050405020304" charset="0"/>
-                <a:cs typeface="Times New Roman" panose="02020603050405020304" charset="0"/>
-              </a:rPr>
-              <a:t>Phone Usage Metrics</a:t>
-            </a:r>
-            <a:endParaRPr lang="en-US" b="1">
-              <a:latin typeface="Times New Roman" panose="02020603050405020304" charset="0"/>
-              <a:cs typeface="Times New Roman" panose="02020603050405020304" charset="0"/>
-            </a:endParaRPr>
-          </a:p>
-          <a:p>
-            <a:r>
-              <a:rPr lang="en-US" sz="1800" b="1">
-                <a:latin typeface="Times New Roman" panose="02020603050405020304" charset="0"/>
-                <a:cs typeface="Times New Roman" panose="02020603050405020304" charset="0"/>
-              </a:rPr>
-              <a:t>Screen Time:</a:t>
-            </a:r>
-            <a:r>
-              <a:rPr lang="en-US" sz="1800">
-                <a:latin typeface="Times New Roman" panose="02020603050405020304" charset="0"/>
-                <a:cs typeface="Times New Roman" panose="02020603050405020304" charset="0"/>
-              </a:rPr>
-              <a:t> We are analyzing the screen times of users as they tell us about the phone usage habits of a user which are the main focus of our project.</a:t>
-            </a:r>
-            <a:endParaRPr lang="en-US" sz="1800">
-              <a:latin typeface="Times New Roman" panose="02020603050405020304" charset="0"/>
-              <a:cs typeface="Times New Roman" panose="02020603050405020304" charset="0"/>
-            </a:endParaRPr>
-          </a:p>
-          <a:p>
-            <a:r>
-              <a:rPr lang="en-US" sz="1800" b="1">
-                <a:latin typeface="Times New Roman" panose="02020603050405020304" charset="0"/>
-                <a:cs typeface="Times New Roman" panose="02020603050405020304" charset="0"/>
-              </a:rPr>
-              <a:t>App Categories:</a:t>
-            </a:r>
-            <a:r>
-              <a:rPr lang="en-US" sz="1800">
-                <a:latin typeface="Times New Roman" panose="02020603050405020304" charset="0"/>
-                <a:cs typeface="Times New Roman" panose="02020603050405020304" charset="0"/>
-              </a:rPr>
-              <a:t> We will analyze the different categories of apps used by user to indicate the bad usage which can be avoided to improve their mental health. </a:t>
-            </a:r>
-            <a:endParaRPr lang="en-US" sz="1800">
-              <a:latin typeface="Times New Roman" panose="02020603050405020304" charset="0"/>
-              <a:cs typeface="Times New Roman" panose="02020603050405020304" charset="0"/>
-            </a:endParaRPr>
-          </a:p>
-          <a:p>
-            <a:pPr marL="114300" indent="0">
-              <a:buNone/>
-            </a:pPr>
-            <a:endParaRPr lang="en-US" sz="2100">
-              <a:latin typeface="Times New Roman" panose="02020603050405020304" charset="0"/>
-              <a:cs typeface="Times New Roman" panose="02020603050405020304" charset="0"/>
-            </a:endParaRPr>
-          </a:p>
-          <a:p>
-            <a:pPr marL="114300" indent="0">
-              <a:buNone/>
-            </a:pPr>
-            <a:r>
-              <a:rPr lang="en-US" b="1">
-                <a:latin typeface="Times New Roman" panose="02020603050405020304" charset="0"/>
-                <a:cs typeface="Times New Roman" panose="02020603050405020304" charset="0"/>
-              </a:rPr>
-              <a:t>User-Provided Information</a:t>
-            </a:r>
-            <a:endParaRPr lang="en-US" b="1">
-              <a:latin typeface="Times New Roman" panose="02020603050405020304" charset="0"/>
-              <a:cs typeface="Times New Roman" panose="02020603050405020304" charset="0"/>
-            </a:endParaRPr>
-          </a:p>
-          <a:p>
-            <a:r>
-              <a:rPr lang="en-US" sz="1800" b="1">
-                <a:latin typeface="Times New Roman" panose="02020603050405020304" charset="0"/>
-                <a:cs typeface="Times New Roman" panose="02020603050405020304" charset="0"/>
-              </a:rPr>
-              <a:t>Field of Study</a:t>
-            </a:r>
-            <a:r>
-              <a:rPr lang="en-US" sz="1800">
-                <a:latin typeface="Times New Roman" panose="02020603050405020304" charset="0"/>
-                <a:cs typeface="Times New Roman" panose="02020603050405020304" charset="0"/>
-              </a:rPr>
-              <a:t>: Field of study plays a important role as it signifies the amount of usage a user should have like in marketing and computer science the usage is itself going to be high as compared to other fields thus contributing in model building. </a:t>
-            </a:r>
-            <a:endParaRPr lang="en-US" sz="1800">
-              <a:latin typeface="Times New Roman" panose="02020603050405020304" charset="0"/>
-              <a:cs typeface="Times New Roman" panose="02020603050405020304" charset="0"/>
-            </a:endParaRPr>
-          </a:p>
-          <a:p>
-            <a:r>
-              <a:rPr lang="en-US" sz="1800" b="1">
-                <a:latin typeface="Times New Roman" panose="02020603050405020304" charset="0"/>
-                <a:cs typeface="Times New Roman" panose="02020603050405020304" charset="0"/>
-              </a:rPr>
-              <a:t>Sleep Duration:</a:t>
-            </a:r>
-            <a:r>
-              <a:rPr lang="en-US" sz="1800">
-                <a:latin typeface="Times New Roman" panose="02020603050405020304" charset="0"/>
-                <a:cs typeface="Times New Roman" panose="02020603050405020304" charset="0"/>
-              </a:rPr>
-              <a:t> Sleep duration plays a significant role in deciding different effects on mental health of a user. Less sleep duration for continous days can have a bad impact on our mental health increasing stress, anxiety and depression levels. </a:t>
-            </a:r>
-            <a:endParaRPr lang="en-US" sz="1800">
-              <a:latin typeface="Times New Roman" panose="02020603050405020304" charset="0"/>
-              <a:cs typeface="Times New Roman" panose="02020603050405020304" charset="0"/>
-            </a:endParaRPr>
-          </a:p>
-        </p:txBody>
-      </p:sp>
-      <p:sp>
-        <p:nvSpPr>
-          <p:cNvPr id="5" name="Slide Number Placeholder 4"/>
-          <p:cNvSpPr>
-            <a:spLocks noGrp="1"/>
-          </p:cNvSpPr>
-          <p:nvPr>
-            <p:ph type="sldNum" idx="12"/>
-          </p:nvPr>
-        </p:nvSpPr>
-        <p:spPr/>
-        <p:txBody>
-          <a:bodyPr/>
-          <a:p>
-            <a:pPr marL="0" lvl="0" indent="0" algn="r" rtl="0">
-              <a:spcBef>
-                <a:spcPts val="0"/>
-              </a:spcBef>
-              <a:spcAft>
-                <a:spcPts val="0"/>
-              </a:spcAft>
-              <a:buNone/>
-            </a:pPr>
-            <a:fld id="{00000000-1234-1234-1234-123412341234}" type="slidenum">
-              <a:rPr lang="en-US"/>
-            </a:fld>
-            <a:endParaRPr lang="en-US"/>
-          </a:p>
-        </p:txBody>
-      </p:sp>
-    </p:spTree>
-  </p:cSld>
-  <p:clrMapOvr>
-    <a:masterClrMapping/>
-  </p:clrMapOvr>
-</p:sld>
-</file>
-
-<file path=ppt/slides/slide17.xml><?xml version="1.0" encoding="utf-8"?>
-<p:sld xmlns:a="http://schemas.openxmlformats.org/drawingml/2006/main" xmlns:r="http://schemas.openxmlformats.org/officeDocument/2006/relationships" xmlns:p="http://schemas.openxmlformats.org/presentationml/2006/main">
-  <p:cSld>
-    <p:spTree>
-      <p:nvGrpSpPr>
-        <p:cNvPr id="1" name=""/>
-        <p:cNvGrpSpPr/>
-        <p:nvPr/>
-      </p:nvGrpSpPr>
-      <p:grpSpPr/>
-      <p:sp>
-        <p:nvSpPr>
-          <p:cNvPr id="6" name="Title 5"/>
-          <p:cNvSpPr/>
-          <p:nvPr>
-            <p:ph type="title"/>
-          </p:nvPr>
-        </p:nvSpPr>
-        <p:spPr>
-          <a:xfrm>
-            <a:off x="838200" y="365125"/>
-            <a:ext cx="10515600" cy="847725"/>
-          </a:xfrm>
-        </p:spPr>
-        <p:txBody>
-          <a:bodyPr>
-            <a:normAutofit/>
-          </a:bodyPr>
-          <a:p>
-            <a:pPr algn="ctr"/>
-            <a:r>
-              <a:rPr lang="en-US">
-                <a:latin typeface="Times New Roman" panose="02020603050405020304" charset="0"/>
-                <a:cs typeface="Times New Roman" panose="02020603050405020304" charset="0"/>
-                <a:sym typeface="+mn-ea"/>
-              </a:rPr>
-              <a:t>Features Analysis</a:t>
-            </a:r>
-            <a:endParaRPr lang="en-US"/>
-          </a:p>
-        </p:txBody>
-      </p:sp>
-      <p:sp>
-        <p:nvSpPr>
-          <p:cNvPr id="7" name="Text Placeholder 6"/>
-          <p:cNvSpPr/>
-          <p:nvPr>
-            <p:ph type="body" idx="1"/>
-          </p:nvPr>
-        </p:nvSpPr>
-        <p:spPr>
-          <a:xfrm>
-            <a:off x="838200" y="1296035"/>
-            <a:ext cx="10515600" cy="4881245"/>
-          </a:xfrm>
-        </p:spPr>
-        <p:txBody>
-          <a:bodyPr>
-            <a:normAutofit/>
-          </a:bodyPr>
-          <a:p>
-            <a:pPr marL="114300" indent="0">
-              <a:buNone/>
-            </a:pPr>
-            <a:r>
-              <a:rPr lang="en-US" b="1">
-                <a:latin typeface="Times New Roman" panose="02020603050405020304" charset="0"/>
-                <a:cs typeface="Times New Roman" panose="02020603050405020304" charset="0"/>
-              </a:rPr>
-              <a:t>Feature Engineering Insights</a:t>
-            </a:r>
-            <a:endParaRPr lang="en-US" b="1">
-              <a:latin typeface="Times New Roman" panose="02020603050405020304" charset="0"/>
-              <a:cs typeface="Times New Roman" panose="02020603050405020304" charset="0"/>
-            </a:endParaRPr>
-          </a:p>
-          <a:p>
-            <a:r>
-              <a:rPr lang="en-US" sz="1800" b="1">
-                <a:latin typeface="Times New Roman" panose="02020603050405020304" charset="0"/>
-                <a:cs typeface="Times New Roman" panose="02020603050405020304" charset="0"/>
-              </a:rPr>
-              <a:t>Expected Screen Time Usage</a:t>
-            </a:r>
-            <a:r>
-              <a:rPr lang="en-US" sz="1800">
-                <a:latin typeface="Times New Roman" panose="02020603050405020304" charset="0"/>
-                <a:cs typeface="Times New Roman" panose="02020603050405020304" charset="0"/>
-              </a:rPr>
-              <a:t>:  We have calculated a value names expected screen time usage which depends on field of study like for marketing , business and computer science fields the expected screen time is supposed to be high as compared to other fields.</a:t>
-            </a:r>
-            <a:endParaRPr lang="en-US" sz="1800">
-              <a:latin typeface="Times New Roman" panose="02020603050405020304" charset="0"/>
-              <a:cs typeface="Times New Roman" panose="02020603050405020304" charset="0"/>
-            </a:endParaRPr>
-          </a:p>
-          <a:p>
-            <a:r>
-              <a:rPr lang="en-US" sz="1800" b="1">
-                <a:latin typeface="Times New Roman" panose="02020603050405020304" charset="0"/>
-                <a:cs typeface="Times New Roman" panose="02020603050405020304" charset="0"/>
-              </a:rPr>
-              <a:t>Categorized Sleep Duration:</a:t>
-            </a:r>
-            <a:r>
-              <a:rPr lang="en-US" sz="1800">
-                <a:latin typeface="Times New Roman" panose="02020603050405020304" charset="0"/>
-                <a:cs typeface="Times New Roman" panose="02020603050405020304" charset="0"/>
-              </a:rPr>
-              <a:t> We have also categorized the sleep duration in multiple ranges like below 5 hours, 5-9 hours and above 9 hours to make it easy to apply conditional changes.</a:t>
-            </a:r>
-            <a:endParaRPr lang="en-US" sz="1800">
-              <a:latin typeface="Times New Roman" panose="02020603050405020304" charset="0"/>
-              <a:cs typeface="Times New Roman" panose="02020603050405020304" charset="0"/>
-            </a:endParaRPr>
-          </a:p>
-          <a:p>
-            <a:pPr marL="114300" indent="0">
-              <a:buNone/>
-            </a:pPr>
-            <a:endParaRPr lang="en-US" sz="1800">
-              <a:latin typeface="Times New Roman" panose="02020603050405020304" charset="0"/>
-              <a:cs typeface="Times New Roman" panose="02020603050405020304" charset="0"/>
-            </a:endParaRPr>
-          </a:p>
-          <a:p>
-            <a:pPr marL="114300" indent="0">
-              <a:buNone/>
-            </a:pPr>
-            <a:r>
-              <a:rPr lang="en-US" b="1">
-                <a:latin typeface="Times New Roman" panose="02020603050405020304" charset="0"/>
-                <a:cs typeface="Times New Roman" panose="02020603050405020304" charset="0"/>
-              </a:rPr>
-              <a:t>Visualizations &amp; Iterative Analysis</a:t>
-            </a:r>
-            <a:endParaRPr lang="en-US" sz="1800">
-              <a:latin typeface="Times New Roman" panose="02020603050405020304" charset="0"/>
-              <a:cs typeface="Times New Roman" panose="02020603050405020304" charset="0"/>
-            </a:endParaRPr>
-          </a:p>
-          <a:p>
-            <a:r>
-              <a:rPr lang="en-US" sz="1800" b="1">
-                <a:latin typeface="Times New Roman" panose="02020603050405020304" charset="0"/>
-                <a:cs typeface="Times New Roman" panose="02020603050405020304" charset="0"/>
-              </a:rPr>
-              <a:t>Correlation Heatmaps:</a:t>
-            </a:r>
-            <a:r>
-              <a:rPr lang="en-US" sz="1800">
-                <a:latin typeface="Times New Roman" panose="02020603050405020304" charset="0"/>
-                <a:cs typeface="Times New Roman" panose="02020603050405020304" charset="0"/>
-              </a:rPr>
-              <a:t> We will be using different correlation matrices and heatmaps to visualize the different features and how they are connected to each other and when these different features are combined they are more likely to act better when used in a model.</a:t>
-            </a:r>
-            <a:endParaRPr lang="en-US" sz="1800">
-              <a:latin typeface="Times New Roman" panose="02020603050405020304" charset="0"/>
-              <a:cs typeface="Times New Roman" panose="02020603050405020304" charset="0"/>
-            </a:endParaRPr>
-          </a:p>
-          <a:p>
-            <a:r>
-              <a:rPr lang="en-US" sz="1800" b="1">
-                <a:latin typeface="Times New Roman" panose="02020603050405020304" charset="0"/>
-                <a:cs typeface="Times New Roman" panose="02020603050405020304" charset="0"/>
-              </a:rPr>
-              <a:t>Continuous Refinement: </a:t>
-            </a:r>
-            <a:r>
-              <a:rPr lang="en-US" sz="1800">
-                <a:latin typeface="Times New Roman" panose="02020603050405020304" charset="0"/>
-                <a:cs typeface="Times New Roman" panose="02020603050405020304" charset="0"/>
-              </a:rPr>
-              <a:t>At last continous feedbacks from users and iterative analysis of features would make model more and more better in the future and will be applicable in different real time application.</a:t>
-            </a:r>
-            <a:endParaRPr lang="en-US" sz="1800">
-              <a:latin typeface="Times New Roman" panose="02020603050405020304" charset="0"/>
-              <a:cs typeface="Times New Roman" panose="02020603050405020304" charset="0"/>
-            </a:endParaRPr>
-          </a:p>
-        </p:txBody>
-      </p:sp>
-      <p:sp>
-        <p:nvSpPr>
-          <p:cNvPr id="5" name="Slide Number Placeholder 4"/>
-          <p:cNvSpPr>
-            <a:spLocks noGrp="1"/>
-          </p:cNvSpPr>
-          <p:nvPr>
-            <p:ph type="sldNum" idx="12"/>
-          </p:nvPr>
-        </p:nvSpPr>
-        <p:spPr/>
-        <p:txBody>
-          <a:bodyPr/>
-          <a:p>
-            <a:pPr marL="0" lvl="0" indent="0" algn="r" rtl="0">
-              <a:spcBef>
-                <a:spcPts val="0"/>
-              </a:spcBef>
-              <a:spcAft>
-                <a:spcPts val="0"/>
-              </a:spcAft>
-              <a:buNone/>
-            </a:pPr>
-            <a:fld id="{00000000-1234-1234-1234-123412341234}" type="slidenum">
-              <a:rPr lang="en-US"/>
-            </a:fld>
-            <a:endParaRPr lang="en-US"/>
-          </a:p>
-        </p:txBody>
-      </p:sp>
-    </p:spTree>
-  </p:cSld>
-  <p:clrMapOvr>
-    <a:masterClrMapping/>
-  </p:clrMapOvr>
-</p:sld>
-</file>
-
-<file path=ppt/slides/slide18.xml><?xml version="1.0" encoding="utf-8"?>
-<p:sld xmlns:a="http://schemas.openxmlformats.org/drawingml/2006/main" xmlns:r="http://schemas.openxmlformats.org/officeDocument/2006/relationships" xmlns:p="http://schemas.openxmlformats.org/presentationml/2006/main">
-  <p:cSld>
-    <p:spTree>
-      <p:nvGrpSpPr>
-        <p:cNvPr id="1" name=""/>
-        <p:cNvGrpSpPr/>
-        <p:nvPr/>
-      </p:nvGrpSpPr>
-      <p:grpSpPr/>
-      <p:sp>
-        <p:nvSpPr>
-          <p:cNvPr id="6" name="Title 5"/>
-          <p:cNvSpPr/>
-          <p:nvPr>
-            <p:ph type="title"/>
-          </p:nvPr>
-        </p:nvSpPr>
-        <p:spPr>
-          <a:xfrm>
-            <a:off x="840105" y="3102610"/>
-            <a:ext cx="3931920" cy="643255"/>
-          </a:xfrm>
-        </p:spPr>
-        <p:txBody>
-          <a:bodyPr/>
-          <a:p>
-            <a:pPr algn="ctr">
-              <a:lnSpc>
-                <a:spcPct val="100000"/>
-              </a:lnSpc>
-            </a:pPr>
-            <a:r>
-              <a:rPr lang="en-US">
-                <a:latin typeface="Times New Roman" panose="02020603050405020304" charset="0"/>
-                <a:cs typeface="Times New Roman" panose="02020603050405020304" charset="0"/>
-                <a:sym typeface="+mn-ea"/>
-              </a:rPr>
-              <a:t>Features Analysis</a:t>
-            </a:r>
-            <a:endParaRPr lang="en-US"/>
-          </a:p>
-        </p:txBody>
-      </p:sp>
-      <p:sp>
-        <p:nvSpPr>
-          <p:cNvPr id="5" name="Slide Number Placeholder 4"/>
-          <p:cNvSpPr>
-            <a:spLocks noGrp="1"/>
-          </p:cNvSpPr>
-          <p:nvPr>
-            <p:ph type="sldNum" idx="12"/>
-          </p:nvPr>
-        </p:nvSpPr>
-        <p:spPr/>
-        <p:txBody>
-          <a:bodyPr/>
-          <a:p>
-            <a:pPr marL="0" lvl="0" indent="0" algn="r" rtl="0">
-              <a:spcBef>
-                <a:spcPts val="0"/>
-              </a:spcBef>
-              <a:spcAft>
-                <a:spcPts val="0"/>
-              </a:spcAft>
-              <a:buNone/>
-            </a:pPr>
-            <a:fld id="{00000000-1234-1234-1234-123412341234}" type="slidenum">
-              <a:rPr lang="en-US"/>
-            </a:fld>
-            <a:endParaRPr lang="en-US"/>
-          </a:p>
-        </p:txBody>
-      </p:sp>
-      <p:pic>
-        <p:nvPicPr>
-          <p:cNvPr id="8" name="Picture Placeholder 7" descr="Screenshot (96)"/>
-          <p:cNvPicPr>
-            <a:picLocks noChangeAspect="1"/>
-          </p:cNvPicPr>
-          <p:nvPr>
-            <p:ph type="pic" idx="2"/>
-          </p:nvPr>
-        </p:nvPicPr>
-        <p:blipFill>
-          <a:blip r:embed="rId1"/>
-          <a:stretch>
-            <a:fillRect/>
-          </a:stretch>
-        </p:blipFill>
-        <p:spPr>
-          <a:xfrm>
-            <a:off x="4954270" y="800100"/>
-            <a:ext cx="6400165" cy="5487035"/>
-          </a:xfrm>
-          <a:prstGeom prst="rect">
-            <a:avLst/>
-          </a:prstGeom>
-        </p:spPr>
-      </p:pic>
-    </p:spTree>
-  </p:cSld>
-  <p:clrMapOvr>
-    <a:masterClrMapping/>
-  </p:clrMapOvr>
-</p:sld>
-</file>
-
-<file path=ppt/slides/slide19.xml><?xml version="1.0" encoding="utf-8"?>
-<p:sld xmlns:a="http://schemas.openxmlformats.org/drawingml/2006/main" xmlns:r="http://schemas.openxmlformats.org/officeDocument/2006/relationships" xmlns:p="http://schemas.openxmlformats.org/presentationml/2006/main">
-  <p:cSld>
-    <p:spTree>
-      <p:nvGrpSpPr>
-        <p:cNvPr id="1" name=""/>
-        <p:cNvGrpSpPr/>
-        <p:nvPr/>
-      </p:nvGrpSpPr>
-      <p:grpSpPr/>
-      <p:sp>
-        <p:nvSpPr>
-          <p:cNvPr id="7" name="Text Placeholder 6"/>
-          <p:cNvSpPr/>
-          <p:nvPr>
-            <p:ph type="body" idx="1"/>
-          </p:nvPr>
-        </p:nvSpPr>
-        <p:spPr>
-          <a:xfrm>
-            <a:off x="4031615" y="2878455"/>
-            <a:ext cx="4128770" cy="1100455"/>
-          </a:xfrm>
-        </p:spPr>
-        <p:txBody>
-          <a:bodyPr anchor="ctr" anchorCtr="0"/>
-          <a:p>
-            <a:pPr marL="114300" indent="0" algn="ctr" fontAlgn="ctr">
-              <a:lnSpc>
-                <a:spcPct val="100000"/>
-              </a:lnSpc>
-              <a:buNone/>
-            </a:pPr>
-            <a:r>
-              <a:rPr lang="en-US" sz="5000" b="1"/>
-              <a:t>THANK YOU!</a:t>
-            </a:r>
-            <a:endParaRPr lang="en-US" sz="5000" b="1"/>
-          </a:p>
-        </p:txBody>
-      </p:sp>
-      <p:sp>
-        <p:nvSpPr>
-          <p:cNvPr id="5" name="Slide Number Placeholder 4"/>
-          <p:cNvSpPr>
-            <a:spLocks noGrp="1"/>
-          </p:cNvSpPr>
-          <p:nvPr>
-            <p:ph type="sldNum" idx="12"/>
-          </p:nvPr>
-        </p:nvSpPr>
-        <p:spPr/>
-        <p:txBody>
-          <a:bodyPr/>
-          <a:p>
-            <a:pPr marL="0" lvl="0" indent="0" algn="r" rtl="0">
-              <a:spcBef>
-                <a:spcPts val="0"/>
-              </a:spcBef>
-              <a:spcAft>
-                <a:spcPts val="0"/>
-              </a:spcAft>
-              <a:buNone/>
-            </a:pPr>
-            <a:fld id="{00000000-1234-1234-1234-123412341234}" type="slidenum">
-              <a:rPr lang="en-US"/>
-            </a:fld>
-            <a:endParaRPr lang="en-US"/>
-          </a:p>
-        </p:txBody>
-      </p:sp>
-    </p:spTree>
-  </p:cSld>
-  <p:clrMapOvr>
-    <a:masterClrMapping/>
-  </p:clrMapOvr>
-</p:sld>
-</file>
-
-<file path=ppt/slides/slide2.xml><?xml version="1.0" encoding="utf-8"?>
-<p:sld xmlns:a="http://schemas.openxmlformats.org/drawingml/2006/main" xmlns:r="http://schemas.openxmlformats.org/officeDocument/2006/relationships" xmlns:p="http://schemas.openxmlformats.org/presentationml/2006/main">
-  <p:cSld>
-    <p:spTree>
-      <p:nvGrpSpPr>
-        <p:cNvPr id="110" name="Shape 110"/>
-        <p:cNvGrpSpPr/>
-        <p:nvPr/>
-      </p:nvGrpSpPr>
-      <p:grpSpPr>
-        <a:xfrm>
-          <a:off x="0" y="0"/>
-          <a:ext cx="0" cy="0"/>
-          <a:chOff x="0" y="0"/>
-          <a:chExt cx="0" cy="0"/>
-        </a:xfrm>
-      </p:grpSpPr>
-      <p:sp>
-        <p:nvSpPr>
-          <p:cNvPr id="111" name="Google Shape;111;p2"/>
-          <p:cNvSpPr txBox="1"/>
-          <p:nvPr>
-            <p:ph type="title"/>
-          </p:nvPr>
-        </p:nvSpPr>
-        <p:spPr>
-          <a:xfrm>
-            <a:off x="885676" y="365126"/>
-            <a:ext cx="10515600" cy="976206"/>
-          </a:xfrm>
-          <a:prstGeom prst="rect">
-            <a:avLst/>
-          </a:prstGeom>
-          <a:noFill/>
-          <a:ln>
-            <a:noFill/>
-          </a:ln>
-        </p:spPr>
-        <p:txBody>
-          <a:bodyPr spcFirstLastPara="1" wrap="square" lIns="91425" tIns="45700" rIns="91425" bIns="45700" anchor="ctr" anchorCtr="0">
-            <a:normAutofit/>
-          </a:bodyPr>
-          <a:lstStyle/>
-          <a:p>
-            <a:pPr marL="0" lvl="0" indent="0" algn="l" rtl="0">
-              <a:lnSpc>
-                <a:spcPct val="90000"/>
-              </a:lnSpc>
-              <a:spcBef>
-                <a:spcPts val="0"/>
-              </a:spcBef>
-              <a:spcAft>
-                <a:spcPts val="0"/>
-              </a:spcAft>
-              <a:buClr>
-                <a:schemeClr val="dk1"/>
-              </a:buClr>
-              <a:buSzPts val="4400"/>
-              <a:buFont typeface="Times New Roman" panose="02020603050405020304"/>
-              <a:buNone/>
-            </a:pPr>
-            <a:r>
-              <a:rPr lang="en-US" b="1">
-                <a:latin typeface="Times New Roman" panose="02020603050405020304"/>
-                <a:ea typeface="Times New Roman" panose="02020603050405020304"/>
-                <a:cs typeface="Times New Roman" panose="02020603050405020304"/>
-                <a:sym typeface="Times New Roman" panose="02020603050405020304"/>
-              </a:rPr>
-              <a:t>Outline</a:t>
-            </a:r>
-            <a:endParaRPr b="1">
-              <a:latin typeface="Times New Roman" panose="02020603050405020304"/>
-              <a:ea typeface="Times New Roman" panose="02020603050405020304"/>
-              <a:cs typeface="Times New Roman" panose="02020603050405020304"/>
-              <a:sym typeface="Times New Roman" panose="02020603050405020304"/>
-            </a:endParaRPr>
-          </a:p>
-        </p:txBody>
-      </p:sp>
-      <p:sp>
-        <p:nvSpPr>
-          <p:cNvPr id="112" name="Google Shape;112;p2"/>
-          <p:cNvSpPr txBox="1"/>
-          <p:nvPr>
-            <p:ph type="body" idx="1"/>
-          </p:nvPr>
-        </p:nvSpPr>
-        <p:spPr>
-          <a:xfrm>
-            <a:off x="752250" y="1588225"/>
-            <a:ext cx="10601700" cy="4952400"/>
-          </a:xfrm>
-          <a:prstGeom prst="rect">
-            <a:avLst/>
-          </a:prstGeom>
-          <a:noFill/>
-          <a:ln>
-            <a:noFill/>
-          </a:ln>
-        </p:spPr>
-        <p:txBody>
-          <a:bodyPr spcFirstLastPara="1" wrap="square" lIns="91425" tIns="45700" rIns="91425" bIns="45700" anchor="t" anchorCtr="0">
-            <a:noAutofit/>
-          </a:bodyPr>
-          <a:lstStyle/>
-          <a:p>
-            <a:pPr marL="457200" lvl="0" indent="-368300" algn="l" rtl="0">
-              <a:lnSpc>
-                <a:spcPct val="90000"/>
-              </a:lnSpc>
-              <a:spcBef>
-                <a:spcPts val="0"/>
-              </a:spcBef>
-              <a:spcAft>
-                <a:spcPts val="0"/>
-              </a:spcAft>
-              <a:buSzPts val="2200"/>
-              <a:buFont typeface="Times New Roman" panose="02020603050405020304"/>
-              <a:buChar char="•"/>
-            </a:pPr>
-            <a:r>
-              <a:rPr lang="en-US" sz="3200">
-                <a:latin typeface="Times New Roman" panose="02020603050405020304"/>
-                <a:ea typeface="Times New Roman" panose="02020603050405020304"/>
-                <a:cs typeface="Times New Roman" panose="02020603050405020304"/>
-                <a:sym typeface="Times New Roman" panose="02020603050405020304"/>
-              </a:rPr>
-              <a:t>Project Overview</a:t>
-            </a:r>
-            <a:endParaRPr sz="3200">
-              <a:latin typeface="Times New Roman" panose="02020603050405020304"/>
-              <a:ea typeface="Times New Roman" panose="02020603050405020304"/>
-              <a:cs typeface="Times New Roman" panose="02020603050405020304"/>
-              <a:sym typeface="Times New Roman" panose="02020603050405020304"/>
-            </a:endParaRPr>
-          </a:p>
-          <a:p>
-            <a:pPr marL="457200" lvl="0" indent="-368300" algn="l" rtl="0">
-              <a:lnSpc>
-                <a:spcPct val="90000"/>
-              </a:lnSpc>
-              <a:spcBef>
-                <a:spcPts val="0"/>
-              </a:spcBef>
-              <a:spcAft>
-                <a:spcPts val="0"/>
-              </a:spcAft>
-              <a:buSzPts val="2200"/>
-              <a:buFont typeface="Times New Roman" panose="02020603050405020304"/>
-              <a:buChar char="•"/>
-            </a:pPr>
-            <a:r>
-              <a:rPr lang="en-US" sz="3200">
-                <a:latin typeface="Times New Roman" panose="02020603050405020304"/>
-                <a:ea typeface="Times New Roman" panose="02020603050405020304"/>
-                <a:cs typeface="Times New Roman" panose="02020603050405020304"/>
-                <a:sym typeface="Times New Roman" panose="02020603050405020304"/>
-              </a:rPr>
-              <a:t>Project Scope &amp; Objectives</a:t>
-            </a:r>
-            <a:endParaRPr sz="3200">
-              <a:latin typeface="Times New Roman" panose="02020603050405020304"/>
-              <a:ea typeface="Times New Roman" panose="02020603050405020304"/>
-              <a:cs typeface="Times New Roman" panose="02020603050405020304"/>
-              <a:sym typeface="Times New Roman" panose="02020603050405020304"/>
-            </a:endParaRPr>
-          </a:p>
-          <a:p>
-            <a:pPr marL="457200" lvl="0" indent="-368300" algn="l" rtl="0">
-              <a:lnSpc>
-                <a:spcPct val="90000"/>
-              </a:lnSpc>
-              <a:spcBef>
-                <a:spcPts val="0"/>
-              </a:spcBef>
-              <a:spcAft>
-                <a:spcPts val="0"/>
-              </a:spcAft>
-              <a:buSzPts val="2200"/>
-              <a:buFont typeface="Times New Roman" panose="02020603050405020304"/>
-              <a:buChar char="•"/>
-            </a:pPr>
-            <a:r>
-              <a:rPr lang="en-US" sz="3200">
-                <a:latin typeface="Times New Roman" panose="02020603050405020304"/>
-                <a:ea typeface="Times New Roman" panose="02020603050405020304"/>
-                <a:cs typeface="Times New Roman" panose="02020603050405020304"/>
-                <a:sym typeface="Times New Roman" panose="02020603050405020304"/>
-              </a:rPr>
-              <a:t>Project Implementation Plan</a:t>
-            </a:r>
-            <a:endParaRPr lang="en-US" sz="3200">
-              <a:latin typeface="Times New Roman" panose="02020603050405020304"/>
-              <a:ea typeface="Times New Roman" panose="02020603050405020304"/>
-              <a:cs typeface="Times New Roman" panose="02020603050405020304"/>
-              <a:sym typeface="Times New Roman" panose="02020603050405020304"/>
-            </a:endParaRPr>
-          </a:p>
-          <a:p>
-            <a:pPr marL="457200" lvl="0" indent="-368300" algn="l" rtl="0">
-              <a:lnSpc>
-                <a:spcPct val="90000"/>
-              </a:lnSpc>
-              <a:spcBef>
-                <a:spcPts val="0"/>
-              </a:spcBef>
-              <a:spcAft>
-                <a:spcPts val="0"/>
-              </a:spcAft>
-              <a:buSzPts val="2200"/>
-              <a:buFont typeface="Times New Roman" panose="02020603050405020304"/>
-              <a:buChar char="•"/>
-            </a:pPr>
-            <a:r>
-              <a:rPr lang="en-US" sz="3200">
-                <a:latin typeface="Times New Roman" panose="02020603050405020304"/>
-                <a:ea typeface="Times New Roman" panose="02020603050405020304"/>
-                <a:cs typeface="Times New Roman" panose="02020603050405020304"/>
-                <a:sym typeface="Times New Roman" panose="02020603050405020304"/>
-              </a:rPr>
-              <a:t>Preliminary Design of Project</a:t>
-            </a:r>
-            <a:endParaRPr lang="en-US" sz="3200">
-              <a:latin typeface="Times New Roman" panose="02020603050405020304"/>
-              <a:ea typeface="Times New Roman" panose="02020603050405020304"/>
-              <a:cs typeface="Times New Roman" panose="02020603050405020304"/>
-              <a:sym typeface="Times New Roman" panose="02020603050405020304"/>
-            </a:endParaRPr>
-          </a:p>
-          <a:p>
-            <a:pPr marL="457200" lvl="0" indent="-368300" algn="l" rtl="0">
-              <a:lnSpc>
-                <a:spcPct val="90000"/>
-              </a:lnSpc>
-              <a:spcBef>
-                <a:spcPts val="0"/>
-              </a:spcBef>
-              <a:spcAft>
-                <a:spcPts val="0"/>
-              </a:spcAft>
-              <a:buSzPts val="2200"/>
-              <a:buFont typeface="Times New Roman" panose="02020603050405020304"/>
-              <a:buChar char="•"/>
-            </a:pPr>
-            <a:r>
-              <a:rPr lang="en-US" sz="3200">
-                <a:latin typeface="Times New Roman" panose="02020603050405020304"/>
-                <a:ea typeface="Times New Roman" panose="02020603050405020304"/>
-                <a:cs typeface="Times New Roman" panose="02020603050405020304"/>
-                <a:sym typeface="Times New Roman" panose="02020603050405020304"/>
-              </a:rPr>
-              <a:t>Methodology used</a:t>
-            </a:r>
-            <a:endParaRPr lang="en-US" sz="3200">
-              <a:latin typeface="Times New Roman" panose="02020603050405020304"/>
-              <a:ea typeface="Times New Roman" panose="02020603050405020304"/>
-              <a:cs typeface="Times New Roman" panose="02020603050405020304"/>
-              <a:sym typeface="Times New Roman" panose="02020603050405020304"/>
-            </a:endParaRPr>
-          </a:p>
-          <a:p>
-            <a:pPr marL="457200" lvl="0" indent="-368300" algn="l" rtl="0">
-              <a:lnSpc>
-                <a:spcPct val="90000"/>
-              </a:lnSpc>
-              <a:spcBef>
-                <a:spcPts val="0"/>
-              </a:spcBef>
-              <a:spcAft>
-                <a:spcPts val="0"/>
-              </a:spcAft>
-              <a:buSzPts val="2200"/>
-              <a:buFont typeface="Times New Roman" panose="02020603050405020304"/>
-              <a:buChar char="•"/>
-            </a:pPr>
-            <a:r>
-              <a:rPr lang="en-US" sz="3200">
-                <a:latin typeface="Times New Roman" panose="02020603050405020304"/>
-                <a:ea typeface="Times New Roman" panose="02020603050405020304"/>
-                <a:cs typeface="Times New Roman" panose="02020603050405020304"/>
-                <a:sym typeface="Times New Roman" panose="02020603050405020304"/>
-              </a:rPr>
-              <a:t>Characteristics Identification</a:t>
-            </a:r>
-            <a:endParaRPr lang="en-US" sz="3200">
-              <a:latin typeface="Times New Roman" panose="02020603050405020304"/>
-              <a:ea typeface="Times New Roman" panose="02020603050405020304"/>
-              <a:cs typeface="Times New Roman" panose="02020603050405020304"/>
-              <a:sym typeface="Times New Roman" panose="02020603050405020304"/>
-            </a:endParaRPr>
-          </a:p>
-          <a:p>
-            <a:pPr marL="457200" lvl="0" indent="-368300" algn="l" rtl="0">
-              <a:lnSpc>
-                <a:spcPct val="90000"/>
-              </a:lnSpc>
-              <a:spcBef>
-                <a:spcPts val="0"/>
-              </a:spcBef>
-              <a:spcAft>
-                <a:spcPts val="0"/>
-              </a:spcAft>
-              <a:buSzPts val="2200"/>
-              <a:buFont typeface="Times New Roman" panose="02020603050405020304"/>
-              <a:buChar char="•"/>
-            </a:pPr>
-            <a:r>
-              <a:rPr lang="en-US" sz="3200">
-                <a:latin typeface="Times New Roman" panose="02020603050405020304"/>
-                <a:ea typeface="Times New Roman" panose="02020603050405020304"/>
-                <a:cs typeface="Times New Roman" panose="02020603050405020304"/>
-                <a:sym typeface="Times New Roman" panose="02020603050405020304"/>
-              </a:rPr>
-              <a:t>Features Analysis of Project</a:t>
-            </a:r>
-            <a:endParaRPr sz="3200">
-              <a:latin typeface="Times New Roman" panose="02020603050405020304"/>
-              <a:ea typeface="Times New Roman" panose="02020603050405020304"/>
-              <a:cs typeface="Times New Roman" panose="02020603050405020304"/>
-              <a:sym typeface="Times New Roman" panose="02020603050405020304"/>
-            </a:endParaRPr>
-          </a:p>
-          <a:p>
-            <a:pPr marL="228600" lvl="0" indent="-50800" algn="l" rtl="0">
-              <a:lnSpc>
-                <a:spcPct val="90000"/>
-              </a:lnSpc>
-              <a:spcBef>
-                <a:spcPts val="1000"/>
-              </a:spcBef>
-              <a:spcAft>
-                <a:spcPts val="0"/>
-              </a:spcAft>
-              <a:buClr>
-                <a:schemeClr val="dk1"/>
-              </a:buClr>
-              <a:buSzPts val="2800"/>
-              <a:buNone/>
-            </a:pPr>
-          </a:p>
-          <a:p>
-            <a:pPr marL="228600" lvl="0" indent="-50800" algn="l" rtl="0">
-              <a:lnSpc>
-                <a:spcPct val="90000"/>
-              </a:lnSpc>
-              <a:spcBef>
-                <a:spcPts val="1000"/>
-              </a:spcBef>
-              <a:spcAft>
-                <a:spcPts val="0"/>
-              </a:spcAft>
-              <a:buClr>
-                <a:schemeClr val="dk1"/>
-              </a:buClr>
-              <a:buSzPts val="2800"/>
-              <a:buNone/>
-            </a:pPr>
-          </a:p>
-        </p:txBody>
-      </p:sp>
-      <p:sp>
-        <p:nvSpPr>
-          <p:cNvPr id="113" name="Google Shape;113;p2"/>
-          <p:cNvSpPr txBox="1"/>
-          <p:nvPr>
-            <p:ph type="sldNum" idx="12"/>
-          </p:nvPr>
-        </p:nvSpPr>
-        <p:spPr>
-          <a:xfrm>
-            <a:off x="8610600" y="6356350"/>
-            <a:ext cx="2743200" cy="365125"/>
-          </a:xfrm>
-          <a:prstGeom prst="rect">
-            <a:avLst/>
-          </a:prstGeom>
-          <a:noFill/>
-          <a:ln>
-            <a:noFill/>
-          </a:ln>
-        </p:spPr>
-        <p:txBody>
-          <a:bodyPr spcFirstLastPara="1" wrap="square" lIns="91425" tIns="45700" rIns="91425" bIns="45700" anchor="ctr" anchorCtr="0">
-            <a:noAutofit/>
-          </a:bodyPr>
-          <a:lstStyle/>
-          <a:p>
-            <a:pPr marL="0" lvl="0" indent="0" algn="r" rtl="0">
-              <a:spcBef>
-                <a:spcPts val="0"/>
-              </a:spcBef>
-              <a:spcAft>
-                <a:spcPts val="0"/>
-              </a:spcAft>
-              <a:buNone/>
-            </a:pPr>
-            <a:fld id="{00000000-1234-1234-1234-123412341234}" type="slidenum">
-              <a:rPr lang="en-US"/>
-            </a:fld>
-            <a:endParaRPr lang="en-US"/>
-          </a:p>
-        </p:txBody>
-      </p:sp>
-    </p:spTree>
-  </p:cSld>
-  <p:clrMapOvr>
-    <a:masterClrMapping/>
-  </p:clrMapOvr>
-</p:sld>
-</file>
-
-<file path=ppt/slides/slide3.xml><?xml version="1.0" encoding="utf-8"?>
-<p:sld xmlns:a="http://schemas.openxmlformats.org/drawingml/2006/main" xmlns:r="http://schemas.openxmlformats.org/officeDocument/2006/relationships" xmlns:p="http://schemas.openxmlformats.org/presentationml/2006/main">
-  <p:cSld>
-    <p:spTree>
-      <p:nvGrpSpPr>
-        <p:cNvPr id="117" name="Shape 117"/>
-        <p:cNvGrpSpPr/>
-        <p:nvPr/>
-      </p:nvGrpSpPr>
-      <p:grpSpPr>
-        <a:xfrm>
-          <a:off x="0" y="0"/>
-          <a:ext cx="0" cy="0"/>
-          <a:chOff x="0" y="0"/>
-          <a:chExt cx="0" cy="0"/>
-        </a:xfrm>
-      </p:grpSpPr>
-      <p:sp>
-        <p:nvSpPr>
-          <p:cNvPr id="118" name="Google Shape;118;p3"/>
-          <p:cNvSpPr txBox="1"/>
-          <p:nvPr>
-            <p:ph type="title"/>
-          </p:nvPr>
-        </p:nvSpPr>
-        <p:spPr>
-          <a:xfrm>
-            <a:off x="838200" y="269240"/>
-            <a:ext cx="10515600" cy="916940"/>
-          </a:xfrm>
-          <a:prstGeom prst="rect">
-            <a:avLst/>
-          </a:prstGeom>
-          <a:noFill/>
-          <a:ln>
-            <a:noFill/>
-          </a:ln>
-        </p:spPr>
-        <p:txBody>
-          <a:bodyPr spcFirstLastPara="1" wrap="square" lIns="91425" tIns="45700" rIns="91425" bIns="45700" anchor="ctr" anchorCtr="0">
-            <a:normAutofit/>
-          </a:bodyPr>
-          <a:lstStyle/>
-          <a:p>
-            <a:pPr marL="0" lvl="0" indent="0" algn="ctr" rtl="0">
-              <a:lnSpc>
-                <a:spcPct val="90000"/>
-              </a:lnSpc>
-              <a:spcBef>
-                <a:spcPts val="0"/>
-              </a:spcBef>
-              <a:spcAft>
-                <a:spcPts val="0"/>
-              </a:spcAft>
-              <a:buClr>
-                <a:schemeClr val="dk1"/>
-              </a:buClr>
-              <a:buSzPts val="4400"/>
-              <a:buFont typeface="Times New Roman" panose="02020603050405020304"/>
-              <a:buNone/>
-            </a:pPr>
-            <a:r>
-              <a:rPr lang="en-US" b="1">
-                <a:latin typeface="Times New Roman" panose="02020603050405020304"/>
-                <a:ea typeface="Times New Roman" panose="02020603050405020304"/>
-                <a:cs typeface="Times New Roman" panose="02020603050405020304"/>
-                <a:sym typeface="Times New Roman" panose="02020603050405020304"/>
-              </a:rPr>
-              <a:t>Project Overview</a:t>
-            </a:r>
-            <a:endParaRPr b="1">
-              <a:latin typeface="Times New Roman" panose="02020603050405020304"/>
-              <a:ea typeface="Times New Roman" panose="02020603050405020304"/>
-              <a:cs typeface="Times New Roman" panose="02020603050405020304"/>
-              <a:sym typeface="Times New Roman" panose="02020603050405020304"/>
-            </a:endParaRPr>
-          </a:p>
-        </p:txBody>
-      </p:sp>
-      <p:sp>
-        <p:nvSpPr>
-          <p:cNvPr id="119" name="Google Shape;119;p3"/>
-          <p:cNvSpPr txBox="1"/>
-          <p:nvPr>
-            <p:ph type="body" idx="1"/>
-          </p:nvPr>
-        </p:nvSpPr>
-        <p:spPr>
-          <a:xfrm>
-            <a:off x="838200" y="1322070"/>
-            <a:ext cx="10515600" cy="5262245"/>
-          </a:xfrm>
-          <a:prstGeom prst="rect">
-            <a:avLst/>
-          </a:prstGeom>
-          <a:noFill/>
-          <a:ln>
-            <a:noFill/>
-          </a:ln>
-        </p:spPr>
-        <p:txBody>
-          <a:bodyPr spcFirstLastPara="1" wrap="square" lIns="91425" tIns="45700" rIns="91425" bIns="45700" anchor="t" anchorCtr="0">
-            <a:noAutofit/>
-          </a:bodyPr>
-          <a:lstStyle/>
-          <a:p>
-            <a:pPr marL="0" lvl="0" indent="0" algn="just" rtl="0">
-              <a:lnSpc>
-                <a:spcPct val="115000"/>
-              </a:lnSpc>
-              <a:spcBef>
-                <a:spcPts val="1200"/>
-              </a:spcBef>
-              <a:spcAft>
-                <a:spcPts val="0"/>
-              </a:spcAft>
-              <a:buClr>
-                <a:schemeClr val="dk1"/>
-              </a:buClr>
-              <a:buSzPts val="1100"/>
-              <a:buFont typeface="Arial" panose="020B0604020202020204"/>
-              <a:buNone/>
-            </a:pPr>
-            <a:r>
-              <a:rPr lang="en-US" sz="2400">
-                <a:solidFill>
-                  <a:schemeClr val="tx1"/>
-                </a:solidFill>
-                <a:uFillTx/>
-                <a:latin typeface="Times New Roman" panose="02020603050405020304" charset="0"/>
-                <a:ea typeface="Times New Roman" panose="02020603050405020304"/>
-                <a:cs typeface="Times New Roman" panose="02020603050405020304"/>
-                <a:sym typeface="Times New Roman" panose="02020603050405020304"/>
-              </a:rPr>
-              <a:t>This project endeavors to build a</a:t>
-            </a:r>
-            <a:r>
-              <a:rPr lang="en-US" sz="2400" b="1">
-                <a:solidFill>
-                  <a:schemeClr val="tx1"/>
-                </a:solidFill>
-                <a:uFillTx/>
-                <a:latin typeface="Times New Roman" panose="02020603050405020304" charset="0"/>
-                <a:ea typeface="Times New Roman" panose="02020603050405020304"/>
-                <a:cs typeface="Times New Roman" panose="02020603050405020304"/>
-                <a:sym typeface="Times New Roman" panose="02020603050405020304"/>
-              </a:rPr>
-              <a:t> </a:t>
-            </a:r>
-            <a:r>
-              <a:rPr lang="en-US" sz="2400">
-                <a:solidFill>
-                  <a:schemeClr val="tx1"/>
-                </a:solidFill>
-                <a:uFillTx/>
-                <a:latin typeface="Times New Roman" panose="02020603050405020304" charset="0"/>
-                <a:ea typeface="Times New Roman" panose="02020603050405020304"/>
-                <a:cs typeface="Times New Roman" panose="02020603050405020304"/>
-                <a:sym typeface="Times New Roman" panose="02020603050405020304"/>
-              </a:rPr>
-              <a:t>predictive model for </a:t>
-            </a:r>
-            <a:r>
-              <a:rPr lang="en-US" sz="2400" b="1">
-                <a:solidFill>
-                  <a:schemeClr val="tx1"/>
-                </a:solidFill>
-                <a:uFillTx/>
-                <a:latin typeface="Times New Roman" panose="02020603050405020304" charset="0"/>
-                <a:ea typeface="Times New Roman" panose="02020603050405020304"/>
-                <a:cs typeface="Times New Roman" panose="02020603050405020304"/>
-                <a:sym typeface="Times New Roman" panose="02020603050405020304"/>
-              </a:rPr>
-              <a:t>mental health estimation based on phone usage</a:t>
-            </a:r>
-            <a:r>
-              <a:rPr lang="en-US" sz="2400">
-                <a:solidFill>
-                  <a:schemeClr val="tx1"/>
-                </a:solidFill>
-                <a:uFillTx/>
-                <a:latin typeface="Times New Roman" panose="02020603050405020304" charset="0"/>
-                <a:ea typeface="Times New Roman" panose="02020603050405020304"/>
-                <a:cs typeface="Times New Roman" panose="02020603050405020304"/>
-                <a:sym typeface="Times New Roman" panose="02020603050405020304"/>
-              </a:rPr>
-              <a:t> by analyzing diverse lifestyle factors, particularly stress levels. The dataset includes information from participants, considering age, gender, and occupation (Student, Corporate, Others), among other factors. Employing different </a:t>
-            </a:r>
-            <a:r>
-              <a:rPr lang="en-US" sz="2400" b="1">
-                <a:solidFill>
-                  <a:schemeClr val="tx1"/>
-                </a:solidFill>
-                <a:uFillTx/>
-                <a:latin typeface="Times New Roman" panose="02020603050405020304" charset="0"/>
-                <a:ea typeface="Times New Roman" panose="02020603050405020304"/>
-                <a:cs typeface="Times New Roman" panose="02020603050405020304"/>
-                <a:sym typeface="Times New Roman" panose="02020603050405020304"/>
-              </a:rPr>
-              <a:t>machine learning models</a:t>
-            </a:r>
-            <a:r>
-              <a:rPr lang="en-US" sz="2400">
-                <a:solidFill>
-                  <a:schemeClr val="tx1"/>
-                </a:solidFill>
-                <a:uFillTx/>
-                <a:latin typeface="Times New Roman" panose="02020603050405020304" charset="0"/>
-                <a:ea typeface="Times New Roman" panose="02020603050405020304"/>
-                <a:cs typeface="Times New Roman" panose="02020603050405020304"/>
-                <a:sym typeface="Times New Roman" panose="02020603050405020304"/>
-              </a:rPr>
-              <a:t>, the project aims to correlate these inputs with self-reported stress scale responses and physiological indicators. </a:t>
-            </a:r>
-            <a:endParaRPr lang="en-US" sz="2400">
-              <a:solidFill>
-                <a:schemeClr val="tx1"/>
-              </a:solidFill>
-              <a:uFillTx/>
-              <a:latin typeface="Times New Roman" panose="02020603050405020304" charset="0"/>
-              <a:ea typeface="Times New Roman" panose="02020603050405020304"/>
-              <a:cs typeface="Times New Roman" panose="02020603050405020304"/>
-              <a:sym typeface="Times New Roman" panose="02020603050405020304"/>
-            </a:endParaRPr>
-          </a:p>
-          <a:p>
-            <a:pPr marL="0" lvl="0" indent="0" algn="just" rtl="0">
-              <a:lnSpc>
-                <a:spcPct val="115000"/>
-              </a:lnSpc>
-              <a:spcBef>
-                <a:spcPts val="1200"/>
-              </a:spcBef>
-              <a:spcAft>
-                <a:spcPts val="0"/>
-              </a:spcAft>
-              <a:buClr>
-                <a:schemeClr val="dk1"/>
-              </a:buClr>
-              <a:buSzPts val="1100"/>
-              <a:buFont typeface="Arial" panose="020B0604020202020204"/>
-              <a:buNone/>
-            </a:pPr>
-            <a:r>
-              <a:rPr lang="en-US" sz="2400">
-                <a:solidFill>
-                  <a:schemeClr val="tx1"/>
-                </a:solidFill>
-                <a:uFillTx/>
-                <a:latin typeface="Times New Roman" panose="02020603050405020304" charset="0"/>
-                <a:ea typeface="Times New Roman" panose="02020603050405020304"/>
-                <a:cs typeface="Times New Roman" panose="02020603050405020304"/>
-                <a:sym typeface="Times New Roman" panose="02020603050405020304"/>
-              </a:rPr>
-              <a:t>Focused on </a:t>
-            </a:r>
-            <a:r>
-              <a:rPr lang="en-US" sz="2400" b="1">
-                <a:solidFill>
-                  <a:schemeClr val="tx1"/>
-                </a:solidFill>
-                <a:uFillTx/>
-                <a:latin typeface="Times New Roman" panose="02020603050405020304" charset="0"/>
-                <a:ea typeface="Times New Roman" panose="02020603050405020304"/>
-                <a:cs typeface="Times New Roman" panose="02020603050405020304"/>
-                <a:sym typeface="Times New Roman" panose="02020603050405020304"/>
-              </a:rPr>
-              <a:t>stress prediction</a:t>
-            </a:r>
-            <a:r>
-              <a:rPr lang="en-US" sz="2400">
-                <a:solidFill>
-                  <a:schemeClr val="tx1"/>
-                </a:solidFill>
-                <a:uFillTx/>
-                <a:latin typeface="Times New Roman" panose="02020603050405020304" charset="0"/>
-                <a:ea typeface="Times New Roman" panose="02020603050405020304"/>
-                <a:cs typeface="Times New Roman" panose="02020603050405020304"/>
-                <a:sym typeface="Times New Roman" panose="02020603050405020304"/>
-              </a:rPr>
-              <a:t> as a proxy for mental well-being, the project emphasizes ethical considerations, ensuring participant privacy. Real-world applications span personalized interventions in counseling, corporate wellness programs, and targeted healthcare strategies, addressing the critical intersection of mental health awareness and technology's role in stress comprehension.</a:t>
-            </a:r>
-            <a:endParaRPr lang="en-US" sz="2400">
-              <a:solidFill>
-                <a:schemeClr val="tx1"/>
-              </a:solidFill>
-              <a:uFillTx/>
-              <a:latin typeface="Times New Roman" panose="02020603050405020304" charset="0"/>
-              <a:ea typeface="Times New Roman" panose="02020603050405020304"/>
-              <a:cs typeface="Times New Roman" panose="02020603050405020304"/>
-              <a:sym typeface="Times New Roman" panose="02020603050405020304"/>
-            </a:endParaRPr>
-          </a:p>
-        </p:txBody>
-      </p:sp>
-      <p:sp>
-        <p:nvSpPr>
-          <p:cNvPr id="120" name="Google Shape;120;p3"/>
-          <p:cNvSpPr txBox="1"/>
-          <p:nvPr>
-            <p:ph type="sldNum" idx="12"/>
-          </p:nvPr>
-        </p:nvSpPr>
-        <p:spPr>
-          <a:xfrm>
-            <a:off x="8610600" y="6356350"/>
-            <a:ext cx="2743200" cy="365125"/>
-          </a:xfrm>
-          <a:prstGeom prst="rect">
-            <a:avLst/>
-          </a:prstGeom>
-          <a:noFill/>
-          <a:ln>
-            <a:noFill/>
-          </a:ln>
-        </p:spPr>
-        <p:txBody>
-          <a:bodyPr spcFirstLastPara="1" wrap="square" lIns="91425" tIns="45700" rIns="91425" bIns="45700" anchor="ctr" anchorCtr="0">
-            <a:noAutofit/>
-          </a:bodyPr>
-          <a:lstStyle/>
-          <a:p>
-            <a:pPr marL="0" lvl="0" indent="0" algn="r" rtl="0">
-              <a:spcBef>
-                <a:spcPts val="0"/>
-              </a:spcBef>
-              <a:spcAft>
-                <a:spcPts val="0"/>
-              </a:spcAft>
-              <a:buNone/>
-            </a:pPr>
-            <a:fld id="{00000000-1234-1234-1234-123412341234}" type="slidenum">
-              <a:rPr lang="en-US"/>
-            </a:fld>
-            <a:endParaRPr lang="en-US"/>
-          </a:p>
-        </p:txBody>
-      </p:sp>
-    </p:spTree>
-  </p:cSld>
-  <p:clrMapOvr>
-    <a:masterClrMapping/>
-  </p:clrMapOvr>
-</p:sld>
-</file>
-
-<file path=ppt/slides/slide4.xml><?xml version="1.0" encoding="utf-8"?>
-<p:sld xmlns:a="http://schemas.openxmlformats.org/drawingml/2006/main" xmlns:r="http://schemas.openxmlformats.org/officeDocument/2006/relationships" xmlns:p="http://schemas.openxmlformats.org/presentationml/2006/main">
-  <p:cSld>
-    <p:spTree>
-      <p:nvGrpSpPr>
-        <p:cNvPr id="1" name=""/>
-        <p:cNvGrpSpPr/>
-        <p:nvPr/>
-      </p:nvGrpSpPr>
-      <p:grpSpPr/>
-      <p:sp>
-        <p:nvSpPr>
-          <p:cNvPr id="18" name="Title 17"/>
-          <p:cNvSpPr/>
-          <p:nvPr>
-            <p:ph type="title"/>
-          </p:nvPr>
-        </p:nvSpPr>
-        <p:spPr>
-          <a:xfrm>
-            <a:off x="706120" y="2678430"/>
-            <a:ext cx="3950335" cy="1561465"/>
-          </a:xfrm>
-        </p:spPr>
-        <p:txBody>
-          <a:bodyPr/>
-          <a:p>
-            <a:pPr algn="ctr"/>
-            <a:r>
-              <a:rPr lang="en-US" sz="4400">
-                <a:latin typeface="Times New Roman" panose="02020603050405020304" charset="0"/>
-                <a:cs typeface="Times New Roman" panose="02020603050405020304" charset="0"/>
-              </a:rPr>
-              <a:t>Project </a:t>
-            </a:r>
-            <a:br>
-              <a:rPr lang="en-US" sz="4400">
-                <a:latin typeface="Times New Roman" panose="02020603050405020304" charset="0"/>
-                <a:cs typeface="Times New Roman" panose="02020603050405020304" charset="0"/>
-              </a:rPr>
-            </a:br>
-            <a:r>
-              <a:rPr lang="en-US" sz="4400">
-                <a:latin typeface="Times New Roman" panose="02020603050405020304" charset="0"/>
-                <a:cs typeface="Times New Roman" panose="02020603050405020304" charset="0"/>
-              </a:rPr>
-              <a:t>Timelines </a:t>
-            </a:r>
-            <a:endParaRPr lang="en-US" sz="4400">
-              <a:latin typeface="Times New Roman" panose="02020603050405020304" charset="0"/>
-              <a:cs typeface="Times New Roman" panose="02020603050405020304" charset="0"/>
-            </a:endParaRPr>
-          </a:p>
-        </p:txBody>
-      </p:sp>
-      <p:sp>
-        <p:nvSpPr>
-          <p:cNvPr id="19" name="Text Placeholder 18"/>
-          <p:cNvSpPr/>
-          <p:nvPr>
-            <p:ph type="body" idx="1"/>
-          </p:nvPr>
-        </p:nvSpPr>
-        <p:spPr/>
-        <p:txBody>
-          <a:bodyPr/>
-          <a:p>
-            <a:endParaRPr lang="en-US"/>
-          </a:p>
-        </p:txBody>
-      </p:sp>
-      <p:sp>
-        <p:nvSpPr>
-          <p:cNvPr id="5" name="Slide Number Placeholder 4"/>
-          <p:cNvSpPr>
-            <a:spLocks noGrp="1"/>
-          </p:cNvSpPr>
-          <p:nvPr>
-            <p:ph type="sldNum" idx="12"/>
-          </p:nvPr>
-        </p:nvSpPr>
-        <p:spPr/>
-        <p:txBody>
-          <a:bodyPr/>
-          <a:p>
-            <a:pPr marL="0" lvl="0" indent="0" algn="r" rtl="0">
-              <a:spcBef>
-                <a:spcPts val="0"/>
-              </a:spcBef>
-              <a:spcAft>
-                <a:spcPts val="0"/>
-              </a:spcAft>
-              <a:buNone/>
-            </a:pPr>
-            <a:fld id="{00000000-1234-1234-1234-123412341234}" type="slidenum">
-              <a:rPr lang="en-US"/>
-            </a:fld>
-            <a:endParaRPr lang="en-US"/>
-          </a:p>
-        </p:txBody>
-      </p:sp>
-      <p:pic>
-        <p:nvPicPr>
-          <p:cNvPr id="11" name="Picture Placeholder 10" descr="Screenshot (82)"/>
-          <p:cNvPicPr>
-            <a:picLocks noChangeAspect="1"/>
-          </p:cNvPicPr>
-          <p:nvPr>
-            <p:ph type="pic" idx="4294967295"/>
-          </p:nvPr>
-        </p:nvPicPr>
-        <p:blipFill>
-          <a:blip r:embed="rId1"/>
-          <a:stretch>
-            <a:fillRect/>
-          </a:stretch>
-        </p:blipFill>
-        <p:spPr>
-          <a:xfrm>
-            <a:off x="4656455" y="267335"/>
-            <a:ext cx="6967855" cy="6383655"/>
-          </a:xfrm>
-          <a:prstGeom prst="rect">
-            <a:avLst/>
-          </a:prstGeom>
-        </p:spPr>
-      </p:pic>
-    </p:spTree>
-  </p:cSld>
-  <p:clrMapOvr>
-    <a:masterClrMapping/>
-  </p:clrMapOvr>
-</p:sld>
-</file>
-
-<file path=ppt/slides/slide5.xml><?xml version="1.0" encoding="utf-8"?>
-<p:sld xmlns:a="http://schemas.openxmlformats.org/drawingml/2006/main" xmlns:r="http://schemas.openxmlformats.org/officeDocument/2006/relationships" xmlns:p="http://schemas.openxmlformats.org/presentationml/2006/main">
-  <p:cSld>
-    <p:spTree>
-      <p:nvGrpSpPr>
-        <p:cNvPr id="125" name="Shape 125"/>
-        <p:cNvGrpSpPr/>
-        <p:nvPr/>
-      </p:nvGrpSpPr>
-      <p:grpSpPr>
-        <a:xfrm>
-          <a:off x="0" y="0"/>
-          <a:ext cx="0" cy="0"/>
-          <a:chOff x="0" y="0"/>
-          <a:chExt cx="0" cy="0"/>
-        </a:xfrm>
-      </p:grpSpPr>
-      <p:sp>
-        <p:nvSpPr>
-          <p:cNvPr id="126" name="Google Shape;126;g24c63169c1f_0_0"/>
-          <p:cNvSpPr txBox="1"/>
-          <p:nvPr>
-            <p:ph type="title"/>
-          </p:nvPr>
-        </p:nvSpPr>
-        <p:spPr>
-          <a:xfrm>
-            <a:off x="838200" y="207010"/>
-            <a:ext cx="10515600" cy="938530"/>
-          </a:xfrm>
-          <a:prstGeom prst="rect">
-            <a:avLst/>
-          </a:prstGeom>
-        </p:spPr>
-        <p:txBody>
-          <a:bodyPr spcFirstLastPara="1" wrap="square" lIns="91425" tIns="45700" rIns="91425" bIns="45700" anchor="ctr" anchorCtr="0">
-            <a:noAutofit/>
-          </a:bodyPr>
-          <a:lstStyle/>
-          <a:p>
-            <a:pPr marL="0" lvl="0" indent="0" algn="ctr" rtl="0">
-              <a:lnSpc>
-                <a:spcPct val="105000"/>
-              </a:lnSpc>
-              <a:spcBef>
-                <a:spcPts val="2400"/>
-              </a:spcBef>
-              <a:spcAft>
-                <a:spcPts val="600"/>
-              </a:spcAft>
-              <a:buNone/>
-            </a:pPr>
-            <a:r>
-              <a:rPr lang="en-US" b="1">
-                <a:latin typeface="Times New Roman" panose="02020603050405020304"/>
-                <a:ea typeface="Times New Roman" panose="02020603050405020304"/>
-                <a:cs typeface="Times New Roman" panose="02020603050405020304"/>
-                <a:sym typeface="Times New Roman" panose="02020603050405020304"/>
-              </a:rPr>
-              <a:t>Project Scope &amp; Objectives</a:t>
-            </a:r>
-            <a:endParaRPr lang="en-US" b="1">
-              <a:latin typeface="Times New Roman" panose="02020603050405020304"/>
-              <a:ea typeface="Times New Roman" panose="02020603050405020304"/>
-              <a:cs typeface="Times New Roman" panose="02020603050405020304"/>
-              <a:sym typeface="Times New Roman" panose="02020603050405020304"/>
-            </a:endParaRPr>
-          </a:p>
-        </p:txBody>
-      </p:sp>
-      <p:sp>
-        <p:nvSpPr>
-          <p:cNvPr id="127" name="Google Shape;127;g24c63169c1f_0_0"/>
-          <p:cNvSpPr txBox="1"/>
-          <p:nvPr>
-            <p:ph type="body" idx="1"/>
-          </p:nvPr>
-        </p:nvSpPr>
-        <p:spPr>
-          <a:xfrm>
-            <a:off x="838200" y="1332230"/>
-            <a:ext cx="10515600" cy="5248910"/>
-          </a:xfrm>
-          <a:prstGeom prst="rect">
-            <a:avLst/>
-          </a:prstGeom>
-        </p:spPr>
-        <p:txBody>
-          <a:bodyPr spcFirstLastPara="1" wrap="square" lIns="91425" tIns="45700" rIns="91425" bIns="45700" anchor="t" anchorCtr="0">
-            <a:noAutofit/>
-          </a:bodyPr>
-          <a:lstStyle/>
-          <a:p>
-            <a:pPr marL="0" lvl="0" indent="0" algn="just" rtl="0">
-              <a:lnSpc>
-                <a:spcPct val="105000"/>
-              </a:lnSpc>
-              <a:spcBef>
-                <a:spcPts val="1200"/>
-              </a:spcBef>
-              <a:spcAft>
-                <a:spcPts val="0"/>
-              </a:spcAft>
-              <a:buClr>
-                <a:schemeClr val="dk1"/>
-              </a:buClr>
-              <a:buSzPts val="605"/>
-              <a:buFont typeface="Arial" panose="020B0604020202020204"/>
-              <a:buNone/>
-            </a:pPr>
-            <a:r>
-              <a:rPr lang="en-US" sz="2400" b="1">
-                <a:latin typeface="Times New Roman" panose="02020603050405020304"/>
-                <a:ea typeface="Times New Roman" panose="02020603050405020304"/>
-                <a:cs typeface="Times New Roman" panose="02020603050405020304"/>
-                <a:sym typeface="Times New Roman" panose="02020603050405020304"/>
-              </a:rPr>
-              <a:t>Comprehensive Data Collection</a:t>
-            </a:r>
-            <a:endParaRPr lang="en-US" sz="2400" b="1">
-              <a:latin typeface="Times New Roman" panose="02020603050405020304"/>
-              <a:ea typeface="Times New Roman" panose="02020603050405020304"/>
-              <a:cs typeface="Times New Roman" panose="02020603050405020304"/>
-              <a:sym typeface="Times New Roman" panose="02020603050405020304"/>
-            </a:endParaRPr>
-          </a:p>
-          <a:p>
-            <a:pPr marL="0" lvl="0" indent="0" algn="just" rtl="0">
-              <a:lnSpc>
-                <a:spcPct val="105000"/>
-              </a:lnSpc>
-              <a:spcBef>
-                <a:spcPts val="1200"/>
-              </a:spcBef>
-              <a:spcAft>
-                <a:spcPts val="0"/>
-              </a:spcAft>
-              <a:buClr>
-                <a:schemeClr val="dk1"/>
-              </a:buClr>
-              <a:buSzPts val="605"/>
-              <a:buFont typeface="Arial" panose="020B0604020202020204"/>
-              <a:buNone/>
-            </a:pPr>
-            <a:r>
-              <a:rPr lang="en-US" sz="2000">
-                <a:latin typeface="Times New Roman" panose="02020603050405020304"/>
-                <a:ea typeface="Times New Roman" panose="02020603050405020304"/>
-                <a:cs typeface="Times New Roman" panose="02020603050405020304"/>
-                <a:sym typeface="Times New Roman" panose="02020603050405020304"/>
-              </a:rPr>
-              <a:t>By gathering diverse data from different datasets available and survey from participants, including age, gender, occupation, sleep patterns, physical activity, and dietary habits, the project will encompass a wide range of lifestyle factors to ensure a comprehensive dataset for mental health analysis.</a:t>
-            </a:r>
-            <a:endParaRPr lang="en-US" sz="2000">
-              <a:latin typeface="Times New Roman" panose="02020603050405020304"/>
-              <a:ea typeface="Times New Roman" panose="02020603050405020304"/>
-              <a:cs typeface="Times New Roman" panose="02020603050405020304"/>
-              <a:sym typeface="Times New Roman" panose="02020603050405020304"/>
-            </a:endParaRPr>
-          </a:p>
-          <a:p>
-            <a:pPr marL="0" lvl="0" indent="0" algn="just" rtl="0">
-              <a:lnSpc>
-                <a:spcPct val="105000"/>
-              </a:lnSpc>
-              <a:spcBef>
-                <a:spcPts val="1200"/>
-              </a:spcBef>
-              <a:spcAft>
-                <a:spcPts val="0"/>
-              </a:spcAft>
-              <a:buClr>
-                <a:schemeClr val="dk1"/>
-              </a:buClr>
-              <a:buSzPts val="605"/>
-              <a:buFont typeface="Arial" panose="020B0604020202020204"/>
-              <a:buNone/>
-            </a:pPr>
-            <a:r>
-              <a:rPr lang="en-US" sz="2400" b="1">
-                <a:latin typeface="Times New Roman" panose="02020603050405020304"/>
-                <a:ea typeface="Times New Roman" panose="02020603050405020304"/>
-                <a:cs typeface="Times New Roman" panose="02020603050405020304"/>
-                <a:sym typeface="Times New Roman" panose="02020603050405020304"/>
-              </a:rPr>
-              <a:t>Development of Predictive Model</a:t>
-            </a:r>
-            <a:endParaRPr lang="en-US" sz="2400" b="1">
-              <a:latin typeface="Times New Roman" panose="02020603050405020304"/>
-              <a:ea typeface="Times New Roman" panose="02020603050405020304"/>
-              <a:cs typeface="Times New Roman" panose="02020603050405020304"/>
-              <a:sym typeface="Times New Roman" panose="02020603050405020304"/>
-            </a:endParaRPr>
-          </a:p>
-          <a:p>
-            <a:pPr marL="0" lvl="0" indent="0" algn="just" rtl="0">
-              <a:lnSpc>
-                <a:spcPct val="105000"/>
-              </a:lnSpc>
-              <a:spcBef>
-                <a:spcPts val="1200"/>
-              </a:spcBef>
-              <a:spcAft>
-                <a:spcPts val="0"/>
-              </a:spcAft>
-              <a:buClr>
-                <a:schemeClr val="dk1"/>
-              </a:buClr>
-              <a:buSzPts val="605"/>
-              <a:buFont typeface="Arial" panose="020B0604020202020204"/>
-              <a:buNone/>
-            </a:pPr>
-            <a:r>
-              <a:rPr lang="en-US" sz="2000">
-                <a:latin typeface="Times New Roman" panose="02020603050405020304"/>
-                <a:ea typeface="Times New Roman" panose="02020603050405020304"/>
-                <a:cs typeface="Times New Roman" panose="02020603050405020304"/>
-                <a:sym typeface="Times New Roman" panose="02020603050405020304"/>
-              </a:rPr>
-              <a:t>Build a machine learning </a:t>
-            </a:r>
-            <a:r>
-              <a:rPr lang="en-US" sz="2000" b="1">
-                <a:latin typeface="Times New Roman" panose="02020603050405020304"/>
-                <a:ea typeface="Times New Roman" panose="02020603050405020304"/>
-                <a:cs typeface="Times New Roman" panose="02020603050405020304"/>
-                <a:sym typeface="Times New Roman" panose="02020603050405020304"/>
-              </a:rPr>
-              <a:t>classification model</a:t>
-            </a:r>
-            <a:r>
-              <a:rPr lang="en-US" sz="2000">
-                <a:latin typeface="Times New Roman" panose="02020603050405020304"/>
-                <a:ea typeface="Times New Roman" panose="02020603050405020304"/>
-                <a:cs typeface="Times New Roman" panose="02020603050405020304"/>
-                <a:sym typeface="Times New Roman" panose="02020603050405020304"/>
-              </a:rPr>
-              <a:t> to predict individuals' mental health based on sas-sv scale and utilize advanced algorithms to establish correlations between lifestyle factors, stress responses, and physiological indicators.</a:t>
-            </a:r>
-            <a:endParaRPr lang="en-US" sz="2000">
-              <a:latin typeface="Times New Roman" panose="02020603050405020304"/>
-              <a:ea typeface="Times New Roman" panose="02020603050405020304"/>
-              <a:cs typeface="Times New Roman" panose="02020603050405020304"/>
-              <a:sym typeface="Times New Roman" panose="02020603050405020304"/>
-            </a:endParaRPr>
-          </a:p>
-          <a:p>
-            <a:pPr marL="0" lvl="0" indent="0" algn="just" rtl="0">
-              <a:lnSpc>
-                <a:spcPct val="105000"/>
-              </a:lnSpc>
-              <a:spcBef>
-                <a:spcPts val="1200"/>
-              </a:spcBef>
-              <a:spcAft>
-                <a:spcPts val="0"/>
-              </a:spcAft>
-              <a:buClr>
-                <a:schemeClr val="dk1"/>
-              </a:buClr>
-              <a:buSzPts val="605"/>
-              <a:buFont typeface="Arial" panose="020B0604020202020204"/>
-              <a:buNone/>
-            </a:pPr>
-            <a:r>
-              <a:rPr sz="2400" b="1">
-                <a:latin typeface="Times New Roman" panose="02020603050405020304"/>
-                <a:ea typeface="Times New Roman" panose="02020603050405020304"/>
-                <a:cs typeface="Times New Roman" panose="02020603050405020304"/>
-                <a:sym typeface="Times New Roman" panose="02020603050405020304"/>
-              </a:rPr>
-              <a:t>Ethical Data Handling</a:t>
-            </a:r>
-            <a:endParaRPr sz="2400" b="1">
-              <a:latin typeface="Times New Roman" panose="02020603050405020304"/>
-              <a:ea typeface="Times New Roman" panose="02020603050405020304"/>
-              <a:cs typeface="Times New Roman" panose="02020603050405020304"/>
-              <a:sym typeface="Times New Roman" panose="02020603050405020304"/>
-            </a:endParaRPr>
-          </a:p>
-          <a:p>
-            <a:pPr marL="0" lvl="0" indent="0" algn="just" rtl="0">
-              <a:lnSpc>
-                <a:spcPct val="105000"/>
-              </a:lnSpc>
-              <a:spcBef>
-                <a:spcPts val="1200"/>
-              </a:spcBef>
-              <a:spcAft>
-                <a:spcPts val="0"/>
-              </a:spcAft>
-              <a:buClr>
-                <a:schemeClr val="dk1"/>
-              </a:buClr>
-              <a:buSzPts val="605"/>
-              <a:buFont typeface="Arial" panose="020B0604020202020204"/>
-              <a:buNone/>
-            </a:pPr>
-            <a:r>
-              <a:rPr sz="2000">
-                <a:latin typeface="Times New Roman" panose="02020603050405020304"/>
-                <a:ea typeface="Times New Roman" panose="02020603050405020304"/>
-                <a:cs typeface="Times New Roman" panose="02020603050405020304"/>
-                <a:sym typeface="Times New Roman" panose="02020603050405020304"/>
-              </a:rPr>
-              <a:t>Prioritize ethical considerations, ensuring participant privacy and responsible data handling</a:t>
-            </a:r>
-            <a:r>
-              <a:rPr lang="en-US" sz="2000">
-                <a:latin typeface="Times New Roman" panose="02020603050405020304"/>
-                <a:ea typeface="Times New Roman" panose="02020603050405020304"/>
-                <a:cs typeface="Times New Roman" panose="02020603050405020304"/>
-                <a:sym typeface="Times New Roman" panose="02020603050405020304"/>
-              </a:rPr>
-              <a:t> and i</a:t>
-            </a:r>
-            <a:r>
-              <a:rPr sz="2000">
-                <a:latin typeface="Times New Roman" panose="02020603050405020304"/>
-                <a:ea typeface="Times New Roman" panose="02020603050405020304"/>
-                <a:cs typeface="Times New Roman" panose="02020603050405020304"/>
-                <a:sym typeface="Times New Roman" panose="02020603050405020304"/>
-              </a:rPr>
-              <a:t>mplement stringent data protection measures to safeguard sensitive information and comply with ethical guidelines.</a:t>
-            </a:r>
-            <a:endParaRPr sz="2000">
-              <a:latin typeface="Times New Roman" panose="02020603050405020304"/>
-              <a:ea typeface="Times New Roman" panose="02020603050405020304"/>
-              <a:cs typeface="Times New Roman" panose="02020603050405020304"/>
-              <a:sym typeface="Times New Roman" panose="02020603050405020304"/>
-            </a:endParaRPr>
-          </a:p>
-        </p:txBody>
-      </p:sp>
-      <p:sp>
-        <p:nvSpPr>
-          <p:cNvPr id="128" name="Google Shape;128;g24c63169c1f_0_0"/>
-          <p:cNvSpPr txBox="1"/>
-          <p:nvPr>
-            <p:ph type="sldNum" idx="12"/>
-          </p:nvPr>
-        </p:nvSpPr>
-        <p:spPr>
-          <a:xfrm>
-            <a:off x="8610600" y="6356350"/>
-            <a:ext cx="2743200" cy="365100"/>
-          </a:xfrm>
-          <a:prstGeom prst="rect">
-            <a:avLst/>
-          </a:prstGeom>
-        </p:spPr>
-        <p:txBody>
-          <a:bodyPr spcFirstLastPara="1" wrap="square" lIns="91425" tIns="45700" rIns="91425" bIns="45700" anchor="ctr" anchorCtr="0">
-            <a:noAutofit/>
-          </a:bodyPr>
-          <a:lstStyle/>
-          <a:p>
-            <a:pPr marL="0" lvl="0" indent="0" algn="r" rtl="0">
-              <a:spcBef>
-                <a:spcPts val="0"/>
-              </a:spcBef>
-              <a:spcAft>
-                <a:spcPts val="0"/>
-              </a:spcAft>
-              <a:buClr>
-                <a:srgbClr val="000000"/>
-              </a:buClr>
-              <a:buFont typeface="Arial" panose="020B0604020202020204"/>
-              <a:buNone/>
-            </a:pPr>
-            <a:fld id="{00000000-1234-1234-1234-123412341234}" type="slidenum">
-              <a:rPr lang="en-US"/>
-            </a:fld>
-            <a:endParaRPr lang="en-US"/>
-          </a:p>
-        </p:txBody>
-      </p:sp>
-    </p:spTree>
-  </p:cSld>
-  <p:clrMapOvr>
-    <a:masterClrMapping/>
-  </p:clrMapOvr>
-</p:sld>
-</file>
-
-<file path=ppt/slides/slide6.xml><?xml version="1.0" encoding="utf-8"?>
-<p:sld xmlns:a="http://schemas.openxmlformats.org/drawingml/2006/main" xmlns:r="http://schemas.openxmlformats.org/officeDocument/2006/relationships" xmlns:p="http://schemas.openxmlformats.org/presentationml/2006/main">
-  <p:cSld>
-    <p:spTree>
-      <p:nvGrpSpPr>
-        <p:cNvPr id="133" name="Shape 133"/>
-        <p:cNvGrpSpPr/>
-        <p:nvPr/>
-      </p:nvGrpSpPr>
-      <p:grpSpPr>
-        <a:xfrm>
-          <a:off x="0" y="0"/>
-          <a:ext cx="0" cy="0"/>
-          <a:chOff x="0" y="0"/>
-          <a:chExt cx="0" cy="0"/>
-        </a:xfrm>
-      </p:grpSpPr>
-      <p:sp>
-        <p:nvSpPr>
-          <p:cNvPr id="134" name="Google Shape;134;g24c63169c1f_0_10"/>
-          <p:cNvSpPr txBox="1"/>
-          <p:nvPr>
-            <p:ph type="title"/>
-          </p:nvPr>
-        </p:nvSpPr>
-        <p:spPr>
-          <a:xfrm>
-            <a:off x="838200" y="211455"/>
-            <a:ext cx="10515600" cy="976630"/>
-          </a:xfrm>
-          <a:prstGeom prst="rect">
-            <a:avLst/>
-          </a:prstGeom>
-        </p:spPr>
-        <p:txBody>
-          <a:bodyPr spcFirstLastPara="1" wrap="square" lIns="91425" tIns="45700" rIns="91425" bIns="45700" anchor="ctr" anchorCtr="0">
-            <a:normAutofit/>
-          </a:bodyPr>
-          <a:lstStyle/>
-          <a:p>
-            <a:pPr marL="0" lvl="0" indent="0" algn="ctr" rtl="0">
-              <a:lnSpc>
-                <a:spcPct val="105000"/>
-              </a:lnSpc>
-              <a:spcBef>
-                <a:spcPts val="2400"/>
-              </a:spcBef>
-              <a:spcAft>
-                <a:spcPts val="600"/>
-              </a:spcAft>
-              <a:buClr>
-                <a:schemeClr val="dk1"/>
-              </a:buClr>
-              <a:buSzPts val="1100"/>
-              <a:buFont typeface="Arial" panose="020B0604020202020204"/>
-              <a:buNone/>
-            </a:pPr>
-            <a:r>
-              <a:rPr lang="en-US" b="1">
-                <a:latin typeface="Times New Roman" panose="02020603050405020304"/>
-                <a:ea typeface="Times New Roman" panose="02020603050405020304"/>
-                <a:cs typeface="Times New Roman" panose="02020603050405020304"/>
-                <a:sym typeface="Times New Roman" panose="02020603050405020304"/>
-              </a:rPr>
-              <a:t>Project Scope &amp; Objectives</a:t>
-            </a:r>
-            <a:endParaRPr b="1">
-              <a:latin typeface="Times New Roman" panose="02020603050405020304"/>
-              <a:ea typeface="Times New Roman" panose="02020603050405020304"/>
-              <a:cs typeface="Times New Roman" panose="02020603050405020304"/>
-              <a:sym typeface="Times New Roman" panose="02020603050405020304"/>
-            </a:endParaRPr>
-          </a:p>
-        </p:txBody>
-      </p:sp>
-      <p:sp>
-        <p:nvSpPr>
-          <p:cNvPr id="135" name="Google Shape;135;g24c63169c1f_0_10"/>
-          <p:cNvSpPr txBox="1"/>
-          <p:nvPr>
-            <p:ph type="body" idx="1"/>
-          </p:nvPr>
-        </p:nvSpPr>
-        <p:spPr>
-          <a:xfrm>
-            <a:off x="838200" y="1576705"/>
-            <a:ext cx="11003280" cy="4841240"/>
-          </a:xfrm>
-          <a:prstGeom prst="rect">
-            <a:avLst/>
-          </a:prstGeom>
-        </p:spPr>
-        <p:txBody>
-          <a:bodyPr spcFirstLastPara="1" wrap="square" lIns="91425" tIns="45700" rIns="91425" bIns="45700" anchor="t" anchorCtr="0">
-            <a:normAutofit fontScale="25000"/>
-          </a:bodyPr>
-          <a:lstStyle/>
-          <a:p>
-            <a:pPr marL="0" lvl="0" indent="0" algn="l" rtl="0">
-              <a:lnSpc>
-                <a:spcPct val="105000"/>
-              </a:lnSpc>
-              <a:spcBef>
-                <a:spcPts val="1200"/>
-              </a:spcBef>
-              <a:spcAft>
-                <a:spcPts val="0"/>
-              </a:spcAft>
-              <a:buClr>
-                <a:schemeClr val="dk1"/>
-              </a:buClr>
-              <a:buSzPts val="560"/>
-              <a:buFont typeface="Arial" panose="020B0604020202020204"/>
-              <a:buNone/>
-            </a:pPr>
-            <a:r>
-              <a:rPr lang="en-US" sz="9600" b="1">
-                <a:latin typeface="Times New Roman" panose="02020603050405020304"/>
-                <a:ea typeface="Times New Roman" panose="02020603050405020304"/>
-                <a:cs typeface="Times New Roman" panose="02020603050405020304"/>
-                <a:sym typeface="Times New Roman" panose="02020603050405020304"/>
-              </a:rPr>
-              <a:t>Real-world Applications in Mental Health</a:t>
-            </a:r>
-            <a:endParaRPr lang="en-US" sz="9600" b="1">
-              <a:latin typeface="Times New Roman" panose="02020603050405020304"/>
-              <a:ea typeface="Times New Roman" panose="02020603050405020304"/>
-              <a:cs typeface="Times New Roman" panose="02020603050405020304"/>
-              <a:sym typeface="Times New Roman" panose="02020603050405020304"/>
-            </a:endParaRPr>
-          </a:p>
-          <a:p>
-            <a:pPr marL="0" lvl="0" indent="0" algn="l" rtl="0">
-              <a:lnSpc>
-                <a:spcPct val="105000"/>
-              </a:lnSpc>
-              <a:spcBef>
-                <a:spcPts val="1200"/>
-              </a:spcBef>
-              <a:spcAft>
-                <a:spcPts val="0"/>
-              </a:spcAft>
-              <a:buClr>
-                <a:schemeClr val="dk1"/>
-              </a:buClr>
-              <a:buSzPts val="560"/>
-              <a:buFont typeface="Arial" panose="020B0604020202020204"/>
-              <a:buNone/>
-            </a:pPr>
-            <a:r>
-              <a:rPr lang="en-US" sz="8000">
-                <a:latin typeface="Times New Roman" panose="02020603050405020304"/>
-                <a:ea typeface="Times New Roman" panose="02020603050405020304"/>
-                <a:cs typeface="Times New Roman" panose="02020603050405020304"/>
-                <a:sym typeface="Times New Roman" panose="02020603050405020304"/>
-              </a:rPr>
-              <a:t>Provide practical applications for mental health support in counseling, psychology, and medical science. The project's outcomes will extend to personalized interventions, wellness programs, and healthcare strategies, addressing the real-world implications of mental well-being.</a:t>
-            </a:r>
-            <a:endParaRPr lang="en-US" sz="8000">
-              <a:latin typeface="Times New Roman" panose="02020603050405020304"/>
-              <a:ea typeface="Times New Roman" panose="02020603050405020304"/>
-              <a:cs typeface="Times New Roman" panose="02020603050405020304"/>
-              <a:sym typeface="Times New Roman" panose="02020603050405020304"/>
-            </a:endParaRPr>
-          </a:p>
-          <a:p>
-            <a:pPr marL="0" lvl="0" indent="0" algn="l" rtl="0">
-              <a:lnSpc>
-                <a:spcPct val="105000"/>
-              </a:lnSpc>
-              <a:spcBef>
-                <a:spcPts val="1200"/>
-              </a:spcBef>
-              <a:spcAft>
-                <a:spcPts val="0"/>
-              </a:spcAft>
-              <a:buClr>
-                <a:schemeClr val="dk1"/>
-              </a:buClr>
-              <a:buSzPts val="560"/>
-              <a:buFont typeface="Arial" panose="020B0604020202020204"/>
-              <a:buNone/>
-            </a:pPr>
-            <a:endParaRPr lang="en-US" sz="8000">
-              <a:latin typeface="Times New Roman" panose="02020603050405020304"/>
-              <a:ea typeface="Times New Roman" panose="02020603050405020304"/>
-              <a:cs typeface="Times New Roman" panose="02020603050405020304"/>
-              <a:sym typeface="Times New Roman" panose="02020603050405020304"/>
-            </a:endParaRPr>
-          </a:p>
-          <a:p>
-            <a:pPr marL="0" lvl="0" indent="0" algn="l" rtl="0">
-              <a:lnSpc>
-                <a:spcPct val="105000"/>
-              </a:lnSpc>
-              <a:spcBef>
-                <a:spcPts val="1200"/>
-              </a:spcBef>
-              <a:spcAft>
-                <a:spcPts val="0"/>
-              </a:spcAft>
-              <a:buClr>
-                <a:schemeClr val="dk1"/>
-              </a:buClr>
-              <a:buSzPts val="560"/>
-              <a:buFont typeface="Arial" panose="020B0604020202020204"/>
-              <a:buNone/>
-            </a:pPr>
-            <a:r>
-              <a:rPr lang="en-US" sz="9600" b="1">
-                <a:latin typeface="Times New Roman" panose="02020603050405020304"/>
-                <a:ea typeface="Times New Roman" panose="02020603050405020304"/>
-                <a:cs typeface="Times New Roman" panose="02020603050405020304"/>
-                <a:sym typeface="Times New Roman" panose="02020603050405020304"/>
-              </a:rPr>
-              <a:t>Intersection of Technology and Mental Health Awareness</a:t>
-            </a:r>
-            <a:endParaRPr lang="en-US" sz="9600" b="1">
-              <a:latin typeface="Times New Roman" panose="02020603050405020304"/>
-              <a:ea typeface="Times New Roman" panose="02020603050405020304"/>
-              <a:cs typeface="Times New Roman" panose="02020603050405020304"/>
-              <a:sym typeface="Times New Roman" panose="02020603050405020304"/>
-            </a:endParaRPr>
-          </a:p>
-          <a:p>
-            <a:pPr marL="0" lvl="0" indent="0" algn="l" rtl="0">
-              <a:lnSpc>
-                <a:spcPct val="105000"/>
-              </a:lnSpc>
-              <a:spcBef>
-                <a:spcPts val="1200"/>
-              </a:spcBef>
-              <a:spcAft>
-                <a:spcPts val="0"/>
-              </a:spcAft>
-              <a:buClr>
-                <a:schemeClr val="dk1"/>
-              </a:buClr>
-              <a:buSzPts val="560"/>
-              <a:buFont typeface="Arial" panose="020B0604020202020204"/>
-              <a:buNone/>
-            </a:pPr>
-            <a:r>
-              <a:rPr lang="en-US" sz="8000">
-                <a:latin typeface="Times New Roman" panose="02020603050405020304"/>
-                <a:ea typeface="Times New Roman" panose="02020603050405020304"/>
-                <a:cs typeface="Times New Roman" panose="02020603050405020304"/>
-                <a:sym typeface="Times New Roman" panose="02020603050405020304"/>
-              </a:rPr>
-              <a:t>Address the evolving role of technology in enhancing mental health awareness. The project acknowledges the critical intersection of technology and mental health, emphasizing the potential for technology to contribute to a deeper understanding of stress factors and mental well-being.</a:t>
-            </a:r>
-            <a:endParaRPr lang="en-US" sz="8000">
-              <a:latin typeface="Times New Roman" panose="02020603050405020304"/>
-              <a:ea typeface="Times New Roman" panose="02020603050405020304"/>
-              <a:cs typeface="Times New Roman" panose="02020603050405020304"/>
-              <a:sym typeface="Times New Roman" panose="02020603050405020304"/>
-            </a:endParaRPr>
-          </a:p>
-        </p:txBody>
-      </p:sp>
-      <p:sp>
-        <p:nvSpPr>
-          <p:cNvPr id="136" name="Google Shape;136;g24c63169c1f_0_10"/>
-          <p:cNvSpPr txBox="1"/>
-          <p:nvPr>
-            <p:ph type="sldNum" idx="12"/>
-          </p:nvPr>
-        </p:nvSpPr>
-        <p:spPr>
-          <a:xfrm>
-            <a:off x="8610600" y="6356350"/>
-            <a:ext cx="2743200" cy="365100"/>
-          </a:xfrm>
-          <a:prstGeom prst="rect">
-            <a:avLst/>
-          </a:prstGeom>
-        </p:spPr>
-        <p:txBody>
-          <a:bodyPr spcFirstLastPara="1" wrap="square" lIns="91425" tIns="45700" rIns="91425" bIns="45700" anchor="ctr" anchorCtr="0">
-            <a:noAutofit/>
-          </a:bodyPr>
-          <a:lstStyle/>
-          <a:p>
-            <a:pPr marL="0" lvl="0" indent="0" algn="r" rtl="0">
-              <a:spcBef>
-                <a:spcPts val="0"/>
-              </a:spcBef>
-              <a:spcAft>
-                <a:spcPts val="0"/>
-              </a:spcAft>
-              <a:buClr>
-                <a:srgbClr val="000000"/>
-              </a:buClr>
-              <a:buFont typeface="Arial" panose="020B0604020202020204"/>
-              <a:buNone/>
-            </a:pPr>
-            <a:fld id="{00000000-1234-1234-1234-123412341234}" type="slidenum">
-              <a:rPr lang="en-US"/>
-            </a:fld>
-            <a:endParaRPr lang="en-US"/>
-          </a:p>
-        </p:txBody>
-      </p:sp>
-    </p:spTree>
-  </p:cSld>
-  <p:clrMapOvr>
-    <a:masterClrMapping/>
-  </p:clrMapOvr>
-</p:sld>
-</file>
-
-<file path=ppt/slides/slide7.xml><?xml version="1.0" encoding="utf-8"?>
-<p:sld xmlns:a="http://schemas.openxmlformats.org/drawingml/2006/main" xmlns:r="http://schemas.openxmlformats.org/officeDocument/2006/relationships" xmlns:p="http://schemas.openxmlformats.org/presentationml/2006/main">
-  <p:cSld>
-    <p:spTree>
-      <p:nvGrpSpPr>
-        <p:cNvPr id="141" name="Shape 141"/>
-        <p:cNvGrpSpPr/>
-        <p:nvPr/>
-      </p:nvGrpSpPr>
-      <p:grpSpPr>
-        <a:xfrm>
-          <a:off x="0" y="0"/>
-          <a:ext cx="0" cy="0"/>
-          <a:chOff x="0" y="0"/>
-          <a:chExt cx="0" cy="0"/>
-        </a:xfrm>
-      </p:grpSpPr>
-      <p:sp>
-        <p:nvSpPr>
-          <p:cNvPr id="142" name="Google Shape;142;g24c63169c1f_0_21"/>
-          <p:cNvSpPr txBox="1"/>
-          <p:nvPr>
-            <p:ph type="title"/>
-          </p:nvPr>
-        </p:nvSpPr>
-        <p:spPr>
-          <a:xfrm>
-            <a:off x="951865" y="284480"/>
-            <a:ext cx="10515600" cy="941070"/>
-          </a:xfrm>
-          <a:prstGeom prst="rect">
-            <a:avLst/>
-          </a:prstGeom>
-        </p:spPr>
-        <p:txBody>
-          <a:bodyPr spcFirstLastPara="1" wrap="square" lIns="91425" tIns="45700" rIns="91425" bIns="45700" anchor="ctr" anchorCtr="0">
-            <a:normAutofit/>
-          </a:bodyPr>
-          <a:lstStyle/>
-          <a:p>
-            <a:pPr marL="0" lvl="0" indent="0" algn="ctr" rtl="0">
-              <a:lnSpc>
-                <a:spcPct val="80000"/>
-              </a:lnSpc>
-              <a:spcBef>
-                <a:spcPts val="0"/>
-              </a:spcBef>
-              <a:spcAft>
-                <a:spcPts val="0"/>
-              </a:spcAft>
-              <a:buClr>
-                <a:schemeClr val="dk1"/>
-              </a:buClr>
-              <a:buSzPts val="1100"/>
-              <a:buFont typeface="Arial" panose="020B0604020202020204"/>
-              <a:buNone/>
-            </a:pPr>
-            <a:r>
-              <a:rPr lang="en-US" b="1">
-                <a:latin typeface="Times New Roman" panose="02020603050405020304"/>
-                <a:ea typeface="Times New Roman" panose="02020603050405020304"/>
-                <a:cs typeface="Times New Roman" panose="02020603050405020304"/>
-                <a:sym typeface="Times New Roman" panose="02020603050405020304"/>
-              </a:rPr>
-              <a:t>Project Implementation Plan</a:t>
-            </a:r>
-            <a:endParaRPr b="1">
-              <a:latin typeface="Arial" panose="020B0604020202020204"/>
-              <a:ea typeface="Arial" panose="020B0604020202020204"/>
-              <a:cs typeface="Arial" panose="020B0604020202020204"/>
-              <a:sym typeface="Arial" panose="020B0604020202020204"/>
-            </a:endParaRPr>
-          </a:p>
-        </p:txBody>
-      </p:sp>
-      <p:sp>
-        <p:nvSpPr>
-          <p:cNvPr id="143" name="Google Shape;143;g24c63169c1f_0_21"/>
-          <p:cNvSpPr txBox="1"/>
-          <p:nvPr>
-            <p:ph type="body" idx="1"/>
-          </p:nvPr>
-        </p:nvSpPr>
-        <p:spPr>
-          <a:xfrm>
-            <a:off x="1009015" y="1457960"/>
-            <a:ext cx="10401935" cy="4752975"/>
-          </a:xfrm>
-          <a:prstGeom prst="rect">
-            <a:avLst/>
-          </a:prstGeom>
-        </p:spPr>
-        <p:txBody>
-          <a:bodyPr spcFirstLastPara="1" wrap="square" lIns="91425" tIns="45700" rIns="91425" bIns="45700" anchor="t" anchorCtr="0">
-            <a:noAutofit/>
-          </a:bodyPr>
-          <a:lstStyle/>
-          <a:p>
-            <a:pPr marL="0" lvl="0" indent="0" algn="l" rtl="0">
-              <a:lnSpc>
-                <a:spcPct val="115000"/>
-              </a:lnSpc>
-              <a:spcBef>
-                <a:spcPts val="1200"/>
-              </a:spcBef>
-              <a:spcAft>
-                <a:spcPts val="0"/>
-              </a:spcAft>
-              <a:buNone/>
-            </a:pPr>
-            <a:r>
-              <a:rPr lang="en-US" sz="2400" b="1">
-                <a:latin typeface="Times New Roman" panose="02020603050405020304"/>
-                <a:ea typeface="Times New Roman" panose="02020603050405020304"/>
-                <a:cs typeface="Times New Roman" panose="02020603050405020304"/>
-                <a:sym typeface="Times New Roman" panose="02020603050405020304"/>
-              </a:rPr>
-              <a:t>Data Collection and Preparation</a:t>
-            </a:r>
-            <a:endParaRPr lang="en-US" sz="2400" b="1">
-              <a:latin typeface="Times New Roman" panose="02020603050405020304"/>
-              <a:ea typeface="Times New Roman" panose="02020603050405020304"/>
-              <a:cs typeface="Times New Roman" panose="02020603050405020304"/>
-              <a:sym typeface="Times New Roman" panose="02020603050405020304"/>
-            </a:endParaRPr>
-          </a:p>
-          <a:p>
-            <a:pPr marL="342900" lvl="0" algn="l" rtl="0">
-              <a:lnSpc>
-                <a:spcPct val="115000"/>
-              </a:lnSpc>
-              <a:spcBef>
-                <a:spcPts val="1200"/>
-              </a:spcBef>
-              <a:spcAft>
-                <a:spcPts val="0"/>
-              </a:spcAft>
-            </a:pPr>
-            <a:r>
-              <a:rPr lang="en-US" sz="2000">
-                <a:latin typeface="Times New Roman" panose="02020603050405020304"/>
-                <a:ea typeface="Times New Roman" panose="02020603050405020304"/>
-                <a:cs typeface="Times New Roman" panose="02020603050405020304"/>
-                <a:sym typeface="Times New Roman" panose="02020603050405020304"/>
-              </a:rPr>
-              <a:t>Design and distribute detailed questionnaires to participants. </a:t>
-            </a:r>
-            <a:endParaRPr lang="en-US" sz="2000">
-              <a:latin typeface="Times New Roman" panose="02020603050405020304"/>
-              <a:ea typeface="Times New Roman" panose="02020603050405020304"/>
-              <a:cs typeface="Times New Roman" panose="02020603050405020304"/>
-              <a:sym typeface="Times New Roman" panose="02020603050405020304"/>
-            </a:endParaRPr>
-          </a:p>
-          <a:p>
-            <a:pPr marL="342900" lvl="0" algn="l" rtl="0">
-              <a:lnSpc>
-                <a:spcPct val="115000"/>
-              </a:lnSpc>
-              <a:spcBef>
-                <a:spcPts val="1200"/>
-              </a:spcBef>
-              <a:spcAft>
-                <a:spcPts val="0"/>
-              </a:spcAft>
-            </a:pPr>
-            <a:r>
-              <a:rPr lang="en-US" sz="2000">
-                <a:latin typeface="Times New Roman" panose="02020603050405020304"/>
-                <a:ea typeface="Times New Roman" panose="02020603050405020304"/>
-                <a:cs typeface="Times New Roman" panose="02020603050405020304"/>
-                <a:sym typeface="Times New Roman" panose="02020603050405020304"/>
-              </a:rPr>
-              <a:t>Collect diverse data points, ensuring representation across age, gender, and occupations. </a:t>
-            </a:r>
-            <a:endParaRPr lang="en-US" sz="2000">
-              <a:latin typeface="Times New Roman" panose="02020603050405020304"/>
-              <a:ea typeface="Times New Roman" panose="02020603050405020304"/>
-              <a:cs typeface="Times New Roman" panose="02020603050405020304"/>
-              <a:sym typeface="Times New Roman" panose="02020603050405020304"/>
-            </a:endParaRPr>
-          </a:p>
-          <a:p>
-            <a:pPr marL="342900" lvl="0" algn="l" rtl="0">
-              <a:lnSpc>
-                <a:spcPct val="115000"/>
-              </a:lnSpc>
-              <a:spcBef>
-                <a:spcPts val="1200"/>
-              </a:spcBef>
-              <a:spcAft>
-                <a:spcPts val="0"/>
-              </a:spcAft>
-            </a:pPr>
-            <a:r>
-              <a:rPr lang="en-US" sz="2000">
-                <a:latin typeface="Times New Roman" panose="02020603050405020304"/>
-                <a:ea typeface="Times New Roman" panose="02020603050405020304"/>
-                <a:cs typeface="Times New Roman" panose="02020603050405020304"/>
-                <a:sym typeface="Times New Roman" panose="02020603050405020304"/>
-              </a:rPr>
-              <a:t>Preprocess and clean the dataset to handle missing values and outliers.</a:t>
-            </a:r>
-            <a:endParaRPr lang="en-US" sz="2000">
-              <a:latin typeface="Times New Roman" panose="02020603050405020304"/>
-              <a:ea typeface="Times New Roman" panose="02020603050405020304"/>
-              <a:cs typeface="Times New Roman" panose="02020603050405020304"/>
-              <a:sym typeface="Times New Roman" panose="02020603050405020304"/>
-            </a:endParaRPr>
-          </a:p>
-          <a:p>
-            <a:pPr marL="0" lvl="0" indent="0" algn="l" rtl="0">
-              <a:lnSpc>
-                <a:spcPct val="115000"/>
-              </a:lnSpc>
-              <a:spcBef>
-                <a:spcPts val="1200"/>
-              </a:spcBef>
-              <a:spcAft>
-                <a:spcPts val="0"/>
-              </a:spcAft>
-              <a:buNone/>
-            </a:pPr>
-            <a:r>
-              <a:rPr lang="en-US" sz="2400" b="1">
-                <a:latin typeface="Times New Roman" panose="02020603050405020304"/>
-                <a:ea typeface="Times New Roman" panose="02020603050405020304"/>
-                <a:cs typeface="Times New Roman" panose="02020603050405020304"/>
-                <a:sym typeface="Times New Roman" panose="02020603050405020304"/>
-              </a:rPr>
-              <a:t>Model Development and Training</a:t>
-            </a:r>
-            <a:endParaRPr lang="en-US" sz="2400" b="1">
-              <a:latin typeface="Times New Roman" panose="02020603050405020304"/>
-              <a:ea typeface="Times New Roman" panose="02020603050405020304"/>
-              <a:cs typeface="Times New Roman" panose="02020603050405020304"/>
-              <a:sym typeface="Times New Roman" panose="02020603050405020304"/>
-            </a:endParaRPr>
-          </a:p>
-          <a:p>
-            <a:pPr marL="342900" lvl="0" algn="l" rtl="0">
-              <a:lnSpc>
-                <a:spcPct val="115000"/>
-              </a:lnSpc>
-              <a:spcBef>
-                <a:spcPts val="1200"/>
-              </a:spcBef>
-              <a:spcAft>
-                <a:spcPts val="0"/>
-              </a:spcAft>
-            </a:pPr>
-            <a:r>
-              <a:rPr lang="en-US" sz="2000">
-                <a:latin typeface="Times New Roman" panose="02020603050405020304"/>
-                <a:ea typeface="Times New Roman" panose="02020603050405020304"/>
-                <a:cs typeface="Times New Roman" panose="02020603050405020304"/>
-                <a:sym typeface="Times New Roman" panose="02020603050405020304"/>
-              </a:rPr>
-              <a:t>Select and implement an appropriate machine learning classification model. </a:t>
-            </a:r>
-            <a:endParaRPr lang="en-US" sz="2000">
-              <a:latin typeface="Times New Roman" panose="02020603050405020304"/>
-              <a:ea typeface="Times New Roman" panose="02020603050405020304"/>
-              <a:cs typeface="Times New Roman" panose="02020603050405020304"/>
-              <a:sym typeface="Times New Roman" panose="02020603050405020304"/>
-            </a:endParaRPr>
-          </a:p>
-          <a:p>
-            <a:pPr marL="342900" lvl="0" algn="l" rtl="0">
-              <a:lnSpc>
-                <a:spcPct val="115000"/>
-              </a:lnSpc>
-              <a:spcBef>
-                <a:spcPts val="1200"/>
-              </a:spcBef>
-              <a:spcAft>
-                <a:spcPts val="0"/>
-              </a:spcAft>
-            </a:pPr>
-            <a:r>
-              <a:rPr lang="en-US" sz="2000">
-                <a:latin typeface="Times New Roman" panose="02020603050405020304"/>
-                <a:ea typeface="Times New Roman" panose="02020603050405020304"/>
-                <a:cs typeface="Times New Roman" panose="02020603050405020304"/>
-                <a:sym typeface="Times New Roman" panose="02020603050405020304"/>
-              </a:rPr>
-              <a:t>Split the dataset into training and testing sets. </a:t>
-            </a:r>
-            <a:endParaRPr lang="en-US" sz="2000">
-              <a:latin typeface="Times New Roman" panose="02020603050405020304"/>
-              <a:ea typeface="Times New Roman" panose="02020603050405020304"/>
-              <a:cs typeface="Times New Roman" panose="02020603050405020304"/>
-              <a:sym typeface="Times New Roman" panose="02020603050405020304"/>
-            </a:endParaRPr>
-          </a:p>
-          <a:p>
-            <a:pPr marL="342900" lvl="0" algn="l" rtl="0">
-              <a:lnSpc>
-                <a:spcPct val="115000"/>
-              </a:lnSpc>
-              <a:spcBef>
-                <a:spcPts val="1200"/>
-              </a:spcBef>
-              <a:spcAft>
-                <a:spcPts val="0"/>
-              </a:spcAft>
-            </a:pPr>
-            <a:r>
-              <a:rPr lang="en-US" sz="2000">
-                <a:latin typeface="Times New Roman" panose="02020603050405020304"/>
-                <a:ea typeface="Times New Roman" panose="02020603050405020304"/>
-                <a:cs typeface="Times New Roman" panose="02020603050405020304"/>
-                <a:sym typeface="Times New Roman" panose="02020603050405020304"/>
-              </a:rPr>
-              <a:t>Train the model using the training set, adjusting hyperparameters for optimal performance. </a:t>
-            </a:r>
-            <a:endParaRPr lang="en-US" sz="2000">
-              <a:latin typeface="Times New Roman" panose="02020603050405020304"/>
-              <a:ea typeface="Times New Roman" panose="02020603050405020304"/>
-              <a:cs typeface="Times New Roman" panose="02020603050405020304"/>
-              <a:sym typeface="Times New Roman" panose="02020603050405020304"/>
-            </a:endParaRPr>
-          </a:p>
-          <a:p>
-            <a:pPr marL="342900" lvl="0" algn="l" rtl="0">
-              <a:lnSpc>
-                <a:spcPct val="115000"/>
-              </a:lnSpc>
-              <a:spcBef>
-                <a:spcPts val="1200"/>
-              </a:spcBef>
-              <a:spcAft>
-                <a:spcPts val="0"/>
-              </a:spcAft>
-            </a:pPr>
-            <a:r>
-              <a:rPr lang="en-US" sz="2000">
-                <a:latin typeface="Times New Roman" panose="02020603050405020304"/>
-                <a:ea typeface="Times New Roman" panose="02020603050405020304"/>
-                <a:cs typeface="Times New Roman" panose="02020603050405020304"/>
-                <a:sym typeface="Times New Roman" panose="02020603050405020304"/>
-              </a:rPr>
-              <a:t>Evaluate the model's accuracy and generalizability on the testing set.</a:t>
-            </a:r>
-            <a:endParaRPr lang="en-US" sz="2000">
-              <a:latin typeface="Times New Roman" panose="02020603050405020304"/>
-              <a:ea typeface="Times New Roman" panose="02020603050405020304"/>
-              <a:cs typeface="Times New Roman" panose="02020603050405020304"/>
-              <a:sym typeface="Times New Roman" panose="02020603050405020304"/>
-            </a:endParaRPr>
-          </a:p>
-          <a:p>
-            <a:pPr lvl="0" indent="-457200" algn="l" rtl="0">
-              <a:lnSpc>
-                <a:spcPct val="115000"/>
-              </a:lnSpc>
-              <a:spcBef>
-                <a:spcPts val="1200"/>
-              </a:spcBef>
-              <a:spcAft>
-                <a:spcPts val="0"/>
-              </a:spcAft>
-              <a:buNone/>
-            </a:pPr>
-            <a:endParaRPr lang="en-US" sz="2900" b="1">
-              <a:latin typeface="Times New Roman" panose="02020603050405020304"/>
-              <a:ea typeface="Times New Roman" panose="02020603050405020304"/>
-              <a:cs typeface="Times New Roman" panose="02020603050405020304"/>
-              <a:sym typeface="Times New Roman" panose="02020603050405020304"/>
-            </a:endParaRPr>
-          </a:p>
-        </p:txBody>
-      </p:sp>
-      <p:sp>
-        <p:nvSpPr>
-          <p:cNvPr id="144" name="Google Shape;144;g24c63169c1f_0_21"/>
-          <p:cNvSpPr txBox="1"/>
-          <p:nvPr>
-            <p:ph type="sldNum" idx="12"/>
-          </p:nvPr>
-        </p:nvSpPr>
-        <p:spPr>
-          <a:xfrm>
-            <a:off x="8610600" y="6356350"/>
-            <a:ext cx="2743200" cy="365100"/>
-          </a:xfrm>
-          <a:prstGeom prst="rect">
-            <a:avLst/>
-          </a:prstGeom>
-        </p:spPr>
-        <p:txBody>
-          <a:bodyPr spcFirstLastPara="1" wrap="square" lIns="91425" tIns="45700" rIns="91425" bIns="45700" anchor="ctr" anchorCtr="0">
-            <a:noAutofit/>
-          </a:bodyPr>
-          <a:lstStyle/>
-          <a:p>
-            <a:pPr marL="0" lvl="0" indent="0" algn="r" rtl="0">
-              <a:spcBef>
-                <a:spcPts val="0"/>
-              </a:spcBef>
-              <a:spcAft>
-                <a:spcPts val="0"/>
-              </a:spcAft>
-              <a:buClr>
-                <a:srgbClr val="000000"/>
-              </a:buClr>
-              <a:buFont typeface="Arial" panose="020B0604020202020204"/>
-              <a:buNone/>
-            </a:pPr>
-            <a:fld id="{00000000-1234-1234-1234-123412341234}" type="slidenum">
-              <a:rPr lang="en-US"/>
-            </a:fld>
-            <a:endParaRPr lang="en-US"/>
-          </a:p>
-        </p:txBody>
-      </p:sp>
-    </p:spTree>
-  </p:cSld>
-  <p:clrMapOvr>
-    <a:masterClrMapping/>
-  </p:clrMapOvr>
-</p:sld>
-</file>
-
-<file path=ppt/slides/slide8.xml><?xml version="1.0" encoding="utf-8"?>
-<p:sld xmlns:a="http://schemas.openxmlformats.org/drawingml/2006/main" xmlns:r="http://schemas.openxmlformats.org/officeDocument/2006/relationships" xmlns:p="http://schemas.openxmlformats.org/presentationml/2006/main">
-  <p:cSld>
-    <p:spTree>
-      <p:nvGrpSpPr>
-        <p:cNvPr id="149" name="Shape 149"/>
-        <p:cNvGrpSpPr/>
-        <p:nvPr/>
-      </p:nvGrpSpPr>
-      <p:grpSpPr>
-        <a:xfrm>
-          <a:off x="0" y="0"/>
-          <a:ext cx="0" cy="0"/>
-          <a:chOff x="0" y="0"/>
-          <a:chExt cx="0" cy="0"/>
-        </a:xfrm>
-      </p:grpSpPr>
-      <p:sp>
-        <p:nvSpPr>
-          <p:cNvPr id="151" name="Google Shape;151;g2b654f8bd51_1_14"/>
-          <p:cNvSpPr txBox="1"/>
-          <p:nvPr>
-            <p:ph type="body" idx="1"/>
-          </p:nvPr>
-        </p:nvSpPr>
-        <p:spPr>
-          <a:xfrm>
-            <a:off x="838200" y="1219835"/>
-            <a:ext cx="10515600" cy="5312410"/>
-          </a:xfrm>
-          <a:prstGeom prst="rect">
-            <a:avLst/>
-          </a:prstGeom>
-        </p:spPr>
-        <p:txBody>
-          <a:bodyPr spcFirstLastPara="1" wrap="square" lIns="91425" tIns="45700" rIns="91425" bIns="45700" anchor="t" anchorCtr="0">
-            <a:normAutofit fontScale="75000"/>
-          </a:bodyPr>
-          <a:lstStyle/>
-          <a:p>
-            <a:pPr marL="0" lvl="0" indent="0" algn="l" rtl="0">
-              <a:lnSpc>
-                <a:spcPct val="115000"/>
-              </a:lnSpc>
-              <a:spcBef>
-                <a:spcPts val="1200"/>
-              </a:spcBef>
-              <a:spcAft>
-                <a:spcPts val="0"/>
-              </a:spcAft>
-              <a:buNone/>
-            </a:pPr>
-            <a:r>
-              <a:rPr lang="en-US" sz="2900" b="1">
-                <a:latin typeface="Times New Roman" panose="02020603050405020304"/>
-                <a:ea typeface="Times New Roman" panose="02020603050405020304"/>
-                <a:cs typeface="Times New Roman" panose="02020603050405020304"/>
-                <a:sym typeface="Times New Roman" panose="02020603050405020304"/>
-              </a:rPr>
-              <a:t>Ethical Compliance and Privacy Measures</a:t>
-            </a:r>
-            <a:endParaRPr lang="en-US" sz="2900" b="1">
-              <a:latin typeface="Times New Roman" panose="02020603050405020304"/>
-              <a:ea typeface="Times New Roman" panose="02020603050405020304"/>
-              <a:cs typeface="Times New Roman" panose="02020603050405020304"/>
-              <a:sym typeface="Times New Roman" panose="02020603050405020304"/>
-            </a:endParaRPr>
-          </a:p>
-          <a:p>
-            <a:pPr marL="342900" lvl="0" algn="l" rtl="0">
-              <a:lnSpc>
-                <a:spcPct val="115000"/>
-              </a:lnSpc>
-              <a:spcBef>
-                <a:spcPts val="1200"/>
-              </a:spcBef>
-              <a:spcAft>
-                <a:spcPts val="0"/>
-              </a:spcAft>
-            </a:pPr>
-            <a:r>
-              <a:rPr lang="en-US" sz="2900">
-                <a:latin typeface="Times New Roman" panose="02020603050405020304"/>
-                <a:ea typeface="Times New Roman" panose="02020603050405020304"/>
-                <a:cs typeface="Times New Roman" panose="02020603050405020304"/>
-                <a:sym typeface="Times New Roman" panose="02020603050405020304"/>
-              </a:rPr>
-              <a:t>Establish robust data protection protocols in adherence to ethical guidelines.</a:t>
-            </a:r>
-            <a:endParaRPr lang="en-US" sz="2900">
-              <a:latin typeface="Times New Roman" panose="02020603050405020304"/>
-              <a:ea typeface="Times New Roman" panose="02020603050405020304"/>
-              <a:cs typeface="Times New Roman" panose="02020603050405020304"/>
-              <a:sym typeface="Times New Roman" panose="02020603050405020304"/>
-            </a:endParaRPr>
-          </a:p>
-          <a:p>
-            <a:pPr marL="342900" lvl="0" algn="l" rtl="0">
-              <a:lnSpc>
-                <a:spcPct val="115000"/>
-              </a:lnSpc>
-              <a:spcBef>
-                <a:spcPts val="1200"/>
-              </a:spcBef>
-              <a:spcAft>
-                <a:spcPts val="0"/>
-              </a:spcAft>
-            </a:pPr>
-            <a:r>
-              <a:rPr lang="en-US" sz="2900">
-                <a:latin typeface="Times New Roman" panose="02020603050405020304"/>
-                <a:ea typeface="Times New Roman" panose="02020603050405020304"/>
-                <a:cs typeface="Times New Roman" panose="02020603050405020304"/>
-                <a:sym typeface="Times New Roman" panose="02020603050405020304"/>
-              </a:rPr>
-              <a:t>Obtain informed consent from participants regarding data usage and privacy.</a:t>
-            </a:r>
-            <a:endParaRPr lang="en-US" sz="2900">
-              <a:latin typeface="Times New Roman" panose="02020603050405020304"/>
-              <a:ea typeface="Times New Roman" panose="02020603050405020304"/>
-              <a:cs typeface="Times New Roman" panose="02020603050405020304"/>
-              <a:sym typeface="Times New Roman" panose="02020603050405020304"/>
-            </a:endParaRPr>
-          </a:p>
-          <a:p>
-            <a:pPr marL="342900" lvl="0" algn="l" rtl="0">
-              <a:lnSpc>
-                <a:spcPct val="115000"/>
-              </a:lnSpc>
-              <a:spcBef>
-                <a:spcPts val="1200"/>
-              </a:spcBef>
-              <a:spcAft>
-                <a:spcPts val="0"/>
-              </a:spcAft>
-            </a:pPr>
-            <a:r>
-              <a:rPr lang="en-US" sz="2900">
-                <a:latin typeface="Times New Roman" panose="02020603050405020304"/>
-                <a:ea typeface="Times New Roman" panose="02020603050405020304"/>
-                <a:cs typeface="Times New Roman" panose="02020603050405020304"/>
-                <a:sym typeface="Times New Roman" panose="02020603050405020304"/>
-              </a:rPr>
-              <a:t>Implement secure storage mechanisms for sensitive information.</a:t>
-            </a:r>
-            <a:endParaRPr lang="en-US" sz="2900">
-              <a:latin typeface="Times New Roman" panose="02020603050405020304"/>
-              <a:ea typeface="Times New Roman" panose="02020603050405020304"/>
-              <a:cs typeface="Times New Roman" panose="02020603050405020304"/>
-              <a:sym typeface="Times New Roman" panose="02020603050405020304"/>
-            </a:endParaRPr>
-          </a:p>
-          <a:p>
-            <a:pPr marL="0" lvl="0" indent="0" algn="l" rtl="0">
-              <a:lnSpc>
-                <a:spcPct val="115000"/>
-              </a:lnSpc>
-              <a:spcBef>
-                <a:spcPts val="1200"/>
-              </a:spcBef>
-              <a:spcAft>
-                <a:spcPts val="0"/>
-              </a:spcAft>
-              <a:buNone/>
-            </a:pPr>
-            <a:r>
-              <a:rPr lang="en-US" sz="2900" b="1">
-                <a:latin typeface="Times New Roman" panose="02020603050405020304"/>
-                <a:ea typeface="Times New Roman" panose="02020603050405020304"/>
-                <a:cs typeface="Times New Roman" panose="02020603050405020304"/>
-                <a:sym typeface="Times New Roman" panose="02020603050405020304"/>
-              </a:rPr>
-              <a:t>Real-world Application Integration</a:t>
-            </a:r>
-            <a:endParaRPr lang="en-US" sz="2900" b="1">
-              <a:latin typeface="Times New Roman" panose="02020603050405020304"/>
-              <a:ea typeface="Times New Roman" panose="02020603050405020304"/>
-              <a:cs typeface="Times New Roman" panose="02020603050405020304"/>
-              <a:sym typeface="Times New Roman" panose="02020603050405020304"/>
-            </a:endParaRPr>
-          </a:p>
-          <a:p>
-            <a:pPr marL="342900" lvl="0" algn="l" rtl="0">
-              <a:lnSpc>
-                <a:spcPct val="115000"/>
-              </a:lnSpc>
-              <a:spcBef>
-                <a:spcPts val="1200"/>
-              </a:spcBef>
-              <a:spcAft>
-                <a:spcPts val="0"/>
-              </a:spcAft>
-            </a:pPr>
-            <a:r>
-              <a:rPr lang="en-US" sz="2900">
-                <a:latin typeface="Times New Roman" panose="02020603050405020304"/>
-                <a:ea typeface="Times New Roman" panose="02020603050405020304"/>
-                <a:cs typeface="Times New Roman" panose="02020603050405020304"/>
-                <a:sym typeface="Times New Roman" panose="02020603050405020304"/>
-              </a:rPr>
-              <a:t>Collaborate with counseling departments, psychologists, and healthcare professionals to incorporate the model's insights into real-world applications.</a:t>
-            </a:r>
-            <a:endParaRPr lang="en-US" sz="2900">
-              <a:latin typeface="Times New Roman" panose="02020603050405020304"/>
-              <a:ea typeface="Times New Roman" panose="02020603050405020304"/>
-              <a:cs typeface="Times New Roman" panose="02020603050405020304"/>
-              <a:sym typeface="Times New Roman" panose="02020603050405020304"/>
-            </a:endParaRPr>
-          </a:p>
-          <a:p>
-            <a:pPr marL="342900" lvl="0" algn="l" rtl="0">
-              <a:lnSpc>
-                <a:spcPct val="115000"/>
-              </a:lnSpc>
-              <a:spcBef>
-                <a:spcPts val="1200"/>
-              </a:spcBef>
-              <a:spcAft>
-                <a:spcPts val="0"/>
-              </a:spcAft>
-            </a:pPr>
-            <a:r>
-              <a:rPr lang="en-US" sz="2900">
-                <a:latin typeface="Times New Roman" panose="02020603050405020304"/>
-                <a:ea typeface="Times New Roman" panose="02020603050405020304"/>
-                <a:cs typeface="Times New Roman" panose="02020603050405020304"/>
-                <a:sym typeface="Times New Roman" panose="02020603050405020304"/>
-              </a:rPr>
-              <a:t>Design personalized interventions and wellness programs based on the stress predictions.</a:t>
-            </a:r>
-            <a:endParaRPr lang="en-US" sz="2900">
-              <a:latin typeface="Times New Roman" panose="02020603050405020304"/>
-              <a:ea typeface="Times New Roman" panose="02020603050405020304"/>
-              <a:cs typeface="Times New Roman" panose="02020603050405020304"/>
-              <a:sym typeface="Times New Roman" panose="02020603050405020304"/>
-            </a:endParaRPr>
-          </a:p>
-          <a:p>
-            <a:pPr marL="342900" lvl="0" algn="l" rtl="0">
-              <a:lnSpc>
-                <a:spcPct val="115000"/>
-              </a:lnSpc>
-              <a:spcBef>
-                <a:spcPts val="1200"/>
-              </a:spcBef>
-              <a:spcAft>
-                <a:spcPts val="0"/>
-              </a:spcAft>
-            </a:pPr>
-            <a:r>
-              <a:rPr lang="en-US" sz="2900">
-                <a:latin typeface="Times New Roman" panose="02020603050405020304"/>
-                <a:ea typeface="Times New Roman" panose="02020603050405020304"/>
-                <a:cs typeface="Times New Roman" panose="02020603050405020304"/>
-                <a:sym typeface="Times New Roman" panose="02020603050405020304"/>
-              </a:rPr>
-              <a:t>Ensure seamless integration with existing healthcare and counseling systems</a:t>
-            </a:r>
-            <a:endParaRPr sz="2900">
-              <a:latin typeface="Times New Roman" panose="02020603050405020304"/>
-              <a:ea typeface="Times New Roman" panose="02020603050405020304"/>
-              <a:cs typeface="Times New Roman" panose="02020603050405020304"/>
-              <a:sym typeface="Times New Roman" panose="02020603050405020304"/>
-            </a:endParaRPr>
-          </a:p>
-          <a:p>
-            <a:pPr marL="0" lvl="0" indent="0" algn="l" rtl="0">
-              <a:lnSpc>
-                <a:spcPct val="115000"/>
-              </a:lnSpc>
-              <a:spcBef>
-                <a:spcPts val="1200"/>
-              </a:spcBef>
-              <a:spcAft>
-                <a:spcPts val="0"/>
-              </a:spcAft>
-              <a:buNone/>
-            </a:pPr>
-            <a:endParaRPr sz="2900">
-              <a:latin typeface="Times New Roman" panose="02020603050405020304"/>
-              <a:ea typeface="Times New Roman" panose="02020603050405020304"/>
-              <a:cs typeface="Times New Roman" panose="02020603050405020304"/>
-              <a:sym typeface="Times New Roman" panose="02020603050405020304"/>
-            </a:endParaRPr>
-          </a:p>
-        </p:txBody>
-      </p:sp>
-      <p:sp>
-        <p:nvSpPr>
-          <p:cNvPr id="152" name="Google Shape;152;g2b654f8bd51_1_14"/>
-          <p:cNvSpPr txBox="1"/>
-          <p:nvPr>
-            <p:ph type="sldNum" idx="12"/>
-          </p:nvPr>
-        </p:nvSpPr>
-        <p:spPr>
-          <a:xfrm>
-            <a:off x="8610600" y="6356350"/>
-            <a:ext cx="2743200" cy="365100"/>
-          </a:xfrm>
-          <a:prstGeom prst="rect">
-            <a:avLst/>
-          </a:prstGeom>
-        </p:spPr>
-        <p:txBody>
-          <a:bodyPr spcFirstLastPara="1" wrap="square" lIns="91425" tIns="45700" rIns="91425" bIns="45700" anchor="ctr" anchorCtr="0">
-            <a:noAutofit/>
-          </a:bodyPr>
-          <a:lstStyle/>
-          <a:p>
-            <a:pPr marL="0" lvl="0" indent="0" algn="r" rtl="0">
-              <a:spcBef>
-                <a:spcPts val="0"/>
-              </a:spcBef>
-              <a:spcAft>
-                <a:spcPts val="0"/>
-              </a:spcAft>
-              <a:buClr>
-                <a:srgbClr val="000000"/>
-              </a:buClr>
-              <a:buFont typeface="Arial" panose="020B0604020202020204"/>
-              <a:buNone/>
-            </a:pPr>
-            <a:fld id="{00000000-1234-1234-1234-123412341234}" type="slidenum">
-              <a:rPr lang="en-US"/>
-            </a:fld>
-            <a:endParaRPr lang="en-US"/>
-          </a:p>
-        </p:txBody>
-      </p:sp>
-      <p:sp>
-        <p:nvSpPr>
-          <p:cNvPr id="2" name="Title 1"/>
-          <p:cNvSpPr/>
-          <p:nvPr>
-            <p:ph type="title"/>
-          </p:nvPr>
-        </p:nvSpPr>
-        <p:spPr>
-          <a:xfrm>
-            <a:off x="838200" y="240665"/>
-            <a:ext cx="10515600" cy="979170"/>
-          </a:xfrm>
-        </p:spPr>
-        <p:txBody>
-          <a:bodyPr anchor="ctr" anchorCtr="0">
-            <a:normAutofit/>
-          </a:bodyPr>
-          <a:p>
-            <a:pPr algn="ctr">
-              <a:lnSpc>
-                <a:spcPct val="80000"/>
-              </a:lnSpc>
-            </a:pPr>
-            <a:r>
-              <a:rPr lang="en-US" b="1">
-                <a:latin typeface="Times New Roman" panose="02020603050405020304"/>
-                <a:ea typeface="Times New Roman" panose="02020603050405020304"/>
-                <a:cs typeface="Times New Roman" panose="02020603050405020304"/>
-                <a:sym typeface="Times New Roman" panose="02020603050405020304"/>
-              </a:rPr>
-              <a:t>Project Implementation Plan</a:t>
-            </a:r>
-            <a:endParaRPr lang="en-US"/>
-          </a:p>
-        </p:txBody>
-      </p:sp>
-    </p:spTree>
-  </p:cSld>
-  <p:clrMapOvr>
-    <a:masterClrMapping/>
-  </p:clrMapOvr>
-</p:sld>
-</file>
-
 <file path=ppt/slides/slide9.xml><?xml version="1.0" encoding="utf-8"?>
 <p:sld xmlns:a="http://schemas.openxmlformats.org/drawingml/2006/main" xmlns:r="http://schemas.openxmlformats.org/officeDocument/2006/relationships" xmlns:p="http://schemas.openxmlformats.org/presentationml/2006/main">
   <p:cSld>
@@ -17917,47 +16785,6 @@
         <p:nvPr/>
       </p:nvGrpSpPr>
       <p:grpSpPr/>
-      <p:sp>
-        <p:nvSpPr>
-          <p:cNvPr id="12" name="Title 11"/>
-          <p:cNvSpPr/>
-          <p:nvPr>
-            <p:ph type="title"/>
-          </p:nvPr>
-        </p:nvSpPr>
-        <p:spPr/>
-        <p:txBody>
-          <a:bodyPr/>
-          <a:p>
-            <a:pPr algn="ctr"/>
-            <a:r>
-              <a:rPr lang="en-US" b="1">
-                <a:latin typeface="Times New Roman" panose="02020603050405020304" charset="0"/>
-                <a:cs typeface="Times New Roman" panose="02020603050405020304" charset="0"/>
-                <a:sym typeface="+mn-ea"/>
-              </a:rPr>
-              <a:t>Preliminary Design</a:t>
-            </a:r>
-            <a:endParaRPr lang="en-US"/>
-          </a:p>
-        </p:txBody>
-      </p:sp>
-      <p:sp>
-        <p:nvSpPr>
-          <p:cNvPr id="13" name="Text Placeholder 12"/>
-          <p:cNvSpPr/>
-          <p:nvPr>
-            <p:ph type="body" idx="1"/>
-          </p:nvPr>
-        </p:nvSpPr>
-        <p:spPr/>
-        <p:txBody>
-          <a:bodyPr/>
-          <a:p>
-            <a:endParaRPr lang="en-US"/>
-          </a:p>
-        </p:txBody>
-      </p:sp>
       <p:sp>
         <p:nvSpPr>
           <p:cNvPr id="5" name="Slide Number Placeholder 4"/>
@@ -18006,7 +16833,7 @@
         </p:blipFill>
         <p:spPr>
           <a:xfrm>
-            <a:off x="816610" y="1691640"/>
+            <a:off x="911225" y="1207770"/>
             <a:ext cx="10537825" cy="4442460"/>
           </a:xfrm>
           <a:prstGeom prst="rect">

--- a/MP/PPT.pptx
+++ b/MP/PPT.pptx
@@ -23,7 +23,7 @@
     <p:sldId id="288" r:id="rId16"/>
     <p:sldId id="289" r:id="rId17"/>
     <p:sldId id="293" r:id="rId18"/>
-    <p:sldId id="294" r:id="rId19"/>
+    <p:sldId id="296" r:id="rId19"/>
     <p:sldId id="267" r:id="rId20"/>
   </p:sldIdLst>
   <p:sldSz cx="12192000" cy="6858000"/>
@@ -260,12 +260,12 @@
   <p:extLst>
     <p:ext uri="{EFAFB233-063F-42B5-8137-9DF3F51BA10A}">
       <p15:sldGuideLst xmlns:p15="http://schemas.microsoft.com/office/powerpoint/2012/main">
-        <p15:guide id="1" orient="horz" pos="2157" userDrawn="1">
+        <p15:guide id="1" orient="horz" pos="2160" userDrawn="1">
           <p15:clr>
             <a:srgbClr val="A4A3A4"/>
           </p15:clr>
         </p15:guide>
-        <p15:guide id="2" pos="3813" userDrawn="1">
+        <p15:guide id="2" pos="3840" userDrawn="1">
           <p15:clr>
             <a:srgbClr val="A4A3A4"/>
           </p15:clr>
@@ -2017,6 +2017,50 @@
             <a:fld id="{00000000-1234-1234-1234-123412341234}" type="slidenum">
               <a:rPr lang="en-US"/>
             </a:fld>
+            <a:endParaRPr lang="en-US"/>
+          </a:p>
+        </p:txBody>
+      </p:sp>
+    </p:spTree>
+  </p:cSld>
+  <p:clrMapOvr>
+    <a:masterClrMapping/>
+  </p:clrMapOvr>
+</p:notes>
+</file>
+
+<file path=ppt/notesSlides/notesSlide6.xml><?xml version="1.0" encoding="utf-8"?>
+<p:notes xmlns:a="http://schemas.openxmlformats.org/drawingml/2006/main" xmlns:r="http://schemas.openxmlformats.org/officeDocument/2006/relationships" xmlns:p="http://schemas.openxmlformats.org/presentationml/2006/main">
+  <p:cSld>
+    <p:spTree>
+      <p:nvGrpSpPr>
+        <p:cNvPr id="1" name=""/>
+        <p:cNvGrpSpPr/>
+        <p:nvPr/>
+      </p:nvGrpSpPr>
+      <p:grpSpPr/>
+      <p:sp>
+        <p:nvSpPr>
+          <p:cNvPr id="2" name="Slide Image Placeholder 1"/>
+          <p:cNvSpPr/>
+          <p:nvPr>
+            <p:ph type="sldImg" idx="3"/>
+          </p:nvPr>
+        </p:nvSpPr>
+        <p:spPr/>
+      </p:sp>
+      <p:sp>
+        <p:nvSpPr>
+          <p:cNvPr id="3" name="Text Placeholder 2"/>
+          <p:cNvSpPr/>
+          <p:nvPr>
+            <p:ph type="body" idx="1"/>
+          </p:nvPr>
+        </p:nvSpPr>
+        <p:spPr/>
+        <p:txBody>
+          <a:bodyPr/>
+          <a:p>
             <a:endParaRPr lang="en-US"/>
           </a:p>
         </p:txBody>
@@ -14369,7 +14413,7 @@
         <p:spPr>
           <a:xfrm>
             <a:off x="328295" y="1560195"/>
-            <a:ext cx="5506720" cy="4617085"/>
+            <a:ext cx="5325110" cy="4465320"/>
           </a:xfrm>
           <a:prstGeom prst="rect">
             <a:avLst/>
@@ -14392,14 +14436,49 @@
         </p:blipFill>
         <p:spPr>
           <a:xfrm>
-            <a:off x="6573520" y="1560195"/>
-            <a:ext cx="5266690" cy="4627245"/>
+            <a:off x="6729730" y="1560195"/>
+            <a:ext cx="5110480" cy="4490085"/>
           </a:xfrm>
           <a:prstGeom prst="rect">
             <a:avLst/>
           </a:prstGeom>
         </p:spPr>
       </p:pic>
+      <p:sp>
+        <p:nvSpPr>
+          <p:cNvPr id="2" name="Text Box 1"/>
+          <p:cNvSpPr txBox="1"/>
+          <p:nvPr/>
+        </p:nvSpPr>
+        <p:spPr>
+          <a:xfrm>
+            <a:off x="5394325" y="6137910"/>
+            <a:ext cx="1403985" cy="583565"/>
+          </a:xfrm>
+          <a:prstGeom prst="rect">
+            <a:avLst/>
+          </a:prstGeom>
+          <a:noFill/>
+        </p:spPr>
+        <p:txBody>
+          <a:bodyPr wrap="square" rtlCol="0">
+            <a:spAutoFit/>
+          </a:bodyPr>
+          <a:p>
+            <a:r>
+              <a:rPr lang="en-US" sz="3200" b="1">
+                <a:latin typeface="Times New Roman" panose="02020603050405020304" charset="0"/>
+                <a:cs typeface="Times New Roman" panose="02020603050405020304" charset="0"/>
+              </a:rPr>
+              <a:t>PHQ-9</a:t>
+            </a:r>
+            <a:endParaRPr lang="en-US" sz="3200" b="1">
+              <a:latin typeface="Times New Roman" panose="02020603050405020304" charset="0"/>
+              <a:cs typeface="Times New Roman" panose="02020603050405020304" charset="0"/>
+            </a:endParaRPr>
+          </a:p>
+        </p:txBody>
+      </p:sp>
     </p:spTree>
   </p:cSld>
   <p:clrMapOvr>
@@ -14420,49 +14499,33 @@
       <p:grpSpPr/>
       <p:sp>
         <p:nvSpPr>
-          <p:cNvPr id="2" name="Title 1"/>
+          <p:cNvPr id="6" name="Title 5"/>
           <p:cNvSpPr/>
           <p:nvPr>
             <p:ph type="title"/>
           </p:nvPr>
         </p:nvSpPr>
-        <p:spPr/>
+        <p:spPr>
+          <a:xfrm>
+            <a:off x="838200" y="146050"/>
+            <a:ext cx="10515600" cy="1325563"/>
+          </a:xfrm>
+        </p:spPr>
         <p:txBody>
           <a:bodyPr/>
           <a:p>
-            <a:endParaRPr lang="en-US"/>
-          </a:p>
-        </p:txBody>
-      </p:sp>
-      <p:sp>
-        <p:nvSpPr>
-          <p:cNvPr id="3" name="Text Placeholder 2"/>
-          <p:cNvSpPr/>
-          <p:nvPr>
-            <p:ph type="body" idx="1"/>
-          </p:nvPr>
-        </p:nvSpPr>
-        <p:spPr/>
-        <p:txBody>
-          <a:bodyPr/>
-          <a:p>
-            <a:endParaRPr lang="en-US"/>
-          </a:p>
-        </p:txBody>
-      </p:sp>
-      <p:sp>
-        <p:nvSpPr>
-          <p:cNvPr id="4" name="Text Placeholder 3"/>
-          <p:cNvSpPr/>
-          <p:nvPr>
-            <p:ph type="body" idx="2"/>
-          </p:nvPr>
-        </p:nvSpPr>
-        <p:spPr/>
-        <p:txBody>
-          <a:bodyPr/>
-          <a:p>
-            <a:endParaRPr lang="en-US"/>
+            <a:pPr algn="ctr"/>
+            <a:r>
+              <a:rPr lang="en-US" b="1">
+                <a:latin typeface="Times New Roman" panose="02020603050405020304" charset="0"/>
+                <a:cs typeface="Times New Roman" panose="02020603050405020304" charset="0"/>
+              </a:rPr>
+              <a:t>Results and Outputs</a:t>
+            </a:r>
+            <a:endParaRPr lang="en-US" b="1">
+              <a:latin typeface="Times New Roman" panose="02020603050405020304" charset="0"/>
+              <a:cs typeface="Times New Roman" panose="02020603050405020304" charset="0"/>
+            </a:endParaRPr>
           </a:p>
         </p:txBody>
       </p:sp>
@@ -14493,6 +14556,91 @@
               <a:rPr lang="en-US"/>
             </a:fld>
             <a:endParaRPr lang="en-US"/>
+          </a:p>
+        </p:txBody>
+      </p:sp>
+      <p:pic>
+        <p:nvPicPr>
+          <p:cNvPr id="2" name="Picture Placeholder 1" descr="Screenshot (111)"/>
+          <p:cNvPicPr>
+            <a:picLocks noChangeAspect="1"/>
+          </p:cNvPicPr>
+          <p:nvPr>
+            <p:ph type="pic" idx="4294967295"/>
+          </p:nvPr>
+        </p:nvPicPr>
+        <p:blipFill>
+          <a:blip r:embed="rId1"/>
+          <a:stretch>
+            <a:fillRect/>
+          </a:stretch>
+        </p:blipFill>
+        <p:spPr>
+          <a:xfrm>
+            <a:off x="462280" y="1607820"/>
+            <a:ext cx="5465445" cy="4338955"/>
+          </a:xfrm>
+          <a:prstGeom prst="rect">
+            <a:avLst/>
+          </a:prstGeom>
+        </p:spPr>
+      </p:pic>
+      <p:pic>
+        <p:nvPicPr>
+          <p:cNvPr id="7" name="Picture 6" descr="Screenshot (109)"/>
+          <p:cNvPicPr>
+            <a:picLocks noChangeAspect="1"/>
+          </p:cNvPicPr>
+          <p:nvPr/>
+        </p:nvPicPr>
+        <p:blipFill>
+          <a:blip r:embed="rId2"/>
+          <a:stretch>
+            <a:fillRect/>
+          </a:stretch>
+        </p:blipFill>
+        <p:spPr>
+          <a:xfrm>
+            <a:off x="6223635" y="1607820"/>
+            <a:ext cx="5374640" cy="4339590"/>
+          </a:xfrm>
+          <a:prstGeom prst="rect">
+            <a:avLst/>
+          </a:prstGeom>
+        </p:spPr>
+      </p:pic>
+      <p:sp>
+        <p:nvSpPr>
+          <p:cNvPr id="9" name="Text Box 8"/>
+          <p:cNvSpPr txBox="1"/>
+          <p:nvPr/>
+        </p:nvSpPr>
+        <p:spPr>
+          <a:xfrm>
+            <a:off x="5295900" y="6146800"/>
+            <a:ext cx="1600200" cy="583565"/>
+          </a:xfrm>
+          <a:prstGeom prst="rect">
+            <a:avLst/>
+          </a:prstGeom>
+          <a:noFill/>
+        </p:spPr>
+        <p:txBody>
+          <a:bodyPr wrap="square" rtlCol="0">
+            <a:spAutoFit/>
+          </a:bodyPr>
+          <a:p>
+            <a:r>
+              <a:rPr lang="en-US" sz="3200" b="1">
+                <a:latin typeface="Times New Roman" panose="02020603050405020304" charset="0"/>
+                <a:cs typeface="Times New Roman" panose="02020603050405020304" charset="0"/>
+              </a:rPr>
+              <a:t>SAS-SV</a:t>
+            </a:r>
+            <a:endParaRPr lang="en-US" sz="3200" b="1">
+              <a:latin typeface="Times New Roman" panose="02020603050405020304" charset="0"/>
+              <a:cs typeface="Times New Roman" panose="02020603050405020304" charset="0"/>
+            </a:endParaRPr>
           </a:p>
         </p:txBody>
       </p:sp>

--- a/MP/PPT.pptx
+++ b/MP/PPT.pptx
@@ -23,8 +23,13 @@
     <p:sldId id="288" r:id="rId16"/>
     <p:sldId id="289" r:id="rId17"/>
     <p:sldId id="293" r:id="rId18"/>
-    <p:sldId id="296" r:id="rId19"/>
-    <p:sldId id="267" r:id="rId20"/>
+    <p:sldId id="299" r:id="rId19"/>
+    <p:sldId id="296" r:id="rId20"/>
+    <p:sldId id="298" r:id="rId21"/>
+    <p:sldId id="300" r:id="rId22"/>
+    <p:sldId id="301" r:id="rId23"/>
+    <p:sldId id="302" r:id="rId24"/>
+    <p:sldId id="267" r:id="rId25"/>
   </p:sldIdLst>
   <p:sldSz cx="12192000" cy="6858000"/>
   <p:notesSz cx="6858000" cy="9144000"/>
@@ -13634,20 +13639,25 @@
             <p:ph type="title"/>
           </p:nvPr>
         </p:nvSpPr>
-        <p:spPr/>
+        <p:spPr>
+          <a:xfrm>
+            <a:off x="838200" y="177800"/>
+            <a:ext cx="10515600" cy="1325563"/>
+          </a:xfrm>
+        </p:spPr>
         <p:txBody>
           <a:bodyPr/>
           <a:p>
             <a:pPr algn="ctr"/>
             <a:r>
-              <a:rPr lang="en-US">
+              <a:rPr lang="en-US" b="1">
                 <a:latin typeface="Times New Roman" panose="02020603050405020304" charset="0"/>
                 <a:cs typeface="Times New Roman" panose="02020603050405020304" charset="0"/>
                 <a:sym typeface="+mn-ea"/>
               </a:rPr>
               <a:t>Characteristics Identification</a:t>
             </a:r>
-            <a:endParaRPr lang="en-US"/>
+            <a:endParaRPr lang="en-US" b="1"/>
           </a:p>
         </p:txBody>
       </p:sp>
@@ -13733,20 +13743,25 @@
             <p:ph type="title"/>
           </p:nvPr>
         </p:nvSpPr>
-        <p:spPr/>
+        <p:spPr>
+          <a:xfrm>
+            <a:off x="838200" y="186690"/>
+            <a:ext cx="10515600" cy="1325563"/>
+          </a:xfrm>
+        </p:spPr>
         <p:txBody>
           <a:bodyPr/>
           <a:p>
             <a:pPr algn="ctr"/>
             <a:r>
-              <a:rPr lang="en-US">
+              <a:rPr lang="en-US" b="1">
                 <a:latin typeface="Times New Roman" panose="02020603050405020304" charset="0"/>
                 <a:cs typeface="Times New Roman" panose="02020603050405020304" charset="0"/>
                 <a:sym typeface="+mn-ea"/>
               </a:rPr>
               <a:t>Characteristics Identification</a:t>
             </a:r>
-            <a:endParaRPr lang="en-US"/>
+            <a:endParaRPr lang="en-US" b="1"/>
           </a:p>
         </p:txBody>
       </p:sp>
@@ -13909,13 +13924,13 @@
           <a:p>
             <a:pPr algn="ctr"/>
             <a:r>
-              <a:rPr lang="en-US">
+              <a:rPr lang="en-US" b="1">
                 <a:latin typeface="Times New Roman" panose="02020603050405020304" charset="0"/>
                 <a:cs typeface="Times New Roman" panose="02020603050405020304" charset="0"/>
               </a:rPr>
               <a:t>Features Analysis</a:t>
             </a:r>
-            <a:endParaRPr lang="en-US">
+            <a:endParaRPr lang="en-US" b="1">
               <a:latin typeface="Times New Roman" panose="02020603050405020304" charset="0"/>
               <a:cs typeface="Times New Roman" panose="02020603050405020304" charset="0"/>
             </a:endParaRPr>
@@ -14132,14 +14147,14 @@
           <a:p>
             <a:pPr algn="ctr"/>
             <a:r>
-              <a:rPr lang="en-US">
+              <a:rPr lang="en-US" b="1">
                 <a:latin typeface="Times New Roman" panose="02020603050405020304" charset="0"/>
                 <a:cs typeface="Times New Roman" panose="02020603050405020304" charset="0"/>
                 <a:sym typeface="+mn-ea"/>
               </a:rPr>
               <a:t>Features Analysis</a:t>
             </a:r>
-            <a:endParaRPr lang="en-US"/>
+            <a:endParaRPr lang="en-US" b="1"/>
           </a:p>
         </p:txBody>
       </p:sp>
@@ -14412,32 +14427,8 @@
         </p:blipFill>
         <p:spPr>
           <a:xfrm>
-            <a:off x="328295" y="1560195"/>
-            <a:ext cx="5325110" cy="4465320"/>
-          </a:xfrm>
-          <a:prstGeom prst="rect">
-            <a:avLst/>
-          </a:prstGeom>
-        </p:spPr>
-      </p:pic>
-      <p:pic>
-        <p:nvPicPr>
-          <p:cNvPr id="11" name="Picture 10" descr="Screenshot (106)"/>
-          <p:cNvPicPr>
-            <a:picLocks noChangeAspect="1"/>
-          </p:cNvPicPr>
-          <p:nvPr/>
-        </p:nvPicPr>
-        <p:blipFill>
-          <a:blip r:embed="rId2"/>
-          <a:stretch>
-            <a:fillRect/>
-          </a:stretch>
-        </p:blipFill>
-        <p:spPr>
-          <a:xfrm>
-            <a:off x="6729730" y="1560195"/>
-            <a:ext cx="5110480" cy="4490085"/>
+            <a:off x="2273300" y="1493520"/>
+            <a:ext cx="7644765" cy="4622800"/>
           </a:xfrm>
           <a:prstGeom prst="rect">
             <a:avLst/>
@@ -14499,6 +14490,110 @@
       <p:grpSpPr/>
       <p:sp>
         <p:nvSpPr>
+          <p:cNvPr id="10" name="Title 9"/>
+          <p:cNvSpPr/>
+          <p:nvPr>
+            <p:ph type="title"/>
+          </p:nvPr>
+        </p:nvSpPr>
+        <p:spPr>
+          <a:xfrm>
+            <a:off x="838200" y="135890"/>
+            <a:ext cx="10515600" cy="1325563"/>
+          </a:xfrm>
+        </p:spPr>
+        <p:txBody>
+          <a:bodyPr/>
+          <a:p>
+            <a:pPr algn="ctr"/>
+            <a:r>
+              <a:rPr lang="en-US" b="1">
+                <a:latin typeface="Times New Roman" panose="02020603050405020304" charset="0"/>
+                <a:cs typeface="Times New Roman" panose="02020603050405020304" charset="0"/>
+                <a:sym typeface="+mn-ea"/>
+              </a:rPr>
+              <a:t>Results and Outputs</a:t>
+            </a:r>
+            <a:endParaRPr lang="en-US"/>
+          </a:p>
+        </p:txBody>
+      </p:sp>
+      <p:sp>
+        <p:nvSpPr>
+          <p:cNvPr id="5" name="Slide Number Placeholder 4"/>
+          <p:cNvSpPr>
+            <a:spLocks noGrp="1"/>
+          </p:cNvSpPr>
+          <p:nvPr>
+            <p:ph type="sldNum" idx="12"/>
+          </p:nvPr>
+        </p:nvSpPr>
+        <p:spPr/>
+        <p:txBody>
+          <a:bodyPr/>
+          <a:p>
+            <a:pPr marL="0" lvl="0" indent="0" algn="r" rtl="0">
+              <a:spcBef>
+                <a:spcPts val="0"/>
+              </a:spcBef>
+              <a:spcAft>
+                <a:spcPts val="0"/>
+              </a:spcAft>
+              <a:buNone/>
+            </a:pPr>
+            <a:fld id="{00000000-1234-1234-1234-123412341234}" type="slidenum">
+              <a:rPr lang="en-US"/>
+            </a:fld>
+            <a:endParaRPr lang="en-US"/>
+          </a:p>
+        </p:txBody>
+      </p:sp>
+      <p:pic>
+        <p:nvPicPr>
+          <p:cNvPr id="11" name="Picture Placeholder 10" descr="Screenshot (106)"/>
+          <p:cNvPicPr>
+            <a:picLocks noChangeAspect="1"/>
+          </p:cNvPicPr>
+          <p:nvPr>
+            <p:ph type="pic" idx="4294967295"/>
+          </p:nvPr>
+        </p:nvPicPr>
+        <p:blipFill>
+          <a:blip r:embed="rId1"/>
+          <a:stretch>
+            <a:fillRect/>
+          </a:stretch>
+        </p:blipFill>
+        <p:spPr>
+          <a:xfrm>
+            <a:off x="2724785" y="1461770"/>
+            <a:ext cx="6743065" cy="4879975"/>
+          </a:xfrm>
+          <a:prstGeom prst="rect">
+            <a:avLst/>
+          </a:prstGeom>
+        </p:spPr>
+      </p:pic>
+    </p:spTree>
+  </p:cSld>
+  <p:clrMapOvr>
+    <a:masterClrMapping/>
+  </p:clrMapOvr>
+</p:sld>
+</file>
+
+<file path=ppt/slides/slide17.xml><?xml version="1.0" encoding="utf-8"?>
+<p:sld xmlns:a="http://schemas.openxmlformats.org/drawingml/2006/main" xmlns:r="http://schemas.openxmlformats.org/officeDocument/2006/relationships" xmlns:p="http://schemas.openxmlformats.org/presentationml/2006/main">
+  <p:cSld>
+    <p:spTree>
+      <p:nvGrpSpPr>
+        <p:cNvPr id="1" name=""/>
+        <p:cNvGrpSpPr/>
+        <p:nvPr/>
+      </p:nvGrpSpPr>
+      <p:grpSpPr/>
+      <p:sp>
+        <p:nvSpPr>
           <p:cNvPr id="6" name="Title 5"/>
           <p:cNvSpPr/>
           <p:nvPr>
@@ -14577,32 +14672,8 @@
         </p:blipFill>
         <p:spPr>
           <a:xfrm>
-            <a:off x="462280" y="1607820"/>
-            <a:ext cx="5465445" cy="4338955"/>
-          </a:xfrm>
-          <a:prstGeom prst="rect">
-            <a:avLst/>
-          </a:prstGeom>
-        </p:spPr>
-      </p:pic>
-      <p:pic>
-        <p:nvPicPr>
-          <p:cNvPr id="7" name="Picture 6" descr="Screenshot (109)"/>
-          <p:cNvPicPr>
-            <a:picLocks noChangeAspect="1"/>
-          </p:cNvPicPr>
-          <p:nvPr/>
-        </p:nvPicPr>
-        <p:blipFill>
-          <a:blip r:embed="rId2"/>
-          <a:stretch>
-            <a:fillRect/>
-          </a:stretch>
-        </p:blipFill>
-        <p:spPr>
-          <a:xfrm>
-            <a:off x="6223635" y="1607820"/>
-            <a:ext cx="5374640" cy="4339590"/>
+            <a:off x="1727200" y="1471930"/>
+            <a:ext cx="8881745" cy="4643120"/>
           </a:xfrm>
           <a:prstGeom prst="rect">
             <a:avLst/>
@@ -14617,7 +14688,7 @@
         </p:nvSpPr>
         <p:spPr>
           <a:xfrm>
-            <a:off x="5295900" y="6146800"/>
+            <a:off x="5295900" y="6137910"/>
             <a:ext cx="1600200" cy="583565"/>
           </a:xfrm>
           <a:prstGeom prst="rect">
@@ -14652,7 +14723,7 @@
 </p:sld>
 </file>
 
-<file path=ppt/slides/slide17.xml><?xml version="1.0" encoding="utf-8"?>
+<file path=ppt/slides/slide18.xml><?xml version="1.0" encoding="utf-8"?>
 <p:sld xmlns:a="http://schemas.openxmlformats.org/drawingml/2006/main" xmlns:r="http://schemas.openxmlformats.org/officeDocument/2006/relationships" xmlns:p="http://schemas.openxmlformats.org/presentationml/2006/main">
   <p:cSld>
     <p:spTree>
@@ -14664,6 +14735,142 @@
       <p:grpSpPr/>
       <p:sp>
         <p:nvSpPr>
+          <p:cNvPr id="9" name="Title 8"/>
+          <p:cNvSpPr/>
+          <p:nvPr>
+            <p:ph type="title"/>
+          </p:nvPr>
+        </p:nvSpPr>
+        <p:spPr>
+          <a:xfrm>
+            <a:off x="838200" y="93980"/>
+            <a:ext cx="10515600" cy="1325563"/>
+          </a:xfrm>
+        </p:spPr>
+        <p:txBody>
+          <a:bodyPr/>
+          <a:p>
+            <a:pPr algn="ctr"/>
+            <a:r>
+              <a:rPr lang="en-US" b="1">
+                <a:latin typeface="Times New Roman" panose="02020603050405020304" charset="0"/>
+                <a:cs typeface="Times New Roman" panose="02020603050405020304" charset="0"/>
+                <a:sym typeface="+mn-ea"/>
+              </a:rPr>
+              <a:t>Results and Outputs</a:t>
+            </a:r>
+            <a:endParaRPr lang="en-US"/>
+          </a:p>
+        </p:txBody>
+      </p:sp>
+      <p:sp>
+        <p:nvSpPr>
+          <p:cNvPr id="5" name="Slide Number Placeholder 4"/>
+          <p:cNvSpPr>
+            <a:spLocks noGrp="1"/>
+          </p:cNvSpPr>
+          <p:nvPr>
+            <p:ph type="sldNum" idx="12"/>
+          </p:nvPr>
+        </p:nvSpPr>
+        <p:spPr/>
+        <p:txBody>
+          <a:bodyPr/>
+          <a:p>
+            <a:pPr marL="0" lvl="0" indent="0" algn="r" rtl="0">
+              <a:spcBef>
+                <a:spcPts val="0"/>
+              </a:spcBef>
+              <a:spcAft>
+                <a:spcPts val="0"/>
+              </a:spcAft>
+              <a:buNone/>
+            </a:pPr>
+            <a:fld id="{00000000-1234-1234-1234-123412341234}" type="slidenum">
+              <a:rPr lang="en-US"/>
+            </a:fld>
+            <a:endParaRPr lang="en-US"/>
+          </a:p>
+        </p:txBody>
+      </p:sp>
+      <p:pic>
+        <p:nvPicPr>
+          <p:cNvPr id="8" name="Picture Placeholder 7" descr="Screenshot (109)"/>
+          <p:cNvPicPr>
+            <a:picLocks noChangeAspect="1"/>
+          </p:cNvPicPr>
+          <p:nvPr>
+            <p:ph type="pic" idx="4294967295"/>
+          </p:nvPr>
+        </p:nvPicPr>
+        <p:blipFill>
+          <a:blip r:embed="rId1"/>
+          <a:stretch>
+            <a:fillRect/>
+          </a:stretch>
+        </p:blipFill>
+        <p:spPr>
+          <a:xfrm>
+            <a:off x="2479040" y="1419860"/>
+            <a:ext cx="7233285" cy="4936490"/>
+          </a:xfrm>
+          <a:prstGeom prst="rect">
+            <a:avLst/>
+          </a:prstGeom>
+        </p:spPr>
+      </p:pic>
+    </p:spTree>
+  </p:cSld>
+  <p:clrMapOvr>
+    <a:masterClrMapping/>
+  </p:clrMapOvr>
+</p:sld>
+</file>
+
+<file path=ppt/slides/slide19.xml><?xml version="1.0" encoding="utf-8"?>
+<p:sld xmlns:a="http://schemas.openxmlformats.org/drawingml/2006/main" xmlns:r="http://schemas.openxmlformats.org/officeDocument/2006/relationships" xmlns:p="http://schemas.openxmlformats.org/presentationml/2006/main">
+  <p:cSld>
+    <p:spTree>
+      <p:nvGrpSpPr>
+        <p:cNvPr id="1" name=""/>
+        <p:cNvGrpSpPr/>
+        <p:nvPr/>
+      </p:nvGrpSpPr>
+      <p:grpSpPr/>
+      <p:sp>
+        <p:nvSpPr>
+          <p:cNvPr id="6" name="Title 5"/>
+          <p:cNvSpPr/>
+          <p:nvPr>
+            <p:ph type="title"/>
+          </p:nvPr>
+        </p:nvSpPr>
+        <p:spPr>
+          <a:xfrm>
+            <a:off x="838200" y="114935"/>
+            <a:ext cx="10515600" cy="1325563"/>
+          </a:xfrm>
+        </p:spPr>
+        <p:txBody>
+          <a:bodyPr/>
+          <a:p>
+            <a:pPr algn="ctr"/>
+            <a:r>
+              <a:rPr lang="en-US" b="1">
+                <a:latin typeface="Times New Roman" panose="02020603050405020304" charset="0"/>
+                <a:cs typeface="Times New Roman" panose="02020603050405020304" charset="0"/>
+              </a:rPr>
+              <a:t>Conclusion</a:t>
+            </a:r>
+            <a:endParaRPr lang="en-US" b="1">
+              <a:latin typeface="Times New Roman" panose="02020603050405020304" charset="0"/>
+              <a:cs typeface="Times New Roman" panose="02020603050405020304" charset="0"/>
+            </a:endParaRPr>
+          </a:p>
+        </p:txBody>
+      </p:sp>
+      <p:sp>
+        <p:nvSpPr>
           <p:cNvPr id="7" name="Text Placeholder 6"/>
           <p:cNvSpPr/>
           <p:nvPr>
@@ -14672,24 +14879,85 @@
         </p:nvSpPr>
         <p:spPr>
           <a:xfrm>
-            <a:off x="4031615" y="2878455"/>
-            <a:ext cx="4128770" cy="1100455"/>
+            <a:off x="838200" y="1654810"/>
+            <a:ext cx="10515600" cy="4700905"/>
           </a:xfrm>
         </p:spPr>
         <p:txBody>
-          <a:bodyPr anchor="ctr" anchorCtr="0"/>
+          <a:bodyPr>
+            <a:noAutofit/>
+          </a:bodyPr>
           <a:p>
-            <a:pPr marL="114300" indent="0" algn="ctr" fontAlgn="ctr">
-              <a:lnSpc>
-                <a:spcPct val="100000"/>
-              </a:lnSpc>
-              <a:buNone/>
-            </a:pPr>
             <a:r>
-              <a:rPr lang="en-US" sz="5000" b="1"/>
-              <a:t>THANK YOU!</a:t>
+              <a:rPr lang="en-US" sz="2000" b="1">
+                <a:latin typeface="Times New Roman" panose="02020603050405020304" charset="0"/>
+                <a:cs typeface="Times New Roman" panose="02020603050405020304" charset="0"/>
+              </a:rPr>
+              <a:t>Predictive Modeling for Mental Health Assessment: </a:t>
             </a:r>
-            <a:endParaRPr lang="en-US" sz="5000" b="1"/>
+            <a:r>
+              <a:rPr lang="en-US" sz="2000">
+                <a:latin typeface="Times New Roman" panose="02020603050405020304" charset="0"/>
+                <a:cs typeface="Times New Roman" panose="02020603050405020304" charset="0"/>
+              </a:rPr>
+              <a:t>Leveraging machine learning techniques, we explored predictive models for mental health assessment using three widely recognized scales: SAS-SV for smartphone addiction, PHQ-9 for depression severity, and GAD-7 for generalized anxiety disorder.</a:t>
+            </a:r>
+            <a:endParaRPr lang="en-US" sz="2000">
+              <a:latin typeface="Times New Roman" panose="02020603050405020304" charset="0"/>
+              <a:cs typeface="Times New Roman" panose="02020603050405020304" charset="0"/>
+            </a:endParaRPr>
+          </a:p>
+          <a:p>
+            <a:endParaRPr lang="en-US" sz="2000">
+              <a:latin typeface="Times New Roman" panose="02020603050405020304" charset="0"/>
+              <a:cs typeface="Times New Roman" panose="02020603050405020304" charset="0"/>
+            </a:endParaRPr>
+          </a:p>
+          <a:p>
+            <a:r>
+              <a:rPr lang="en-US" sz="2000" b="1">
+                <a:latin typeface="Times New Roman" panose="02020603050405020304" charset="0"/>
+                <a:cs typeface="Times New Roman" panose="02020603050405020304" charset="0"/>
+              </a:rPr>
+              <a:t>Clinical Utility and Implications:</a:t>
+            </a:r>
+            <a:r>
+              <a:rPr lang="en-US" sz="2000">
+                <a:latin typeface="Times New Roman" panose="02020603050405020304" charset="0"/>
+                <a:cs typeface="Times New Roman" panose="02020603050405020304" charset="0"/>
+              </a:rPr>
+              <a:t> The predictive models demonstrated promising performance in detecting and assessing mental health conditions, offering potential benefits for early intervention and personalized treatment planning. </a:t>
+            </a:r>
+            <a:endParaRPr lang="en-US" sz="2000">
+              <a:latin typeface="Times New Roman" panose="02020603050405020304" charset="0"/>
+              <a:cs typeface="Times New Roman" panose="02020603050405020304" charset="0"/>
+            </a:endParaRPr>
+          </a:p>
+          <a:p>
+            <a:endParaRPr lang="en-US" sz="2000">
+              <a:latin typeface="Times New Roman" panose="02020603050405020304" charset="0"/>
+              <a:cs typeface="Times New Roman" panose="02020603050405020304" charset="0"/>
+            </a:endParaRPr>
+          </a:p>
+          <a:p>
+            <a:r>
+              <a:rPr lang="en-US" sz="2000" b="1">
+                <a:latin typeface="Times New Roman" panose="02020603050405020304" charset="0"/>
+                <a:cs typeface="Times New Roman" panose="02020603050405020304" charset="0"/>
+              </a:rPr>
+              <a:t>Future Directions and Considerations:</a:t>
+            </a:r>
+            <a:r>
+              <a:rPr lang="en-US" sz="2000">
+                <a:latin typeface="Times New Roman" panose="02020603050405020304" charset="0"/>
+                <a:cs typeface="Times New Roman" panose="02020603050405020304" charset="0"/>
+              </a:rPr>
+              <a:t> While our study yields valuable insights, further research is warranted to enhance model accuracy, generalizability, and interpretability. Future efforts may focus on refining predictive algorithms, validating models across diverse populations, and integrating additional psychometric scales for comprehensive mental health assessment.</a:t>
+            </a:r>
+            <a:endParaRPr lang="en-US" sz="2000">
+              <a:latin typeface="Times New Roman" panose="02020603050405020304" charset="0"/>
+              <a:cs typeface="Times New Roman" panose="02020603050405020304" charset="0"/>
+            </a:endParaRPr>
           </a:p>
         </p:txBody>
       </p:sp>
@@ -14951,69 +15219,7 @@
                 <a:cs typeface="Times New Roman" panose="02020603050405020304"/>
                 <a:sym typeface="Times New Roman" panose="02020603050405020304"/>
               </a:rPr>
-              <a:t>Preliminary Design of Project</a:t>
-            </a:r>
-            <a:endParaRPr lang="en-US" sz="3200">
-              <a:latin typeface="Times New Roman" panose="02020603050405020304"/>
-              <a:ea typeface="Times New Roman" panose="02020603050405020304"/>
-              <a:cs typeface="Times New Roman" panose="02020603050405020304"/>
-              <a:sym typeface="Times New Roman" panose="02020603050405020304"/>
-            </a:endParaRPr>
-          </a:p>
-          <a:p>
-            <a:pPr marL="457200" lvl="0" indent="-368300" algn="l" rtl="0">
-              <a:lnSpc>
-                <a:spcPct val="90000"/>
-              </a:lnSpc>
-              <a:spcBef>
-                <a:spcPts val="0"/>
-              </a:spcBef>
-              <a:spcAft>
-                <a:spcPts val="0"/>
-              </a:spcAft>
-              <a:buSzPts val="2200"/>
-              <a:buFont typeface="Times New Roman" panose="02020603050405020304"/>
-              <a:buChar char="•"/>
-            </a:pPr>
-            <a:r>
-              <a:rPr lang="en-US" sz="3200">
-                <a:latin typeface="Times New Roman" panose="02020603050405020304"/>
-                <a:ea typeface="Times New Roman" panose="02020603050405020304"/>
-                <a:cs typeface="Times New Roman" panose="02020603050405020304"/>
-                <a:sym typeface="Times New Roman" panose="02020603050405020304"/>
-              </a:rPr>
               <a:t>Methodology used</a:t>
-            </a:r>
-            <a:endParaRPr lang="en-US" sz="3200">
-              <a:latin typeface="Times New Roman" panose="02020603050405020304"/>
-              <a:ea typeface="Times New Roman" panose="02020603050405020304"/>
-              <a:cs typeface="Times New Roman" panose="02020603050405020304"/>
-              <a:sym typeface="Times New Roman" panose="02020603050405020304"/>
-            </a:endParaRPr>
-          </a:p>
-          <a:p>
-            <a:pPr marL="457200" lvl="0" indent="-368300" algn="l" rtl="0">
-              <a:lnSpc>
-                <a:spcPct val="90000"/>
-              </a:lnSpc>
-              <a:spcBef>
-                <a:spcPts val="0"/>
-              </a:spcBef>
-              <a:spcAft>
-                <a:spcPts val="0"/>
-              </a:spcAft>
-              <a:buSzPts val="2200"/>
-              <a:buFont typeface="Times New Roman" panose="02020603050405020304"/>
-              <a:buChar char="•"/>
-            </a:pPr>
-            <a:r>
-              <a:rPr lang="en-US" sz="3200">
-                <a:latin typeface="Times New Roman" panose="02020603050405020304"/>
-                <a:ea typeface="Times New Roman" panose="02020603050405020304"/>
-                <a:cs typeface="Times New Roman" panose="02020603050405020304"/>
-                <a:sym typeface="Times New Roman" panose="02020603050405020304"/>
-              </a:rPr>
-              <a:t>Characteristics Identification</a:t>
             </a:r>
             <a:endParaRPr lang="en-US" sz="3200">
               <a:latin typeface="Times New Roman" panose="02020603050405020304"/>
@@ -15045,6 +15251,130 @@
                 <a:sym typeface="Times New Roman" panose="02020603050405020304"/>
               </a:rPr>
               <a:t>Features Analysis of Project</a:t>
+            </a:r>
+            <a:endParaRPr lang="en-US" sz="3200">
+              <a:latin typeface="Times New Roman" panose="02020603050405020304"/>
+              <a:ea typeface="Times New Roman" panose="02020603050405020304"/>
+              <a:cs typeface="Times New Roman" panose="02020603050405020304"/>
+              <a:sym typeface="Times New Roman" panose="02020603050405020304"/>
+            </a:endParaRPr>
+          </a:p>
+          <a:p>
+            <a:pPr marL="457200" lvl="0" indent="-368300" algn="l" rtl="0">
+              <a:lnSpc>
+                <a:spcPct val="90000"/>
+              </a:lnSpc>
+              <a:spcBef>
+                <a:spcPts val="0"/>
+              </a:spcBef>
+              <a:spcAft>
+                <a:spcPts val="0"/>
+              </a:spcAft>
+              <a:buSzPts val="2200"/>
+              <a:buFont typeface="Times New Roman" panose="02020603050405020304"/>
+              <a:buChar char="•"/>
+            </a:pPr>
+            <a:r>
+              <a:rPr lang="en-US" sz="3200">
+                <a:latin typeface="Times New Roman" panose="02020603050405020304"/>
+                <a:ea typeface="Times New Roman" panose="02020603050405020304"/>
+                <a:cs typeface="Times New Roman" panose="02020603050405020304"/>
+                <a:sym typeface="Times New Roman" panose="02020603050405020304"/>
+              </a:rPr>
+              <a:t>Results and Outputs</a:t>
+            </a:r>
+            <a:endParaRPr lang="en-US" sz="3200">
+              <a:latin typeface="Times New Roman" panose="02020603050405020304"/>
+              <a:ea typeface="Times New Roman" panose="02020603050405020304"/>
+              <a:cs typeface="Times New Roman" panose="02020603050405020304"/>
+              <a:sym typeface="Times New Roman" panose="02020603050405020304"/>
+            </a:endParaRPr>
+          </a:p>
+          <a:p>
+            <a:pPr marL="457200" lvl="0" indent="-368300" algn="l" rtl="0">
+              <a:lnSpc>
+                <a:spcPct val="90000"/>
+              </a:lnSpc>
+              <a:spcBef>
+                <a:spcPts val="0"/>
+              </a:spcBef>
+              <a:spcAft>
+                <a:spcPts val="0"/>
+              </a:spcAft>
+              <a:buSzPts val="2200"/>
+              <a:buFont typeface="Times New Roman" panose="02020603050405020304"/>
+              <a:buChar char="•"/>
+            </a:pPr>
+            <a:r>
+              <a:rPr lang="en-US" sz="3200">
+                <a:latin typeface="Times New Roman" panose="02020603050405020304"/>
+                <a:ea typeface="Times New Roman" panose="02020603050405020304"/>
+                <a:cs typeface="Times New Roman" panose="02020603050405020304"/>
+                <a:sym typeface="Times New Roman" panose="02020603050405020304"/>
+              </a:rPr>
+              <a:t>Conclusion</a:t>
+            </a:r>
+            <a:endParaRPr lang="en-US" sz="3200">
+              <a:latin typeface="Times New Roman" panose="02020603050405020304"/>
+              <a:ea typeface="Times New Roman" panose="02020603050405020304"/>
+              <a:cs typeface="Times New Roman" panose="02020603050405020304"/>
+              <a:sym typeface="Times New Roman" panose="02020603050405020304"/>
+            </a:endParaRPr>
+          </a:p>
+          <a:p>
+            <a:pPr marL="457200" lvl="0" indent="-368300" algn="l" rtl="0">
+              <a:lnSpc>
+                <a:spcPct val="90000"/>
+              </a:lnSpc>
+              <a:spcBef>
+                <a:spcPts val="0"/>
+              </a:spcBef>
+              <a:spcAft>
+                <a:spcPts val="0"/>
+              </a:spcAft>
+              <a:buSzPts val="2200"/>
+              <a:buFont typeface="Times New Roman" panose="02020603050405020304"/>
+              <a:buChar char="•"/>
+            </a:pPr>
+            <a:r>
+              <a:rPr lang="en-US" sz="3200">
+                <a:latin typeface="Times New Roman" panose="02020603050405020304"/>
+                <a:ea typeface="Times New Roman" panose="02020603050405020304"/>
+                <a:cs typeface="Times New Roman" panose="02020603050405020304"/>
+                <a:sym typeface="Times New Roman" panose="02020603050405020304"/>
+              </a:rPr>
+              <a:t>Future Scope</a:t>
+            </a:r>
+            <a:endParaRPr lang="en-US" sz="3200">
+              <a:latin typeface="Times New Roman" panose="02020603050405020304"/>
+              <a:ea typeface="Times New Roman" panose="02020603050405020304"/>
+              <a:cs typeface="Times New Roman" panose="02020603050405020304"/>
+              <a:sym typeface="Times New Roman" panose="02020603050405020304"/>
+            </a:endParaRPr>
+          </a:p>
+          <a:p>
+            <a:pPr marL="457200" lvl="0" indent="-368300" algn="l" rtl="0">
+              <a:lnSpc>
+                <a:spcPct val="90000"/>
+              </a:lnSpc>
+              <a:spcBef>
+                <a:spcPts val="0"/>
+              </a:spcBef>
+              <a:spcAft>
+                <a:spcPts val="0"/>
+              </a:spcAft>
+              <a:buSzPts val="2200"/>
+              <a:buFont typeface="Times New Roman" panose="02020603050405020304"/>
+              <a:buChar char="•"/>
+            </a:pPr>
+            <a:r>
+              <a:rPr lang="en-US" sz="3200">
+                <a:latin typeface="Times New Roman" panose="02020603050405020304"/>
+                <a:ea typeface="Times New Roman" panose="02020603050405020304"/>
+                <a:cs typeface="Times New Roman" panose="02020603050405020304"/>
+                <a:sym typeface="Times New Roman" panose="02020603050405020304"/>
+              </a:rPr>
+              <a:t>References</a:t>
             </a:r>
             <a:endParaRPr sz="3200">
               <a:latin typeface="Times New Roman" panose="02020603050405020304"/>
@@ -15117,6 +15447,348 @@
             <a:noAutofit/>
           </a:bodyPr>
           <a:lstStyle/>
+          <a:p>
+            <a:pPr marL="0" lvl="0" indent="0" algn="r" rtl="0">
+              <a:spcBef>
+                <a:spcPts val="0"/>
+              </a:spcBef>
+              <a:spcAft>
+                <a:spcPts val="0"/>
+              </a:spcAft>
+              <a:buNone/>
+            </a:pPr>
+            <a:fld id="{00000000-1234-1234-1234-123412341234}" type="slidenum">
+              <a:rPr lang="en-US"/>
+            </a:fld>
+            <a:endParaRPr lang="en-US"/>
+          </a:p>
+        </p:txBody>
+      </p:sp>
+    </p:spTree>
+  </p:cSld>
+  <p:clrMapOvr>
+    <a:masterClrMapping/>
+  </p:clrMapOvr>
+</p:sld>
+</file>
+
+<file path=ppt/slides/slide20.xml><?xml version="1.0" encoding="utf-8"?>
+<p:sld xmlns:a="http://schemas.openxmlformats.org/drawingml/2006/main" xmlns:r="http://schemas.openxmlformats.org/officeDocument/2006/relationships" xmlns:p="http://schemas.openxmlformats.org/presentationml/2006/main">
+  <p:cSld>
+    <p:spTree>
+      <p:nvGrpSpPr>
+        <p:cNvPr id="1" name=""/>
+        <p:cNvGrpSpPr/>
+        <p:nvPr/>
+      </p:nvGrpSpPr>
+      <p:grpSpPr/>
+      <p:sp>
+        <p:nvSpPr>
+          <p:cNvPr id="6" name="Title 5"/>
+          <p:cNvSpPr/>
+          <p:nvPr>
+            <p:ph type="title"/>
+          </p:nvPr>
+        </p:nvSpPr>
+        <p:spPr>
+          <a:xfrm>
+            <a:off x="838200" y="146685"/>
+            <a:ext cx="10515600" cy="1325563"/>
+          </a:xfrm>
+        </p:spPr>
+        <p:txBody>
+          <a:bodyPr/>
+          <a:p>
+            <a:pPr algn="ctr"/>
+            <a:r>
+              <a:rPr lang="en-US" b="1">
+                <a:latin typeface="Times New Roman" panose="02020603050405020304" charset="0"/>
+                <a:cs typeface="Times New Roman" panose="02020603050405020304" charset="0"/>
+              </a:rPr>
+              <a:t>Future Scope</a:t>
+            </a:r>
+            <a:endParaRPr lang="en-US" b="1">
+              <a:latin typeface="Times New Roman" panose="02020603050405020304" charset="0"/>
+              <a:cs typeface="Times New Roman" panose="02020603050405020304" charset="0"/>
+            </a:endParaRPr>
+          </a:p>
+        </p:txBody>
+      </p:sp>
+      <p:sp>
+        <p:nvSpPr>
+          <p:cNvPr id="7" name="Text Placeholder 6"/>
+          <p:cNvSpPr/>
+          <p:nvPr>
+            <p:ph type="body" idx="1"/>
+          </p:nvPr>
+        </p:nvSpPr>
+        <p:spPr>
+          <a:xfrm>
+            <a:off x="838200" y="1758315"/>
+            <a:ext cx="10515600" cy="4418965"/>
+          </a:xfrm>
+        </p:spPr>
+        <p:txBody>
+          <a:bodyPr>
+            <a:noAutofit/>
+          </a:bodyPr>
+          <a:p>
+            <a:r>
+              <a:rPr lang="en-US" sz="2000" b="1">
+                <a:latin typeface="Times New Roman" panose="02020603050405020304" charset="0"/>
+                <a:cs typeface="Times New Roman" panose="02020603050405020304" charset="0"/>
+              </a:rPr>
+              <a:t>Longitudinal Studies and Real-Time Monitoring:</a:t>
+            </a:r>
+            <a:r>
+              <a:rPr lang="en-US" sz="2000">
+                <a:latin typeface="Times New Roman" panose="02020603050405020304" charset="0"/>
+                <a:cs typeface="Times New Roman" panose="02020603050405020304" charset="0"/>
+              </a:rPr>
+              <a:t> Conduct longitudinal studies to track changes in mental health symptoms over time and develop real-time monitoring systems for early detection of relapse or deterioration. </a:t>
+            </a:r>
+            <a:endParaRPr lang="en-US" sz="2000">
+              <a:latin typeface="Times New Roman" panose="02020603050405020304" charset="0"/>
+              <a:cs typeface="Times New Roman" panose="02020603050405020304" charset="0"/>
+            </a:endParaRPr>
+          </a:p>
+          <a:p>
+            <a:endParaRPr lang="en-US" sz="2000">
+              <a:latin typeface="Times New Roman" panose="02020603050405020304" charset="0"/>
+              <a:cs typeface="Times New Roman" panose="02020603050405020304" charset="0"/>
+            </a:endParaRPr>
+          </a:p>
+          <a:p>
+            <a:r>
+              <a:rPr lang="en-US" sz="2000" b="1">
+                <a:latin typeface="Times New Roman" panose="02020603050405020304" charset="0"/>
+                <a:cs typeface="Times New Roman" panose="02020603050405020304" charset="0"/>
+              </a:rPr>
+              <a:t>Incorporation of Advanced Analytics Techniques:</a:t>
+            </a:r>
+            <a:r>
+              <a:rPr lang="en-US" sz="2000">
+                <a:latin typeface="Times New Roman" panose="02020603050405020304" charset="0"/>
+                <a:cs typeface="Times New Roman" panose="02020603050405020304" charset="0"/>
+              </a:rPr>
+              <a:t> Investigate advanced analytics techniques such as deep learning, natural language processing (NLP), and graph analytics to uncover hidden patterns, relationships, and risk factors in mental health data. </a:t>
+            </a:r>
+            <a:endParaRPr lang="en-US" sz="2000">
+              <a:latin typeface="Times New Roman" panose="02020603050405020304" charset="0"/>
+              <a:cs typeface="Times New Roman" panose="02020603050405020304" charset="0"/>
+            </a:endParaRPr>
+          </a:p>
+          <a:p>
+            <a:endParaRPr lang="en-US" sz="2000">
+              <a:latin typeface="Times New Roman" panose="02020603050405020304" charset="0"/>
+              <a:cs typeface="Times New Roman" panose="02020603050405020304" charset="0"/>
+            </a:endParaRPr>
+          </a:p>
+          <a:p>
+            <a:r>
+              <a:rPr lang="en-US" sz="2000" b="1">
+                <a:latin typeface="Times New Roman" panose="02020603050405020304" charset="0"/>
+                <a:cs typeface="Times New Roman" panose="02020603050405020304" charset="0"/>
+              </a:rPr>
+              <a:t>Collaboration with Mental Health Professionals and Stakeholders:</a:t>
+            </a:r>
+            <a:r>
+              <a:rPr lang="en-US" sz="2000">
+                <a:latin typeface="Times New Roman" panose="02020603050405020304" charset="0"/>
+                <a:cs typeface="Times New Roman" panose="02020603050405020304" charset="0"/>
+              </a:rPr>
+              <a:t> Foster collaboration between data scientists, mental health professionals, policymakers, and community stakeholders to co-create innovative solutions, address emerging challenges, and promote mental health awareness and advocacy. </a:t>
+            </a:r>
+            <a:endParaRPr lang="en-US" sz="2000">
+              <a:latin typeface="Times New Roman" panose="02020603050405020304" charset="0"/>
+              <a:cs typeface="Times New Roman" panose="02020603050405020304" charset="0"/>
+            </a:endParaRPr>
+          </a:p>
+        </p:txBody>
+      </p:sp>
+      <p:sp>
+        <p:nvSpPr>
+          <p:cNvPr id="5" name="Slide Number Placeholder 4"/>
+          <p:cNvSpPr>
+            <a:spLocks noGrp="1"/>
+          </p:cNvSpPr>
+          <p:nvPr>
+            <p:ph type="sldNum" idx="12"/>
+          </p:nvPr>
+        </p:nvSpPr>
+        <p:spPr/>
+        <p:txBody>
+          <a:bodyPr/>
+          <a:p>
+            <a:pPr marL="0" lvl="0" indent="0" algn="r" rtl="0">
+              <a:spcBef>
+                <a:spcPts val="0"/>
+              </a:spcBef>
+              <a:spcAft>
+                <a:spcPts val="0"/>
+              </a:spcAft>
+              <a:buNone/>
+            </a:pPr>
+            <a:fld id="{00000000-1234-1234-1234-123412341234}" type="slidenum">
+              <a:rPr lang="en-US"/>
+            </a:fld>
+            <a:endParaRPr lang="en-US"/>
+          </a:p>
+        </p:txBody>
+      </p:sp>
+    </p:spTree>
+  </p:cSld>
+  <p:clrMapOvr>
+    <a:masterClrMapping/>
+  </p:clrMapOvr>
+</p:sld>
+</file>
+
+<file path=ppt/slides/slide21.xml><?xml version="1.0" encoding="utf-8"?>
+<p:sld xmlns:a="http://schemas.openxmlformats.org/drawingml/2006/main" xmlns:r="http://schemas.openxmlformats.org/officeDocument/2006/relationships" xmlns:p="http://schemas.openxmlformats.org/presentationml/2006/main">
+  <p:cSld>
+    <p:spTree>
+      <p:nvGrpSpPr>
+        <p:cNvPr id="1" name=""/>
+        <p:cNvGrpSpPr/>
+        <p:nvPr/>
+      </p:nvGrpSpPr>
+      <p:grpSpPr/>
+      <p:sp>
+        <p:nvSpPr>
+          <p:cNvPr id="6" name="Title 5"/>
+          <p:cNvSpPr/>
+          <p:nvPr>
+            <p:ph type="title"/>
+          </p:nvPr>
+        </p:nvSpPr>
+        <p:spPr/>
+        <p:txBody>
+          <a:bodyPr/>
+          <a:p>
+            <a:pPr algn="ctr"/>
+            <a:r>
+              <a:rPr lang="en-US" b="1">
+                <a:latin typeface="Times New Roman" panose="02020603050405020304" charset="0"/>
+                <a:cs typeface="Times New Roman" panose="02020603050405020304" charset="0"/>
+              </a:rPr>
+              <a:t>References</a:t>
+            </a:r>
+            <a:endParaRPr lang="en-US" b="1">
+              <a:latin typeface="Times New Roman" panose="02020603050405020304" charset="0"/>
+              <a:cs typeface="Times New Roman" panose="02020603050405020304" charset="0"/>
+            </a:endParaRPr>
+          </a:p>
+        </p:txBody>
+      </p:sp>
+      <p:sp>
+        <p:nvSpPr>
+          <p:cNvPr id="7" name="Text Placeholder 6"/>
+          <p:cNvSpPr/>
+          <p:nvPr>
+            <p:ph type="body" idx="1"/>
+          </p:nvPr>
+        </p:nvSpPr>
+        <p:spPr/>
+        <p:txBody>
+          <a:bodyPr/>
+          <a:p>
+            <a:endParaRPr lang="en-US"/>
+          </a:p>
+        </p:txBody>
+      </p:sp>
+      <p:sp>
+        <p:nvSpPr>
+          <p:cNvPr id="5" name="Slide Number Placeholder 4"/>
+          <p:cNvSpPr>
+            <a:spLocks noGrp="1"/>
+          </p:cNvSpPr>
+          <p:nvPr>
+            <p:ph type="sldNum" idx="12"/>
+          </p:nvPr>
+        </p:nvSpPr>
+        <p:spPr/>
+        <p:txBody>
+          <a:bodyPr/>
+          <a:p>
+            <a:pPr marL="0" lvl="0" indent="0" algn="r" rtl="0">
+              <a:spcBef>
+                <a:spcPts val="0"/>
+              </a:spcBef>
+              <a:spcAft>
+                <a:spcPts val="0"/>
+              </a:spcAft>
+              <a:buNone/>
+            </a:pPr>
+            <a:fld id="{00000000-1234-1234-1234-123412341234}" type="slidenum">
+              <a:rPr lang="en-US"/>
+            </a:fld>
+            <a:endParaRPr lang="en-US"/>
+          </a:p>
+        </p:txBody>
+      </p:sp>
+    </p:spTree>
+  </p:cSld>
+  <p:clrMapOvr>
+    <a:masterClrMapping/>
+  </p:clrMapOvr>
+</p:sld>
+</file>
+
+<file path=ppt/slides/slide22.xml><?xml version="1.0" encoding="utf-8"?>
+<p:sld xmlns:a="http://schemas.openxmlformats.org/drawingml/2006/main" xmlns:r="http://schemas.openxmlformats.org/officeDocument/2006/relationships" xmlns:p="http://schemas.openxmlformats.org/presentationml/2006/main">
+  <p:cSld>
+    <p:spTree>
+      <p:nvGrpSpPr>
+        <p:cNvPr id="1" name=""/>
+        <p:cNvGrpSpPr/>
+        <p:nvPr/>
+      </p:nvGrpSpPr>
+      <p:grpSpPr/>
+      <p:sp>
+        <p:nvSpPr>
+          <p:cNvPr id="7" name="Text Placeholder 6"/>
+          <p:cNvSpPr/>
+          <p:nvPr>
+            <p:ph type="body" idx="1"/>
+          </p:nvPr>
+        </p:nvSpPr>
+        <p:spPr>
+          <a:xfrm>
+            <a:off x="4031615" y="2878455"/>
+            <a:ext cx="4128770" cy="1100455"/>
+          </a:xfrm>
+        </p:spPr>
+        <p:txBody>
+          <a:bodyPr anchor="ctr" anchorCtr="0"/>
+          <a:p>
+            <a:pPr marL="114300" indent="0" algn="ctr" fontAlgn="ctr">
+              <a:lnSpc>
+                <a:spcPct val="100000"/>
+              </a:lnSpc>
+              <a:buNone/>
+            </a:pPr>
+            <a:r>
+              <a:rPr lang="en-US" sz="5000" b="1"/>
+              <a:t>THANK YOU!</a:t>
+            </a:r>
+            <a:endParaRPr lang="en-US" sz="5000" b="1"/>
+          </a:p>
+        </p:txBody>
+      </p:sp>
+      <p:sp>
+        <p:nvSpPr>
+          <p:cNvPr id="5" name="Slide Number Placeholder 4"/>
+          <p:cNvSpPr>
+            <a:spLocks noGrp="1"/>
+          </p:cNvSpPr>
+          <p:nvPr>
+            <p:ph type="sldNum" idx="12"/>
+          </p:nvPr>
+        </p:nvSpPr>
+        <p:spPr/>
+        <p:txBody>
+          <a:bodyPr/>
           <a:p>
             <a:pPr marL="0" lvl="0" indent="0" algn="r" rtl="0">
               <a:spcBef>
@@ -16981,7 +17653,7 @@
         </p:blipFill>
         <p:spPr>
           <a:xfrm>
-            <a:off x="911225" y="1207770"/>
+            <a:off x="911225" y="1217930"/>
             <a:ext cx="10537825" cy="4442460"/>
           </a:xfrm>
           <a:prstGeom prst="rect">
